--- a/etc/thread_manager.pptx
+++ b/etc/thread_manager.pptx
@@ -7,6 +7,7 @@
   <p:sldIdLst>
     <p:sldId id="256" r:id="rId2"/>
     <p:sldId id="257" r:id="rId3"/>
+    <p:sldId id="258" r:id="rId4"/>
   </p:sldIdLst>
   <p:sldSz cx="9144000" cy="6858000" type="screen4x3"/>
   <p:notesSz cx="6858000" cy="9144000"/>
@@ -289,7 +290,7 @@
           <a:p>
             <a:fld id="{96CB86D3-7B57-4351-8487-129B39CE012B}" type="datetimeFigureOut">
               <a:rPr kumimoji="1" lang="ja-JP" altLang="en-US" smtClean="0"/>
-              <a:t>2016/11/18</a:t>
+              <a:t>2016/11/30</a:t>
             </a:fld>
             <a:endParaRPr kumimoji="1" lang="ja-JP" altLang="en-US"/>
           </a:p>
@@ -491,7 +492,7 @@
           <a:p>
             <a:fld id="{96CB86D3-7B57-4351-8487-129B39CE012B}" type="datetimeFigureOut">
               <a:rPr kumimoji="1" lang="ja-JP" altLang="en-US" smtClean="0"/>
-              <a:t>2016/11/18</a:t>
+              <a:t>2016/11/30</a:t>
             </a:fld>
             <a:endParaRPr kumimoji="1" lang="ja-JP" altLang="en-US"/>
           </a:p>
@@ -703,7 +704,7 @@
           <a:p>
             <a:fld id="{96CB86D3-7B57-4351-8487-129B39CE012B}" type="datetimeFigureOut">
               <a:rPr kumimoji="1" lang="ja-JP" altLang="en-US" smtClean="0"/>
-              <a:t>2016/11/18</a:t>
+              <a:t>2016/11/30</a:t>
             </a:fld>
             <a:endParaRPr kumimoji="1" lang="ja-JP" altLang="en-US"/>
           </a:p>
@@ -905,7 +906,7 @@
           <a:p>
             <a:fld id="{96CB86D3-7B57-4351-8487-129B39CE012B}" type="datetimeFigureOut">
               <a:rPr kumimoji="1" lang="ja-JP" altLang="en-US" smtClean="0"/>
-              <a:t>2016/11/18</a:t>
+              <a:t>2016/11/30</a:t>
             </a:fld>
             <a:endParaRPr kumimoji="1" lang="ja-JP" altLang="en-US"/>
           </a:p>
@@ -1151,7 +1152,7 @@
           <a:p>
             <a:fld id="{96CB86D3-7B57-4351-8487-129B39CE012B}" type="datetimeFigureOut">
               <a:rPr kumimoji="1" lang="ja-JP" altLang="en-US" smtClean="0"/>
-              <a:t>2016/11/18</a:t>
+              <a:t>2016/11/30</a:t>
             </a:fld>
             <a:endParaRPr kumimoji="1" lang="ja-JP" altLang="en-US"/>
           </a:p>
@@ -1503,7 +1504,7 @@
           <a:p>
             <a:fld id="{96CB86D3-7B57-4351-8487-129B39CE012B}" type="datetimeFigureOut">
               <a:rPr kumimoji="1" lang="ja-JP" altLang="en-US" smtClean="0"/>
-              <a:t>2016/11/18</a:t>
+              <a:t>2016/11/30</a:t>
             </a:fld>
             <a:endParaRPr kumimoji="1" lang="ja-JP" altLang="en-US"/>
           </a:p>
@@ -1989,7 +1990,7 @@
           <a:p>
             <a:fld id="{96CB86D3-7B57-4351-8487-129B39CE012B}" type="datetimeFigureOut">
               <a:rPr kumimoji="1" lang="ja-JP" altLang="en-US" smtClean="0"/>
-              <a:t>2016/11/18</a:t>
+              <a:t>2016/11/30</a:t>
             </a:fld>
             <a:endParaRPr kumimoji="1" lang="ja-JP" altLang="en-US"/>
           </a:p>
@@ -2107,7 +2108,7 @@
           <a:p>
             <a:fld id="{96CB86D3-7B57-4351-8487-129B39CE012B}" type="datetimeFigureOut">
               <a:rPr kumimoji="1" lang="ja-JP" altLang="en-US" smtClean="0"/>
-              <a:t>2016/11/18</a:t>
+              <a:t>2016/11/30</a:t>
             </a:fld>
             <a:endParaRPr kumimoji="1" lang="ja-JP" altLang="en-US"/>
           </a:p>
@@ -2202,7 +2203,7 @@
           <a:p>
             <a:fld id="{96CB86D3-7B57-4351-8487-129B39CE012B}" type="datetimeFigureOut">
               <a:rPr kumimoji="1" lang="ja-JP" altLang="en-US" smtClean="0"/>
-              <a:t>2016/11/18</a:t>
+              <a:t>2016/11/30</a:t>
             </a:fld>
             <a:endParaRPr kumimoji="1" lang="ja-JP" altLang="en-US"/>
           </a:p>
@@ -2511,7 +2512,7 @@
           <a:p>
             <a:fld id="{96CB86D3-7B57-4351-8487-129B39CE012B}" type="datetimeFigureOut">
               <a:rPr kumimoji="1" lang="ja-JP" altLang="en-US" smtClean="0"/>
-              <a:t>2016/11/18</a:t>
+              <a:t>2016/11/30</a:t>
             </a:fld>
             <a:endParaRPr kumimoji="1" lang="ja-JP" altLang="en-US"/>
           </a:p>
@@ -2764,7 +2765,7 @@
           <a:p>
             <a:fld id="{96CB86D3-7B57-4351-8487-129B39CE012B}" type="datetimeFigureOut">
               <a:rPr kumimoji="1" lang="ja-JP" altLang="en-US" smtClean="0"/>
-              <a:t>2016/11/18</a:t>
+              <a:t>2016/11/30</a:t>
             </a:fld>
             <a:endParaRPr kumimoji="1" lang="ja-JP" altLang="en-US"/>
           </a:p>
@@ -3009,7 +3010,7 @@
           <a:p>
             <a:fld id="{96CB86D3-7B57-4351-8487-129B39CE012B}" type="datetimeFigureOut">
               <a:rPr kumimoji="1" lang="ja-JP" altLang="en-US" smtClean="0"/>
-              <a:t>2016/11/18</a:t>
+              <a:t>2016/11/30</a:t>
             </a:fld>
             <a:endParaRPr kumimoji="1" lang="ja-JP" altLang="en-US"/>
           </a:p>
@@ -3435,14 +3436,14 @@
       </p:sp>
       <p:sp>
         <p:nvSpPr>
-          <p:cNvPr id="122" name="正方形/長方形 121"/>
+          <p:cNvPr id="114" name="正方形/長方形 113"/>
           <p:cNvSpPr/>
           <p:nvPr/>
         </p:nvSpPr>
         <p:spPr>
           <a:xfrm>
-            <a:off x="4322438" y="658788"/>
-            <a:ext cx="2193778" cy="1296144"/>
+            <a:off x="5088325" y="3969060"/>
+            <a:ext cx="1499899" cy="1692188"/>
           </a:xfrm>
           <a:prstGeom prst="rect">
             <a:avLst/>
@@ -3450,7 +3451,9 @@
           <a:solidFill>
             <a:schemeClr val="bg1"/>
           </a:solidFill>
-          <a:ln w="12700"/>
+          <a:ln>
+            <a:prstDash val="sysDot"/>
+          </a:ln>
         </p:spPr>
         <p:style>
           <a:lnRef idx="2">
@@ -3479,13 +3482,13 @@
       </p:sp>
       <p:sp>
         <p:nvSpPr>
-          <p:cNvPr id="114" name="正方形/長方形 113"/>
+          <p:cNvPr id="96" name="正方形/長方形 95"/>
           <p:cNvSpPr/>
           <p:nvPr/>
         </p:nvSpPr>
         <p:spPr>
           <a:xfrm>
-            <a:off x="5088325" y="3969060"/>
+            <a:off x="4872301" y="3897052"/>
             <a:ext cx="1499899" cy="1692188"/>
           </a:xfrm>
           <a:prstGeom prst="rect">
@@ -3525,13 +3528,13 @@
       </p:sp>
       <p:sp>
         <p:nvSpPr>
-          <p:cNvPr id="96" name="正方形/長方形 95"/>
+          <p:cNvPr id="95" name="正方形/長方形 94"/>
           <p:cNvSpPr/>
           <p:nvPr/>
         </p:nvSpPr>
         <p:spPr>
           <a:xfrm>
-            <a:off x="4872301" y="3897052"/>
+            <a:off x="4512261" y="3789040"/>
             <a:ext cx="1499899" cy="1692188"/>
           </a:xfrm>
           <a:prstGeom prst="rect">
@@ -3540,9 +3543,6 @@
           <a:solidFill>
             <a:schemeClr val="bg1"/>
           </a:solidFill>
-          <a:ln>
-            <a:prstDash val="sysDot"/>
-          </a:ln>
         </p:spPr>
         <p:style>
           <a:lnRef idx="2">
@@ -3571,13 +3571,13 @@
       </p:sp>
       <p:sp>
         <p:nvSpPr>
-          <p:cNvPr id="95" name="正方形/長方形 94"/>
+          <p:cNvPr id="69" name="正方形/長方形 68"/>
           <p:cNvSpPr/>
           <p:nvPr/>
         </p:nvSpPr>
         <p:spPr>
           <a:xfrm>
-            <a:off x="4512261" y="3789040"/>
+            <a:off x="3792181" y="3681028"/>
             <a:ext cx="1499899" cy="1692188"/>
           </a:xfrm>
           <a:prstGeom prst="rect">
@@ -3614,21 +3614,18 @@
       </p:sp>
       <p:sp>
         <p:nvSpPr>
-          <p:cNvPr id="69" name="正方形/長方形 68"/>
+          <p:cNvPr id="74" name="正方形/長方形 73"/>
           <p:cNvSpPr/>
           <p:nvPr/>
         </p:nvSpPr>
         <p:spPr>
           <a:xfrm>
-            <a:off x="3792181" y="3681028"/>
-            <a:ext cx="1499899" cy="1692188"/>
+            <a:off x="4209964" y="4629777"/>
+            <a:ext cx="664331" cy="597419"/>
           </a:xfrm>
           <a:prstGeom prst="rect">
             <a:avLst/>
           </a:prstGeom>
-          <a:solidFill>
-            <a:schemeClr val="bg1"/>
-          </a:solidFill>
         </p:spPr>
         <p:style>
           <a:lnRef idx="2">
@@ -3651,24 +3648,46 @@
           <a:lstStyle/>
           <a:p>
             <a:pPr algn="ctr"/>
-            <a:endParaRPr kumimoji="1" lang="ja-JP" altLang="en-US"/>
-          </a:p>
-        </p:txBody>
-      </p:sp>
-      <p:sp>
-        <p:nvSpPr>
-          <p:cNvPr id="74" name="正方形/長方形 73"/>
+            <a:r>
+              <a:rPr lang="en-US" altLang="ja-JP" sz="1400" dirty="0" smtClean="0"/>
+              <a:t>q</a:t>
+            </a:r>
+            <a:r>
+              <a:rPr kumimoji="1" lang="en-US" altLang="ja-JP" sz="1400" dirty="0" smtClean="0"/>
+              <a:t>ueue</a:t>
+            </a:r>
+            <a:endParaRPr lang="en-US" altLang="ja-JP" sz="1400" dirty="0" smtClean="0"/>
+          </a:p>
+          <a:p>
+            <a:pPr algn="ctr"/>
+            <a:r>
+              <a:rPr lang="en-US" altLang="ja-JP" sz="1400" dirty="0" smtClean="0"/>
+              <a:t>buffer</a:t>
+            </a:r>
+            <a:endParaRPr lang="en-US" altLang="ja-JP" sz="1400" dirty="0"/>
+          </a:p>
+        </p:txBody>
+      </p:sp>
+      <p:sp>
+        <p:nvSpPr>
+          <p:cNvPr id="66" name="正方形/長方形 65"/>
           <p:cNvSpPr/>
           <p:nvPr/>
         </p:nvSpPr>
         <p:spPr>
           <a:xfrm>
-            <a:off x="4209964" y="4629777"/>
-            <a:ext cx="664331" cy="597419"/>
+            <a:off x="827584" y="188640"/>
+            <a:ext cx="6192688" cy="6552728"/>
           </a:xfrm>
           <a:prstGeom prst="rect">
             <a:avLst/>
           </a:prstGeom>
+          <a:noFill/>
+          <a:ln>
+            <a:solidFill>
+              <a:schemeClr val="tx1"/>
+            </a:solidFill>
+          </a:ln>
         </p:spPr>
         <p:style>
           <a:lnRef idx="2">
@@ -3691,46 +3710,94 @@
           <a:lstStyle/>
           <a:p>
             <a:pPr algn="ctr"/>
-            <a:r>
-              <a:rPr lang="en-US" altLang="ja-JP" sz="1400" dirty="0" smtClean="0"/>
-              <a:t>q</a:t>
-            </a:r>
+            <a:endParaRPr kumimoji="1" lang="ja-JP" altLang="en-US"/>
+          </a:p>
+        </p:txBody>
+      </p:sp>
+      <p:sp>
+        <p:nvSpPr>
+          <p:cNvPr id="71" name="テキスト ボックス 70"/>
+          <p:cNvSpPr txBox="1"/>
+          <p:nvPr/>
+        </p:nvSpPr>
+        <p:spPr>
+          <a:xfrm>
+            <a:off x="35496" y="34751"/>
+            <a:ext cx="871072" cy="307777"/>
+          </a:xfrm>
+          <a:prstGeom prst="rect">
+            <a:avLst/>
+          </a:prstGeom>
+          <a:noFill/>
+        </p:spPr>
+        <p:txBody>
+          <a:bodyPr wrap="none" rtlCol="0">
+            <a:spAutoFit/>
+          </a:bodyPr>
+          <a:lstStyle/>
+          <a:p>
             <a:r>
               <a:rPr kumimoji="1" lang="en-US" altLang="ja-JP" sz="1400" dirty="0" smtClean="0"/>
-              <a:t>ueue</a:t>
-            </a:r>
-            <a:endParaRPr lang="en-US" altLang="ja-JP" sz="1400" dirty="0" smtClean="0"/>
-          </a:p>
-          <a:p>
-            <a:pPr algn="ctr"/>
-            <a:r>
-              <a:rPr lang="en-US" altLang="ja-JP" sz="1400" dirty="0" smtClean="0"/>
-              <a:t>buffer</a:t>
-            </a:r>
-            <a:endParaRPr lang="en-US" altLang="ja-JP" sz="1400" dirty="0"/>
-          </a:p>
-        </p:txBody>
-      </p:sp>
-      <p:sp>
-        <p:nvSpPr>
-          <p:cNvPr id="66" name="正方形/長方形 65"/>
+              <a:t>1 process</a:t>
+            </a:r>
+            <a:endParaRPr kumimoji="1" lang="ja-JP" altLang="en-US" sz="1400" dirty="0"/>
+          </a:p>
+        </p:txBody>
+      </p:sp>
+      <p:sp>
+        <p:nvSpPr>
+          <p:cNvPr id="73" name="テキスト ボックス 72"/>
+          <p:cNvSpPr txBox="1"/>
+          <p:nvPr/>
+        </p:nvSpPr>
+        <p:spPr>
+          <a:xfrm>
+            <a:off x="1123260" y="2977207"/>
+            <a:ext cx="1407116" cy="307777"/>
+          </a:xfrm>
+          <a:prstGeom prst="rect">
+            <a:avLst/>
+          </a:prstGeom>
+          <a:noFill/>
+        </p:spPr>
+        <p:txBody>
+          <a:bodyPr wrap="none" rtlCol="0">
+            <a:spAutoFit/>
+          </a:bodyPr>
+          <a:lstStyle/>
+          <a:p>
+            <a:r>
+              <a:rPr lang="en-US" altLang="ja-JP" sz="1400" dirty="0" err="1"/>
+              <a:t>t</a:t>
+            </a:r>
+            <a:r>
+              <a:rPr kumimoji="1" lang="en-US" altLang="ja-JP" sz="1400" dirty="0" err="1" smtClean="0"/>
+              <a:t>hread_manager</a:t>
+            </a:r>
+            <a:endParaRPr kumimoji="1" lang="ja-JP" altLang="en-US" sz="1400" dirty="0"/>
+          </a:p>
+        </p:txBody>
+      </p:sp>
+      <p:sp>
+        <p:nvSpPr>
+          <p:cNvPr id="106" name="正方形/長方形 105"/>
           <p:cNvSpPr/>
           <p:nvPr/>
         </p:nvSpPr>
         <p:spPr>
           <a:xfrm>
-            <a:off x="827584" y="188640"/>
-            <a:ext cx="6192688" cy="6552728"/>
+            <a:off x="4067944" y="4120603"/>
+            <a:ext cx="1008112" cy="396901"/>
           </a:xfrm>
           <a:prstGeom prst="rect">
             <a:avLst/>
           </a:prstGeom>
-          <a:noFill/>
-          <a:ln>
-            <a:solidFill>
-              <a:schemeClr val="tx1"/>
-            </a:solidFill>
-          </a:ln>
+          <a:solidFill>
+            <a:schemeClr val="accent5">
+              <a:lumMod val="60000"/>
+              <a:lumOff val="40000"/>
+            </a:schemeClr>
+          </a:solidFill>
         </p:spPr>
         <p:style>
           <a:lnRef idx="2">
@@ -3753,97 +3820,38 @@
           <a:lstStyle/>
           <a:p>
             <a:pPr algn="ctr"/>
-            <a:endParaRPr kumimoji="1" lang="ja-JP" altLang="en-US"/>
-          </a:p>
-        </p:txBody>
-      </p:sp>
-      <p:sp>
-        <p:nvSpPr>
-          <p:cNvPr id="71" name="テキスト ボックス 70"/>
-          <p:cNvSpPr txBox="1"/>
-          <p:nvPr/>
-        </p:nvSpPr>
-        <p:spPr>
-          <a:xfrm>
-            <a:off x="35496" y="34751"/>
-            <a:ext cx="871072" cy="307777"/>
+            <a:r>
+              <a:rPr kumimoji="1" lang="en-US" altLang="ja-JP" sz="1400" dirty="0" smtClean="0">
+                <a:solidFill>
+                  <a:schemeClr val="tx1"/>
+                </a:solidFill>
+              </a:rPr>
+              <a:t>sequence</a:t>
+            </a:r>
+            <a:endParaRPr kumimoji="1" lang="en-US" altLang="ja-JP" sz="1400" dirty="0">
+              <a:solidFill>
+                <a:schemeClr val="tx1"/>
+              </a:solidFill>
+            </a:endParaRPr>
+          </a:p>
+        </p:txBody>
+      </p:sp>
+      <p:sp>
+        <p:nvSpPr>
+          <p:cNvPr id="107" name="正方形/長方形 106"/>
+          <p:cNvSpPr/>
+          <p:nvPr/>
+        </p:nvSpPr>
+        <p:spPr>
+          <a:xfrm>
+            <a:off x="1496309" y="5661248"/>
+            <a:ext cx="1499899" cy="648072"/>
           </a:xfrm>
           <a:prstGeom prst="rect">
             <a:avLst/>
           </a:prstGeom>
-          <a:noFill/>
-        </p:spPr>
-        <p:txBody>
-          <a:bodyPr wrap="none" rtlCol="0">
-            <a:spAutoFit/>
-          </a:bodyPr>
-          <a:lstStyle/>
-          <a:p>
-            <a:r>
-              <a:rPr kumimoji="1" lang="en-US" altLang="ja-JP" sz="1400" dirty="0" smtClean="0"/>
-              <a:t>1 </a:t>
-            </a:r>
-            <a:r>
-              <a:rPr kumimoji="1" lang="en-US" altLang="ja-JP" sz="1400" dirty="0" smtClean="0"/>
-              <a:t>process</a:t>
-            </a:r>
-            <a:endParaRPr kumimoji="1" lang="ja-JP" altLang="en-US" sz="1400" dirty="0"/>
-          </a:p>
-        </p:txBody>
-      </p:sp>
-      <p:sp>
-        <p:nvSpPr>
-          <p:cNvPr id="73" name="テキスト ボックス 72"/>
-          <p:cNvSpPr txBox="1"/>
-          <p:nvPr/>
-        </p:nvSpPr>
-        <p:spPr>
-          <a:xfrm>
-            <a:off x="1123260" y="2977207"/>
-            <a:ext cx="1407116" cy="307777"/>
-          </a:xfrm>
-          <a:prstGeom prst="rect">
-            <a:avLst/>
-          </a:prstGeom>
-          <a:noFill/>
-        </p:spPr>
-        <p:txBody>
-          <a:bodyPr wrap="none" rtlCol="0">
-            <a:spAutoFit/>
-          </a:bodyPr>
-          <a:lstStyle/>
-          <a:p>
-            <a:r>
-              <a:rPr lang="en-US" altLang="ja-JP" sz="1400" dirty="0" err="1"/>
-              <a:t>t</a:t>
-            </a:r>
-            <a:r>
-              <a:rPr kumimoji="1" lang="en-US" altLang="ja-JP" sz="1400" dirty="0" err="1" smtClean="0"/>
-              <a:t>hread_manager</a:t>
-            </a:r>
-            <a:endParaRPr kumimoji="1" lang="ja-JP" altLang="en-US" sz="1400" dirty="0"/>
-          </a:p>
-        </p:txBody>
-      </p:sp>
-      <p:sp>
-        <p:nvSpPr>
-          <p:cNvPr id="106" name="正方形/長方形 105"/>
-          <p:cNvSpPr/>
-          <p:nvPr/>
-        </p:nvSpPr>
-        <p:spPr>
-          <a:xfrm>
-            <a:off x="4067944" y="4120603"/>
-            <a:ext cx="1008112" cy="396901"/>
-          </a:xfrm>
-          <a:prstGeom prst="rect">
-            <a:avLst/>
-          </a:prstGeom>
           <a:solidFill>
-            <a:schemeClr val="accent5">
-              <a:lumMod val="60000"/>
-              <a:lumOff val="40000"/>
-            </a:schemeClr>
+            <a:schemeClr val="bg1"/>
           </a:solidFill>
         </p:spPr>
         <p:style>
@@ -3867,31 +3875,64 @@
           <a:lstStyle/>
           <a:p>
             <a:pPr algn="ctr"/>
-            <a:r>
-              <a:rPr kumimoji="1" lang="en-US" altLang="ja-JP" sz="1400" dirty="0" smtClean="0">
-                <a:solidFill>
-                  <a:schemeClr val="tx1"/>
-                </a:solidFill>
-              </a:rPr>
-              <a:t>sequence</a:t>
-            </a:r>
-            <a:endParaRPr kumimoji="1" lang="en-US" altLang="ja-JP" sz="1400" dirty="0">
-              <a:solidFill>
-                <a:schemeClr val="tx1"/>
-              </a:solidFill>
-            </a:endParaRPr>
-          </a:p>
-        </p:txBody>
-      </p:sp>
-      <p:sp>
-        <p:nvSpPr>
-          <p:cNvPr id="107" name="正方形/長方形 106"/>
+            <a:endParaRPr kumimoji="1" lang="ja-JP" altLang="en-US" dirty="0"/>
+          </a:p>
+        </p:txBody>
+      </p:sp>
+      <p:sp>
+        <p:nvSpPr>
+          <p:cNvPr id="108" name="テキスト ボックス 107"/>
+          <p:cNvSpPr txBox="1"/>
+          <p:nvPr/>
+        </p:nvSpPr>
+        <p:spPr>
+          <a:xfrm>
+            <a:off x="1731900" y="5720556"/>
+            <a:ext cx="1039900" cy="523220"/>
+          </a:xfrm>
+          <a:prstGeom prst="rect">
+            <a:avLst/>
+          </a:prstGeom>
+          <a:noFill/>
+        </p:spPr>
+        <p:txBody>
+          <a:bodyPr wrap="none" rtlCol="0">
+            <a:spAutoFit/>
+          </a:bodyPr>
+          <a:lstStyle/>
+          <a:p>
+            <a:r>
+              <a:rPr kumimoji="1" lang="en-US" altLang="ja-JP" sz="1400" dirty="0" err="1" smtClean="0"/>
+              <a:t>baseThread</a:t>
+            </a:r>
+            <a:endParaRPr lang="en-US" altLang="ja-JP" sz="1400" dirty="0"/>
+          </a:p>
+          <a:p>
+            <a:r>
+              <a:rPr kumimoji="1" lang="en-US" altLang="ja-JP" sz="1400" dirty="0" smtClean="0"/>
+              <a:t>(</a:t>
+            </a:r>
+            <a:r>
+              <a:rPr kumimoji="1" lang="en-US" altLang="ja-JP" sz="1400" dirty="0" err="1" smtClean="0"/>
+              <a:t>pthread</a:t>
+            </a:r>
+            <a:r>
+              <a:rPr kumimoji="1" lang="en-US" altLang="ja-JP" sz="1400" dirty="0" smtClean="0"/>
+              <a:t>)</a:t>
+            </a:r>
+            <a:endParaRPr kumimoji="1" lang="ja-JP" altLang="en-US" sz="1400" dirty="0"/>
+          </a:p>
+        </p:txBody>
+      </p:sp>
+      <p:sp>
+        <p:nvSpPr>
+          <p:cNvPr id="109" name="正方形/長方形 108"/>
           <p:cNvSpPr/>
           <p:nvPr/>
         </p:nvSpPr>
         <p:spPr>
           <a:xfrm>
-            <a:off x="1496309" y="5661248"/>
+            <a:off x="3203848" y="5661248"/>
             <a:ext cx="1499899" cy="648072"/>
           </a:xfrm>
           <a:prstGeom prst="rect">
@@ -3928,14 +3969,14 @@
       </p:sp>
       <p:sp>
         <p:nvSpPr>
-          <p:cNvPr id="108" name="テキスト ボックス 107"/>
+          <p:cNvPr id="110" name="テキスト ボックス 109"/>
           <p:cNvSpPr txBox="1"/>
           <p:nvPr/>
         </p:nvSpPr>
         <p:spPr>
           <a:xfrm>
-            <a:off x="1731900" y="5720556"/>
-            <a:ext cx="1039900" cy="523220"/>
+            <a:off x="3439439" y="5720556"/>
+            <a:ext cx="1211037" cy="523220"/>
           </a:xfrm>
           <a:prstGeom prst="rect">
             <a:avLst/>
@@ -3949,8 +3990,12 @@
           <a:lstStyle/>
           <a:p>
             <a:r>
+              <a:rPr lang="en-US" altLang="ja-JP" sz="1400" dirty="0" err="1" smtClean="0"/>
+              <a:t>sigwait</a:t>
+            </a:r>
+            <a:r>
               <a:rPr kumimoji="1" lang="en-US" altLang="ja-JP" sz="1400" dirty="0" err="1" smtClean="0"/>
-              <a:t>baseThread</a:t>
+              <a:t>Thread</a:t>
             </a:r>
             <a:endParaRPr lang="en-US" altLang="ja-JP" sz="1400" dirty="0"/>
           </a:p>
@@ -3973,14 +4018,63 @@
       </p:sp>
       <p:sp>
         <p:nvSpPr>
-          <p:cNvPr id="109" name="正方形/長方形 108"/>
+          <p:cNvPr id="112" name="テキスト ボックス 111"/>
+          <p:cNvSpPr txBox="1"/>
+          <p:nvPr/>
+        </p:nvSpPr>
+        <p:spPr>
+          <a:xfrm>
+            <a:off x="3779912" y="3661792"/>
+            <a:ext cx="1210396" cy="523220"/>
+          </a:xfrm>
+          <a:prstGeom prst="rect">
+            <a:avLst/>
+          </a:prstGeom>
+          <a:noFill/>
+        </p:spPr>
+        <p:txBody>
+          <a:bodyPr wrap="none" rtlCol="0">
+            <a:spAutoFit/>
+          </a:bodyPr>
+          <a:lstStyle/>
+          <a:p>
+            <a:r>
+              <a:rPr lang="en-US" altLang="ja-JP" sz="1400" dirty="0" err="1" smtClean="0"/>
+              <a:t>worker</a:t>
+            </a:r>
+            <a:r>
+              <a:rPr kumimoji="1" lang="en-US" altLang="ja-JP" sz="1400" dirty="0" err="1" smtClean="0"/>
+              <a:t>Thread</a:t>
+            </a:r>
+            <a:endParaRPr lang="en-US" altLang="ja-JP" sz="1400" dirty="0"/>
+          </a:p>
+          <a:p>
+            <a:r>
+              <a:rPr kumimoji="1" lang="en-US" altLang="ja-JP" sz="1400" dirty="0" smtClean="0"/>
+              <a:t>(</a:t>
+            </a:r>
+            <a:r>
+              <a:rPr kumimoji="1" lang="en-US" altLang="ja-JP" sz="1400" dirty="0" err="1" smtClean="0"/>
+              <a:t>pthread</a:t>
+            </a:r>
+            <a:r>
+              <a:rPr kumimoji="1" lang="en-US" altLang="ja-JP" sz="1400" dirty="0" smtClean="0"/>
+              <a:t>)</a:t>
+            </a:r>
+            <a:endParaRPr kumimoji="1" lang="ja-JP" altLang="en-US" sz="1400" dirty="0"/>
+          </a:p>
+        </p:txBody>
+      </p:sp>
+      <p:sp>
+        <p:nvSpPr>
+          <p:cNvPr id="67" name="正方形/長方形 66"/>
           <p:cNvSpPr/>
           <p:nvPr/>
         </p:nvSpPr>
         <p:spPr>
           <a:xfrm>
-            <a:off x="3203848" y="5661248"/>
-            <a:ext cx="1499899" cy="648072"/>
+            <a:off x="2568045" y="3539563"/>
+            <a:ext cx="1499899" cy="1692188"/>
           </a:xfrm>
           <a:prstGeom prst="rect">
             <a:avLst/>
@@ -4010,125 +4104,24 @@
           <a:lstStyle/>
           <a:p>
             <a:pPr algn="ctr"/>
-            <a:endParaRPr kumimoji="1" lang="ja-JP" altLang="en-US" dirty="0"/>
-          </a:p>
-        </p:txBody>
-      </p:sp>
-      <p:sp>
-        <p:nvSpPr>
-          <p:cNvPr id="110" name="テキスト ボックス 109"/>
-          <p:cNvSpPr txBox="1"/>
-          <p:nvPr/>
-        </p:nvSpPr>
-        <p:spPr>
-          <a:xfrm>
-            <a:off x="3439439" y="5720556"/>
-            <a:ext cx="1211037" cy="523220"/>
+            <a:endParaRPr kumimoji="1" lang="ja-JP" altLang="en-US"/>
+          </a:p>
+        </p:txBody>
+      </p:sp>
+      <p:sp>
+        <p:nvSpPr>
+          <p:cNvPr id="75" name="正方形/長方形 74"/>
+          <p:cNvSpPr/>
+          <p:nvPr/>
+        </p:nvSpPr>
+        <p:spPr>
+          <a:xfrm>
+            <a:off x="3000093" y="4511671"/>
+            <a:ext cx="664331" cy="597419"/>
           </a:xfrm>
           <a:prstGeom prst="rect">
             <a:avLst/>
           </a:prstGeom>
-          <a:noFill/>
-        </p:spPr>
-        <p:txBody>
-          <a:bodyPr wrap="none" rtlCol="0">
-            <a:spAutoFit/>
-          </a:bodyPr>
-          <a:lstStyle/>
-          <a:p>
-            <a:r>
-              <a:rPr lang="en-US" altLang="ja-JP" sz="1400" dirty="0" err="1" smtClean="0"/>
-              <a:t>sigwait</a:t>
-            </a:r>
-            <a:r>
-              <a:rPr kumimoji="1" lang="en-US" altLang="ja-JP" sz="1400" dirty="0" err="1" smtClean="0"/>
-              <a:t>Thread</a:t>
-            </a:r>
-            <a:endParaRPr lang="en-US" altLang="ja-JP" sz="1400" dirty="0"/>
-          </a:p>
-          <a:p>
-            <a:r>
-              <a:rPr kumimoji="1" lang="en-US" altLang="ja-JP" sz="1400" dirty="0" smtClean="0"/>
-              <a:t>(</a:t>
-            </a:r>
-            <a:r>
-              <a:rPr kumimoji="1" lang="en-US" altLang="ja-JP" sz="1400" dirty="0" err="1" smtClean="0"/>
-              <a:t>pthread</a:t>
-            </a:r>
-            <a:r>
-              <a:rPr kumimoji="1" lang="en-US" altLang="ja-JP" sz="1400" dirty="0" smtClean="0"/>
-              <a:t>)</a:t>
-            </a:r>
-            <a:endParaRPr kumimoji="1" lang="ja-JP" altLang="en-US" sz="1400" dirty="0"/>
-          </a:p>
-        </p:txBody>
-      </p:sp>
-      <p:sp>
-        <p:nvSpPr>
-          <p:cNvPr id="112" name="テキスト ボックス 111"/>
-          <p:cNvSpPr txBox="1"/>
-          <p:nvPr/>
-        </p:nvSpPr>
-        <p:spPr>
-          <a:xfrm>
-            <a:off x="3779912" y="3661792"/>
-            <a:ext cx="1210396" cy="523220"/>
-          </a:xfrm>
-          <a:prstGeom prst="rect">
-            <a:avLst/>
-          </a:prstGeom>
-          <a:noFill/>
-        </p:spPr>
-        <p:txBody>
-          <a:bodyPr wrap="none" rtlCol="0">
-            <a:spAutoFit/>
-          </a:bodyPr>
-          <a:lstStyle/>
-          <a:p>
-            <a:r>
-              <a:rPr lang="en-US" altLang="ja-JP" sz="1400" dirty="0" err="1" smtClean="0"/>
-              <a:t>worker</a:t>
-            </a:r>
-            <a:r>
-              <a:rPr kumimoji="1" lang="en-US" altLang="ja-JP" sz="1400" dirty="0" err="1" smtClean="0"/>
-              <a:t>Thread</a:t>
-            </a:r>
-            <a:endParaRPr lang="en-US" altLang="ja-JP" sz="1400" dirty="0"/>
-          </a:p>
-          <a:p>
-            <a:r>
-              <a:rPr kumimoji="1" lang="en-US" altLang="ja-JP" sz="1400" dirty="0" smtClean="0"/>
-              <a:t>(</a:t>
-            </a:r>
-            <a:r>
-              <a:rPr kumimoji="1" lang="en-US" altLang="ja-JP" sz="1400" dirty="0" err="1" smtClean="0"/>
-              <a:t>pthread</a:t>
-            </a:r>
-            <a:r>
-              <a:rPr kumimoji="1" lang="en-US" altLang="ja-JP" sz="1400" dirty="0" smtClean="0"/>
-              <a:t>)</a:t>
-            </a:r>
-            <a:endParaRPr kumimoji="1" lang="ja-JP" altLang="en-US" sz="1400" dirty="0"/>
-          </a:p>
-        </p:txBody>
-      </p:sp>
-      <p:sp>
-        <p:nvSpPr>
-          <p:cNvPr id="67" name="正方形/長方形 66"/>
-          <p:cNvSpPr/>
-          <p:nvPr/>
-        </p:nvSpPr>
-        <p:spPr>
-          <a:xfrm>
-            <a:off x="2568045" y="3539563"/>
-            <a:ext cx="1499899" cy="1692188"/>
-          </a:xfrm>
-          <a:prstGeom prst="rect">
-            <a:avLst/>
-          </a:prstGeom>
-          <a:solidFill>
-            <a:schemeClr val="bg1"/>
-          </a:solidFill>
         </p:spPr>
         <p:style>
           <a:lnRef idx="2">
@@ -4151,24 +4144,46 @@
           <a:lstStyle/>
           <a:p>
             <a:pPr algn="ctr"/>
-            <a:endParaRPr kumimoji="1" lang="ja-JP" altLang="en-US"/>
-          </a:p>
-        </p:txBody>
-      </p:sp>
-      <p:sp>
-        <p:nvSpPr>
-          <p:cNvPr id="75" name="正方形/長方形 74"/>
+            <a:r>
+              <a:rPr lang="en-US" altLang="ja-JP" sz="1400" dirty="0" smtClean="0"/>
+              <a:t>q</a:t>
+            </a:r>
+            <a:r>
+              <a:rPr kumimoji="1" lang="en-US" altLang="ja-JP" sz="1400" dirty="0" smtClean="0"/>
+              <a:t>ueue</a:t>
+            </a:r>
+            <a:endParaRPr lang="en-US" altLang="ja-JP" sz="1400" dirty="0" smtClean="0"/>
+          </a:p>
+          <a:p>
+            <a:pPr algn="ctr"/>
+            <a:r>
+              <a:rPr lang="en-US" altLang="ja-JP" sz="1400" dirty="0" smtClean="0"/>
+              <a:t>buffer</a:t>
+            </a:r>
+            <a:endParaRPr lang="en-US" altLang="ja-JP" sz="1400" dirty="0"/>
+          </a:p>
+        </p:txBody>
+      </p:sp>
+      <p:sp>
+        <p:nvSpPr>
+          <p:cNvPr id="104" name="正方形/長方形 103"/>
           <p:cNvSpPr/>
           <p:nvPr/>
         </p:nvSpPr>
         <p:spPr>
           <a:xfrm>
-            <a:off x="3000093" y="4511671"/>
-            <a:ext cx="664331" cy="597419"/>
+            <a:off x="2843808" y="3968203"/>
+            <a:ext cx="1008112" cy="396901"/>
           </a:xfrm>
           <a:prstGeom prst="rect">
             <a:avLst/>
           </a:prstGeom>
+          <a:solidFill>
+            <a:schemeClr val="accent5">
+              <a:lumMod val="60000"/>
+              <a:lumOff val="40000"/>
+            </a:schemeClr>
+          </a:solidFill>
         </p:spPr>
         <p:style>
           <a:lnRef idx="2">
@@ -4192,44 +4207,86 @@
           <a:p>
             <a:pPr algn="ctr"/>
             <a:r>
-              <a:rPr lang="en-US" altLang="ja-JP" sz="1400" dirty="0" smtClean="0"/>
-              <a:t>q</a:t>
-            </a:r>
+              <a:rPr kumimoji="1" lang="en-US" altLang="ja-JP" sz="1400" dirty="0" smtClean="0">
+                <a:solidFill>
+                  <a:schemeClr val="tx1"/>
+                </a:solidFill>
+              </a:rPr>
+              <a:t>sequence</a:t>
+            </a:r>
+            <a:endParaRPr kumimoji="1" lang="en-US" altLang="ja-JP" sz="1400" dirty="0">
+              <a:solidFill>
+                <a:schemeClr val="tx1"/>
+              </a:solidFill>
+            </a:endParaRPr>
+          </a:p>
+        </p:txBody>
+      </p:sp>
+      <p:sp>
+        <p:nvSpPr>
+          <p:cNvPr id="111" name="テキスト ボックス 110"/>
+          <p:cNvSpPr txBox="1"/>
+          <p:nvPr/>
+        </p:nvSpPr>
+        <p:spPr>
+          <a:xfrm>
+            <a:off x="2569516" y="3509392"/>
+            <a:ext cx="1210396" cy="523220"/>
+          </a:xfrm>
+          <a:prstGeom prst="rect">
+            <a:avLst/>
+          </a:prstGeom>
+          <a:noFill/>
+        </p:spPr>
+        <p:txBody>
+          <a:bodyPr wrap="none" rtlCol="0">
+            <a:spAutoFit/>
+          </a:bodyPr>
+          <a:lstStyle/>
+          <a:p>
+            <a:r>
+              <a:rPr lang="en-US" altLang="ja-JP" sz="1400" dirty="0" err="1" smtClean="0"/>
+              <a:t>worker</a:t>
+            </a:r>
+            <a:r>
+              <a:rPr kumimoji="1" lang="en-US" altLang="ja-JP" sz="1400" dirty="0" err="1" smtClean="0"/>
+              <a:t>Thread</a:t>
+            </a:r>
+            <a:endParaRPr lang="en-US" altLang="ja-JP" sz="1400" dirty="0"/>
+          </a:p>
+          <a:p>
             <a:r>
               <a:rPr kumimoji="1" lang="en-US" altLang="ja-JP" sz="1400" dirty="0" smtClean="0"/>
-              <a:t>ueue</a:t>
-            </a:r>
-            <a:endParaRPr lang="en-US" altLang="ja-JP" sz="1400" dirty="0" smtClean="0"/>
-          </a:p>
-          <a:p>
-            <a:pPr algn="ctr"/>
-            <a:r>
-              <a:rPr lang="en-US" altLang="ja-JP" sz="1400" dirty="0" smtClean="0"/>
-              <a:t>buffer</a:t>
-            </a:r>
-            <a:endParaRPr lang="en-US" altLang="ja-JP" sz="1400" dirty="0"/>
-          </a:p>
-        </p:txBody>
-      </p:sp>
-      <p:sp>
-        <p:nvSpPr>
-          <p:cNvPr id="104" name="正方形/長方形 103"/>
+              <a:t>(</a:t>
+            </a:r>
+            <a:r>
+              <a:rPr kumimoji="1" lang="en-US" altLang="ja-JP" sz="1400" dirty="0" err="1" smtClean="0"/>
+              <a:t>pthread</a:t>
+            </a:r>
+            <a:r>
+              <a:rPr kumimoji="1" lang="en-US" altLang="ja-JP" sz="1400" dirty="0" smtClean="0"/>
+              <a:t>)</a:t>
+            </a:r>
+            <a:endParaRPr kumimoji="1" lang="ja-JP" altLang="en-US" sz="1400" dirty="0"/>
+          </a:p>
+        </p:txBody>
+      </p:sp>
+      <p:sp>
+        <p:nvSpPr>
+          <p:cNvPr id="6" name="正方形/長方形 5"/>
           <p:cNvSpPr/>
           <p:nvPr/>
         </p:nvSpPr>
         <p:spPr>
           <a:xfrm>
-            <a:off x="2843808" y="3968203"/>
-            <a:ext cx="1008112" cy="396901"/>
+            <a:off x="1343909" y="3395547"/>
+            <a:ext cx="1499899" cy="1692188"/>
           </a:xfrm>
           <a:prstGeom prst="rect">
             <a:avLst/>
           </a:prstGeom>
           <a:solidFill>
-            <a:schemeClr val="accent5">
-              <a:lumMod val="60000"/>
-              <a:lumOff val="40000"/>
-            </a:schemeClr>
+            <a:schemeClr val="bg1"/>
           </a:solidFill>
         </p:spPr>
         <p:style>
@@ -4253,31 +4310,19 @@
           <a:lstStyle/>
           <a:p>
             <a:pPr algn="ctr"/>
-            <a:r>
-              <a:rPr kumimoji="1" lang="en-US" altLang="ja-JP" sz="1400" dirty="0" smtClean="0">
-                <a:solidFill>
-                  <a:schemeClr val="tx1"/>
-                </a:solidFill>
-              </a:rPr>
-              <a:t>sequence</a:t>
-            </a:r>
-            <a:endParaRPr kumimoji="1" lang="en-US" altLang="ja-JP" sz="1400" dirty="0">
-              <a:solidFill>
-                <a:schemeClr val="tx1"/>
-              </a:solidFill>
-            </a:endParaRPr>
-          </a:p>
-        </p:txBody>
-      </p:sp>
-      <p:sp>
-        <p:nvSpPr>
-          <p:cNvPr id="111" name="テキスト ボックス 110"/>
+            <a:endParaRPr kumimoji="1" lang="ja-JP" altLang="en-US" dirty="0"/>
+          </a:p>
+        </p:txBody>
+      </p:sp>
+      <p:sp>
+        <p:nvSpPr>
+          <p:cNvPr id="7" name="テキスト ボックス 6"/>
           <p:cNvSpPr txBox="1"/>
           <p:nvPr/>
         </p:nvSpPr>
         <p:spPr>
           <a:xfrm>
-            <a:off x="2569516" y="3509392"/>
+            <a:off x="1345380" y="3356992"/>
             <a:ext cx="1210396" cy="523220"/>
           </a:xfrm>
           <a:prstGeom prst="rect">
@@ -4320,21 +4365,18 @@
       </p:sp>
       <p:sp>
         <p:nvSpPr>
-          <p:cNvPr id="6" name="正方形/長方形 5"/>
+          <p:cNvPr id="76" name="正方形/長方形 75"/>
           <p:cNvSpPr/>
           <p:nvPr/>
         </p:nvSpPr>
         <p:spPr>
           <a:xfrm>
-            <a:off x="1343909" y="3395547"/>
-            <a:ext cx="1499899" cy="1692188"/>
+            <a:off x="1775957" y="4367655"/>
+            <a:ext cx="664331" cy="597419"/>
           </a:xfrm>
           <a:prstGeom prst="rect">
             <a:avLst/>
           </a:prstGeom>
-          <a:solidFill>
-            <a:schemeClr val="bg1"/>
-          </a:solidFill>
         </p:spPr>
         <p:style>
           <a:lnRef idx="2">
@@ -4357,73 +4399,46 @@
           <a:lstStyle/>
           <a:p>
             <a:pPr algn="ctr"/>
-            <a:endParaRPr kumimoji="1" lang="ja-JP" altLang="en-US" dirty="0"/>
-          </a:p>
-        </p:txBody>
-      </p:sp>
-      <p:sp>
-        <p:nvSpPr>
-          <p:cNvPr id="7" name="テキスト ボックス 6"/>
-          <p:cNvSpPr txBox="1"/>
-          <p:nvPr/>
-        </p:nvSpPr>
-        <p:spPr>
-          <a:xfrm>
-            <a:off x="1345380" y="3356992"/>
-            <a:ext cx="1210396" cy="523220"/>
+            <a:r>
+              <a:rPr lang="en-US" altLang="ja-JP" sz="1400" dirty="0" smtClean="0"/>
+              <a:t>q</a:t>
+            </a:r>
+            <a:r>
+              <a:rPr kumimoji="1" lang="en-US" altLang="ja-JP" sz="1400" dirty="0" smtClean="0"/>
+              <a:t>ueue</a:t>
+            </a:r>
+            <a:endParaRPr lang="en-US" altLang="ja-JP" sz="1400" dirty="0" smtClean="0"/>
+          </a:p>
+          <a:p>
+            <a:pPr algn="ctr"/>
+            <a:r>
+              <a:rPr lang="en-US" altLang="ja-JP" sz="1400" dirty="0" smtClean="0"/>
+              <a:t>buffer</a:t>
+            </a:r>
+            <a:endParaRPr lang="en-US" altLang="ja-JP" sz="1400" dirty="0"/>
+          </a:p>
+        </p:txBody>
+      </p:sp>
+      <p:sp>
+        <p:nvSpPr>
+          <p:cNvPr id="97" name="正方形/長方形 96"/>
+          <p:cNvSpPr/>
+          <p:nvPr/>
+        </p:nvSpPr>
+        <p:spPr>
+          <a:xfrm>
+            <a:off x="1619672" y="3867352"/>
+            <a:ext cx="1008112" cy="396901"/>
           </a:xfrm>
           <a:prstGeom prst="rect">
             <a:avLst/>
           </a:prstGeom>
-          <a:noFill/>
-        </p:spPr>
-        <p:txBody>
-          <a:bodyPr wrap="none" rtlCol="0">
-            <a:spAutoFit/>
-          </a:bodyPr>
-          <a:lstStyle/>
-          <a:p>
-            <a:r>
-              <a:rPr lang="en-US" altLang="ja-JP" sz="1400" dirty="0" err="1" smtClean="0"/>
-              <a:t>worker</a:t>
-            </a:r>
-            <a:r>
-              <a:rPr kumimoji="1" lang="en-US" altLang="ja-JP" sz="1400" dirty="0" err="1" smtClean="0"/>
-              <a:t>Thread</a:t>
-            </a:r>
-            <a:endParaRPr lang="en-US" altLang="ja-JP" sz="1400" dirty="0"/>
-          </a:p>
-          <a:p>
-            <a:r>
-              <a:rPr kumimoji="1" lang="en-US" altLang="ja-JP" sz="1400" dirty="0" smtClean="0"/>
-              <a:t>(</a:t>
-            </a:r>
-            <a:r>
-              <a:rPr kumimoji="1" lang="en-US" altLang="ja-JP" sz="1400" dirty="0" err="1" smtClean="0"/>
-              <a:t>pthread</a:t>
-            </a:r>
-            <a:r>
-              <a:rPr kumimoji="1" lang="en-US" altLang="ja-JP" sz="1400" dirty="0" smtClean="0"/>
-              <a:t>)</a:t>
-            </a:r>
-            <a:endParaRPr kumimoji="1" lang="ja-JP" altLang="en-US" sz="1400" dirty="0"/>
-          </a:p>
-        </p:txBody>
-      </p:sp>
-      <p:sp>
-        <p:nvSpPr>
-          <p:cNvPr id="76" name="正方形/長方形 75"/>
-          <p:cNvSpPr/>
-          <p:nvPr/>
-        </p:nvSpPr>
-        <p:spPr>
-          <a:xfrm>
-            <a:off x="1775957" y="4367655"/>
-            <a:ext cx="664331" cy="597419"/>
-          </a:xfrm>
-          <a:prstGeom prst="rect">
-            <a:avLst/>
-          </a:prstGeom>
+          <a:solidFill>
+            <a:schemeClr val="accent5">
+              <a:lumMod val="60000"/>
+              <a:lumOff val="40000"/>
+            </a:schemeClr>
+          </a:solidFill>
         </p:spPr>
         <p:style>
           <a:lnRef idx="2">
@@ -4447,68 +4462,6 @@
           <a:p>
             <a:pPr algn="ctr"/>
             <a:r>
-              <a:rPr lang="en-US" altLang="ja-JP" sz="1400" dirty="0" smtClean="0"/>
-              <a:t>q</a:t>
-            </a:r>
-            <a:r>
-              <a:rPr kumimoji="1" lang="en-US" altLang="ja-JP" sz="1400" dirty="0" smtClean="0"/>
-              <a:t>ueue</a:t>
-            </a:r>
-            <a:endParaRPr lang="en-US" altLang="ja-JP" sz="1400" dirty="0" smtClean="0"/>
-          </a:p>
-          <a:p>
-            <a:pPr algn="ctr"/>
-            <a:r>
-              <a:rPr lang="en-US" altLang="ja-JP" sz="1400" dirty="0" smtClean="0"/>
-              <a:t>buffer</a:t>
-            </a:r>
-            <a:endParaRPr lang="en-US" altLang="ja-JP" sz="1400" dirty="0"/>
-          </a:p>
-        </p:txBody>
-      </p:sp>
-      <p:sp>
-        <p:nvSpPr>
-          <p:cNvPr id="97" name="正方形/長方形 96"/>
-          <p:cNvSpPr/>
-          <p:nvPr/>
-        </p:nvSpPr>
-        <p:spPr>
-          <a:xfrm>
-            <a:off x="1619672" y="3867352"/>
-            <a:ext cx="1008112" cy="396901"/>
-          </a:xfrm>
-          <a:prstGeom prst="rect">
-            <a:avLst/>
-          </a:prstGeom>
-          <a:solidFill>
-            <a:schemeClr val="accent5">
-              <a:lumMod val="60000"/>
-              <a:lumOff val="40000"/>
-            </a:schemeClr>
-          </a:solidFill>
-        </p:spPr>
-        <p:style>
-          <a:lnRef idx="2">
-            <a:schemeClr val="accent1">
-              <a:shade val="50000"/>
-            </a:schemeClr>
-          </a:lnRef>
-          <a:fillRef idx="1">
-            <a:schemeClr val="accent1"/>
-          </a:fillRef>
-          <a:effectRef idx="0">
-            <a:schemeClr val="accent1"/>
-          </a:effectRef>
-          <a:fontRef idx="minor">
-            <a:schemeClr val="lt1"/>
-          </a:fontRef>
-        </p:style>
-        <p:txBody>
-          <a:bodyPr rtlCol="0" anchor="ctr"/>
-          <a:lstStyle/>
-          <a:p>
-            <a:pPr algn="ctr"/>
-            <a:r>
               <a:rPr kumimoji="1" lang="en-US" altLang="ja-JP" sz="1400" dirty="0" smtClean="0">
                 <a:solidFill>
                   <a:schemeClr val="tx1"/>
@@ -4614,8 +4567,8 @@
         </p:nvSpPr>
         <p:spPr>
           <a:xfrm>
-            <a:off x="2474415" y="4077072"/>
-            <a:ext cx="585417" cy="400110"/>
+            <a:off x="2474415" y="4555728"/>
+            <a:ext cx="585417" cy="553998"/>
           </a:xfrm>
           <a:prstGeom prst="rect">
             <a:avLst/>
@@ -4644,7 +4597,17 @@
                   <a:srgbClr val="FF0000"/>
                 </a:solidFill>
               </a:rPr>
-              <a:t>reply</a:t>
+              <a:t>Reply</a:t>
+            </a:r>
+          </a:p>
+          <a:p>
+            <a:r>
+              <a:rPr kumimoji="1" lang="en-US" altLang="ja-JP" sz="1000" dirty="0" smtClean="0">
+                <a:solidFill>
+                  <a:srgbClr val="FF0000"/>
+                </a:solidFill>
+              </a:rPr>
+              <a:t>notify</a:t>
             </a:r>
             <a:endParaRPr kumimoji="1" lang="ja-JP" altLang="en-US" sz="1000" dirty="0">
               <a:solidFill>
@@ -4734,8 +4697,8 @@
         </p:nvSpPr>
         <p:spPr>
           <a:xfrm>
-            <a:off x="3635896" y="4221088"/>
-            <a:ext cx="585417" cy="400110"/>
+            <a:off x="3711251" y="4699744"/>
+            <a:ext cx="585417" cy="553998"/>
           </a:xfrm>
           <a:prstGeom prst="rect">
             <a:avLst/>
@@ -4764,7 +4727,17 @@
                   <a:srgbClr val="FF0000"/>
                 </a:solidFill>
               </a:rPr>
-              <a:t>reply</a:t>
+              <a:t>Reply</a:t>
+            </a:r>
+          </a:p>
+          <a:p>
+            <a:r>
+              <a:rPr kumimoji="1" lang="en-US" altLang="ja-JP" sz="1000" dirty="0" smtClean="0">
+                <a:solidFill>
+                  <a:srgbClr val="FF0000"/>
+                </a:solidFill>
+              </a:rPr>
+              <a:t>notify</a:t>
             </a:r>
             <a:endParaRPr kumimoji="1" lang="ja-JP" altLang="en-US" sz="1000" dirty="0">
               <a:solidFill>
@@ -4848,72 +4821,6 @@
       </p:cxnSp>
       <p:sp>
         <p:nvSpPr>
-          <p:cNvPr id="113" name="正方形/長方形 112"/>
-          <p:cNvSpPr/>
-          <p:nvPr/>
-        </p:nvSpPr>
-        <p:spPr>
-          <a:xfrm>
-            <a:off x="4932040" y="6021288"/>
-            <a:ext cx="1528073" cy="296848"/>
-          </a:xfrm>
-          <a:prstGeom prst="rect">
-            <a:avLst/>
-          </a:prstGeom>
-          <a:solidFill>
-            <a:schemeClr val="accent2">
-              <a:lumMod val="60000"/>
-              <a:lumOff val="40000"/>
-            </a:schemeClr>
-          </a:solidFill>
-        </p:spPr>
-        <p:style>
-          <a:lnRef idx="2">
-            <a:schemeClr val="accent1">
-              <a:shade val="50000"/>
-            </a:schemeClr>
-          </a:lnRef>
-          <a:fillRef idx="1">
-            <a:schemeClr val="accent1"/>
-          </a:fillRef>
-          <a:effectRef idx="0">
-            <a:schemeClr val="accent1"/>
-          </a:effectRef>
-          <a:fontRef idx="minor">
-            <a:schemeClr val="lt1"/>
-          </a:fontRef>
-        </p:style>
-        <p:txBody>
-          <a:bodyPr rtlCol="0" anchor="ctr"/>
-          <a:lstStyle/>
-          <a:p>
-            <a:pPr algn="ctr"/>
-            <a:r>
-              <a:rPr lang="en-US" altLang="ja-JP" sz="1000" dirty="0" err="1">
-                <a:solidFill>
-                  <a:schemeClr val="tx1"/>
-                </a:solidFill>
-              </a:rPr>
-              <a:t>e</a:t>
-            </a:r>
-            <a:r>
-              <a:rPr lang="en-US" altLang="ja-JP" sz="1000" dirty="0" err="1" smtClean="0">
-                <a:solidFill>
-                  <a:schemeClr val="tx1"/>
-                </a:solidFill>
-              </a:rPr>
-              <a:t>xternal_control_info</a:t>
-            </a:r>
-            <a:endParaRPr kumimoji="1" lang="en-US" altLang="ja-JP" sz="1000" dirty="0">
-              <a:solidFill>
-                <a:schemeClr val="tx1"/>
-              </a:solidFill>
-            </a:endParaRPr>
-          </a:p>
-        </p:txBody>
-      </p:sp>
-      <p:sp>
-        <p:nvSpPr>
           <p:cNvPr id="68" name="正方形/長方形 67"/>
           <p:cNvSpPr/>
           <p:nvPr/>
@@ -5004,7 +4911,7 @@
         <p:spPr>
           <a:xfrm>
             <a:off x="2627784" y="260648"/>
-            <a:ext cx="1382045" cy="307777"/>
+            <a:ext cx="1430135" cy="307777"/>
           </a:xfrm>
           <a:prstGeom prst="rect">
             <a:avLst/>
@@ -5022,8 +4929,8 @@
               <a:t>User </a:t>
             </a:r>
             <a:r>
-              <a:rPr lang="en-US" altLang="ja-JP" sz="1400" dirty="0" err="1" smtClean="0"/>
-              <a:t>impliments</a:t>
+              <a:rPr lang="en-US" altLang="ja-JP" sz="1400" dirty="0" smtClean="0"/>
+              <a:t>implements</a:t>
             </a:r>
             <a:endParaRPr kumimoji="1" lang="ja-JP" altLang="en-US" sz="1400" dirty="0"/>
           </a:p>
@@ -5205,7 +5112,7 @@
         </p:nvSpPr>
         <p:spPr>
           <a:xfrm>
-            <a:off x="1035470" y="595288"/>
+            <a:off x="1683542" y="595288"/>
             <a:ext cx="2193778" cy="1296144"/>
           </a:xfrm>
           <a:prstGeom prst="rect">
@@ -5249,7 +5156,7 @@
         </p:nvSpPr>
         <p:spPr>
           <a:xfrm>
-            <a:off x="1187624" y="1889765"/>
+            <a:off x="1835696" y="1889765"/>
             <a:ext cx="658514" cy="276999"/>
           </a:xfrm>
           <a:prstGeom prst="rect">
@@ -5279,7 +5186,7 @@
         </p:nvSpPr>
         <p:spPr>
           <a:xfrm>
-            <a:off x="3386334" y="595288"/>
+            <a:off x="4034406" y="595288"/>
             <a:ext cx="2193778" cy="1296144"/>
           </a:xfrm>
           <a:prstGeom prst="rect">
@@ -5318,17 +5225,19 @@
       <p:cxnSp>
         <p:nvCxnSpPr>
           <p:cNvPr id="120" name="カギ線コネクタ 119"/>
-          <p:cNvCxnSpPr/>
+          <p:cNvCxnSpPr>
+            <a:stCxn id="105" idx="2"/>
+          </p:cNvCxnSpPr>
           <p:nvPr/>
         </p:nvCxnSpPr>
         <p:spPr>
           <a:xfrm rot="5400000">
-            <a:off x="2472934" y="2713594"/>
-            <a:ext cx="2238409" cy="200515"/>
+            <a:off x="3039604" y="2016313"/>
+            <a:ext cx="2352583" cy="1552910"/>
           </a:xfrm>
           <a:prstGeom prst="bentConnector3">
             <a:avLst>
-              <a:gd name="adj1" fmla="val 12554"/>
+              <a:gd name="adj1" fmla="val 21929"/>
             </a:avLst>
           </a:prstGeom>
           <a:ln>
@@ -5358,7 +5267,7 @@
         </p:nvSpPr>
         <p:spPr>
           <a:xfrm>
-            <a:off x="3551188" y="1902465"/>
+            <a:off x="4199260" y="1902465"/>
             <a:ext cx="658514" cy="276999"/>
           </a:xfrm>
           <a:prstGeom prst="rect">
@@ -5388,7 +5297,7 @@
         </p:nvSpPr>
         <p:spPr>
           <a:xfrm>
-            <a:off x="3898528" y="1383178"/>
+            <a:off x="4546600" y="1383178"/>
             <a:ext cx="1512168" cy="461646"/>
           </a:xfrm>
           <a:prstGeom prst="rect">
@@ -5442,7 +5351,7 @@
         </p:nvSpPr>
         <p:spPr>
           <a:xfrm>
-            <a:off x="3804218" y="1305009"/>
+            <a:off x="4452290" y="1305009"/>
             <a:ext cx="1512168" cy="461646"/>
           </a:xfrm>
           <a:prstGeom prst="rect">
@@ -5495,7 +5404,7 @@
         </p:nvSpPr>
         <p:spPr>
           <a:xfrm>
-            <a:off x="3690888" y="1233001"/>
+            <a:off x="4338960" y="1233001"/>
             <a:ext cx="1512168" cy="461646"/>
           </a:xfrm>
           <a:prstGeom prst="rect">
@@ -5545,7 +5454,7 @@
         </p:nvSpPr>
         <p:spPr>
           <a:xfrm>
-            <a:off x="3588194" y="1159178"/>
+            <a:off x="4236266" y="1159178"/>
             <a:ext cx="1512168" cy="457299"/>
           </a:xfrm>
           <a:prstGeom prst="rect">
@@ -5603,7 +5512,7 @@
         </p:nvSpPr>
         <p:spPr>
           <a:xfrm>
-            <a:off x="3394472" y="919753"/>
+            <a:off x="4042544" y="919753"/>
             <a:ext cx="1143005" cy="276999"/>
           </a:xfrm>
           <a:prstGeom prst="rect">
@@ -5633,7 +5542,7 @@
         </p:nvSpPr>
         <p:spPr>
           <a:xfrm>
-            <a:off x="3375960" y="595288"/>
+            <a:off x="4024032" y="595288"/>
             <a:ext cx="1242648" cy="276999"/>
           </a:xfrm>
           <a:prstGeom prst="rect">
@@ -5663,7 +5572,7 @@
         </p:nvSpPr>
         <p:spPr>
           <a:xfrm>
-            <a:off x="1547664" y="1357778"/>
+            <a:off x="2195736" y="1357778"/>
             <a:ext cx="1512168" cy="461646"/>
           </a:xfrm>
           <a:prstGeom prst="rect">
@@ -5717,7 +5626,7 @@
         </p:nvSpPr>
         <p:spPr>
           <a:xfrm>
-            <a:off x="1453354" y="1279609"/>
+            <a:off x="2101426" y="1279609"/>
             <a:ext cx="1512168" cy="461646"/>
           </a:xfrm>
           <a:prstGeom prst="rect">
@@ -5770,7 +5679,7 @@
         </p:nvSpPr>
         <p:spPr>
           <a:xfrm>
-            <a:off x="1340024" y="1207601"/>
+            <a:off x="1988096" y="1207601"/>
             <a:ext cx="1512168" cy="461646"/>
           </a:xfrm>
           <a:prstGeom prst="rect">
@@ -5820,7 +5729,7 @@
         </p:nvSpPr>
         <p:spPr>
           <a:xfrm>
-            <a:off x="1237330" y="1133778"/>
+            <a:off x="1885402" y="1133778"/>
             <a:ext cx="1512168" cy="457299"/>
           </a:xfrm>
           <a:prstGeom prst="rect">
@@ -5878,7 +5787,7 @@
         </p:nvSpPr>
         <p:spPr>
           <a:xfrm>
-            <a:off x="1043608" y="894353"/>
+            <a:off x="1691680" y="894353"/>
             <a:ext cx="1143005" cy="276999"/>
           </a:xfrm>
           <a:prstGeom prst="rect">
@@ -5908,7 +5817,7 @@
         </p:nvSpPr>
         <p:spPr>
           <a:xfrm>
-            <a:off x="1025096" y="569888"/>
+            <a:off x="1673168" y="569888"/>
             <a:ext cx="1242648" cy="276999"/>
           </a:xfrm>
           <a:prstGeom prst="rect">
@@ -5933,17 +5842,19 @@
       <p:cxnSp>
         <p:nvCxnSpPr>
           <p:cNvPr id="3" name="カギ線コネクタ 2"/>
-          <p:cNvCxnSpPr/>
+          <p:cNvCxnSpPr>
+            <a:stCxn id="87" idx="2"/>
+          </p:cNvCxnSpPr>
           <p:nvPr/>
         </p:nvCxnSpPr>
         <p:spPr>
-          <a:xfrm rot="16200000" flipH="1">
-            <a:off x="725987" y="2283283"/>
-            <a:ext cx="2191799" cy="963725"/>
+          <a:xfrm rot="5400000">
+            <a:off x="1333006" y="2552563"/>
+            <a:ext cx="2269967" cy="346994"/>
           </a:xfrm>
           <a:prstGeom prst="bentConnector3">
             <a:avLst>
-              <a:gd name="adj1" fmla="val 13496"/>
+              <a:gd name="adj1" fmla="val 23704"/>
             </a:avLst>
           </a:prstGeom>
           <a:ln>
@@ -5965,6 +5876,204 @@
           </a:fontRef>
         </p:style>
       </p:cxnSp>
+      <p:sp>
+        <p:nvSpPr>
+          <p:cNvPr id="2" name="左右矢印 1"/>
+          <p:cNvSpPr/>
+          <p:nvPr/>
+        </p:nvSpPr>
+        <p:spPr>
+          <a:xfrm>
+            <a:off x="3347864" y="1052736"/>
+            <a:ext cx="869923" cy="332220"/>
+          </a:xfrm>
+          <a:prstGeom prst="leftRightArrow">
+            <a:avLst/>
+          </a:prstGeom>
+          <a:solidFill>
+            <a:srgbClr val="FFC000"/>
+          </a:solidFill>
+          <a:ln>
+            <a:solidFill>
+              <a:schemeClr val="accent6">
+                <a:lumMod val="75000"/>
+              </a:schemeClr>
+            </a:solidFill>
+          </a:ln>
+        </p:spPr>
+        <p:style>
+          <a:lnRef idx="2">
+            <a:schemeClr val="accent1">
+              <a:shade val="50000"/>
+            </a:schemeClr>
+          </a:lnRef>
+          <a:fillRef idx="1">
+            <a:schemeClr val="accent1"/>
+          </a:fillRef>
+          <a:effectRef idx="0">
+            <a:schemeClr val="accent1"/>
+          </a:effectRef>
+          <a:fontRef idx="minor">
+            <a:schemeClr val="lt1"/>
+          </a:fontRef>
+        </p:style>
+        <p:txBody>
+          <a:bodyPr rtlCol="0" anchor="ctr"/>
+          <a:lstStyle/>
+          <a:p>
+            <a:pPr algn="ctr"/>
+            <a:endParaRPr kumimoji="1" lang="ja-JP" altLang="en-US"/>
+          </a:p>
+        </p:txBody>
+      </p:sp>
+      <p:sp>
+        <p:nvSpPr>
+          <p:cNvPr id="59" name="テキスト ボックス 58"/>
+          <p:cNvSpPr txBox="1"/>
+          <p:nvPr/>
+        </p:nvSpPr>
+        <p:spPr>
+          <a:xfrm>
+            <a:off x="3554535" y="1265426"/>
+            <a:ext cx="585417" cy="553998"/>
+          </a:xfrm>
+          <a:prstGeom prst="rect">
+            <a:avLst/>
+          </a:prstGeom>
+          <a:noFill/>
+        </p:spPr>
+        <p:txBody>
+          <a:bodyPr wrap="none" rtlCol="0">
+            <a:spAutoFit/>
+          </a:bodyPr>
+          <a:lstStyle/>
+          <a:p>
+            <a:r>
+              <a:rPr kumimoji="1" lang="en-US" altLang="ja-JP" sz="1000" dirty="0" smtClean="0">
+                <a:solidFill>
+                  <a:srgbClr val="FF0000"/>
+                </a:solidFill>
+              </a:rPr>
+              <a:t>request</a:t>
+            </a:r>
+          </a:p>
+          <a:p>
+            <a:r>
+              <a:rPr lang="en-US" altLang="ja-JP" sz="1000" dirty="0" smtClean="0">
+                <a:solidFill>
+                  <a:srgbClr val="FF0000"/>
+                </a:solidFill>
+              </a:rPr>
+              <a:t>Reply</a:t>
+            </a:r>
+          </a:p>
+          <a:p>
+            <a:r>
+              <a:rPr kumimoji="1" lang="en-US" altLang="ja-JP" sz="1000" dirty="0" smtClean="0">
+                <a:solidFill>
+                  <a:srgbClr val="FF0000"/>
+                </a:solidFill>
+              </a:rPr>
+              <a:t>notify</a:t>
+            </a:r>
+            <a:endParaRPr kumimoji="1" lang="ja-JP" altLang="en-US" sz="1000" dirty="0">
+              <a:solidFill>
+                <a:srgbClr val="FF0000"/>
+              </a:solidFill>
+            </a:endParaRPr>
+          </a:p>
+        </p:txBody>
+      </p:sp>
+      <p:sp>
+        <p:nvSpPr>
+          <p:cNvPr id="61" name="テキスト ボックス 60"/>
+          <p:cNvSpPr txBox="1"/>
+          <p:nvPr/>
+        </p:nvSpPr>
+        <p:spPr>
+          <a:xfrm>
+            <a:off x="3275856" y="878523"/>
+            <a:ext cx="1015021" cy="246221"/>
+          </a:xfrm>
+          <a:prstGeom prst="rect">
+            <a:avLst/>
+          </a:prstGeom>
+          <a:noFill/>
+        </p:spPr>
+        <p:txBody>
+          <a:bodyPr wrap="none" rtlCol="0">
+            <a:spAutoFit/>
+          </a:bodyPr>
+          <a:lstStyle/>
+          <a:p>
+            <a:r>
+              <a:rPr lang="en-US" altLang="ja-JP" sz="1000" b="1" dirty="0" smtClean="0">
+                <a:solidFill>
+                  <a:srgbClr val="FF0000"/>
+                </a:solidFill>
+              </a:rPr>
+              <a:t>communication</a:t>
+            </a:r>
+            <a:endParaRPr kumimoji="1" lang="ja-JP" altLang="en-US" sz="1000" b="1" dirty="0">
+              <a:solidFill>
+                <a:srgbClr val="FF0000"/>
+              </a:solidFill>
+            </a:endParaRPr>
+          </a:p>
+        </p:txBody>
+      </p:sp>
+      <p:sp>
+        <p:nvSpPr>
+          <p:cNvPr id="83" name="テキスト ボックス 82"/>
+          <p:cNvSpPr txBox="1"/>
+          <p:nvPr/>
+        </p:nvSpPr>
+        <p:spPr>
+          <a:xfrm>
+            <a:off x="5185549" y="3049215"/>
+            <a:ext cx="1457643" cy="307777"/>
+          </a:xfrm>
+          <a:prstGeom prst="rect">
+            <a:avLst/>
+          </a:prstGeom>
+          <a:noFill/>
+        </p:spPr>
+        <p:txBody>
+          <a:bodyPr wrap="none" rtlCol="0">
+            <a:spAutoFit/>
+          </a:bodyPr>
+          <a:lstStyle/>
+          <a:p>
+            <a:r>
+              <a:rPr lang="en-US" altLang="ja-JP" sz="1400" dirty="0">
+                <a:solidFill>
+                  <a:schemeClr val="accent3">
+                    <a:lumMod val="50000"/>
+                  </a:schemeClr>
+                </a:solidFill>
+              </a:rPr>
+              <a:t>i</a:t>
+            </a:r>
+            <a:r>
+              <a:rPr kumimoji="1" lang="en-US" altLang="ja-JP" sz="1400" dirty="0" smtClean="0">
+                <a:solidFill>
+                  <a:schemeClr val="accent3">
+                    <a:lumMod val="50000"/>
+                  </a:schemeClr>
+                </a:solidFill>
+              </a:rPr>
+              <a:t>nside framework</a:t>
+            </a:r>
+            <a:endParaRPr kumimoji="1" lang="ja-JP" altLang="en-US" sz="1400" dirty="0">
+              <a:solidFill>
+                <a:schemeClr val="accent3">
+                  <a:lumMod val="50000"/>
+                </a:schemeClr>
+              </a:solidFill>
+            </a:endParaRPr>
+          </a:p>
+        </p:txBody>
+      </p:sp>
     </p:spTree>
     <p:extLst>
       <p:ext uri="{BB962C8B-B14F-4D97-AF65-F5344CB8AC3E}">
@@ -6004,6 +6113,2716 @@
       </p:grpSpPr>
       <p:sp>
         <p:nvSpPr>
+          <p:cNvPr id="67" name="正方形/長方形 66"/>
+          <p:cNvSpPr/>
+          <p:nvPr/>
+        </p:nvSpPr>
+        <p:spPr>
+          <a:xfrm>
+            <a:off x="1025510" y="1529885"/>
+            <a:ext cx="1386250" cy="4633912"/>
+          </a:xfrm>
+          <a:prstGeom prst="rect">
+            <a:avLst/>
+          </a:prstGeom>
+          <a:solidFill>
+            <a:schemeClr val="accent3">
+              <a:lumMod val="40000"/>
+              <a:lumOff val="60000"/>
+            </a:schemeClr>
+          </a:solidFill>
+          <a:ln w="12700">
+            <a:prstDash val="sysDash"/>
+          </a:ln>
+        </p:spPr>
+        <p:style>
+          <a:lnRef idx="2">
+            <a:schemeClr val="accent1">
+              <a:shade val="50000"/>
+            </a:schemeClr>
+          </a:lnRef>
+          <a:fillRef idx="1">
+            <a:schemeClr val="accent1"/>
+          </a:fillRef>
+          <a:effectRef idx="0">
+            <a:schemeClr val="accent1"/>
+          </a:effectRef>
+          <a:fontRef idx="minor">
+            <a:schemeClr val="lt1"/>
+          </a:fontRef>
+        </p:style>
+        <p:txBody>
+          <a:bodyPr rtlCol="0" anchor="ctr"/>
+          <a:lstStyle/>
+          <a:p>
+            <a:pPr algn="ctr"/>
+            <a:endParaRPr kumimoji="1" lang="ja-JP" altLang="en-US"/>
+          </a:p>
+        </p:txBody>
+      </p:sp>
+      <p:sp>
+        <p:nvSpPr>
+          <p:cNvPr id="20" name="Line 97"/>
+          <p:cNvSpPr>
+            <a:spLocks noChangeShapeType="1"/>
+          </p:cNvSpPr>
+          <p:nvPr/>
+        </p:nvSpPr>
+        <p:spPr bwMode="auto">
+          <a:xfrm flipH="1">
+            <a:off x="3731279" y="2257400"/>
+            <a:ext cx="6215" cy="3691880"/>
+          </a:xfrm>
+          <a:prstGeom prst="line">
+            <a:avLst/>
+          </a:prstGeom>
+          <a:noFill/>
+          <a:ln w="9525">
+            <a:solidFill>
+              <a:schemeClr val="tx1"/>
+            </a:solidFill>
+            <a:round/>
+            <a:headEnd/>
+            <a:tailEnd/>
+          </a:ln>
+          <a:effectLst/>
+          <a:extLst>
+            <a:ext uri="{909E8E84-426E-40DD-AFC4-6F175D3DCCD1}">
+              <a14:hiddenFill xmlns:a14="http://schemas.microsoft.com/office/drawing/2010/main">
+                <a:noFill/>
+              </a14:hiddenFill>
+            </a:ext>
+            <a:ext uri="{AF507438-7753-43E0-B8FC-AC1667EBCBE1}">
+              <a14:hiddenEffects xmlns:a14="http://schemas.microsoft.com/office/drawing/2010/main">
+                <a:effectLst>
+                  <a:outerShdw dist="35921" dir="2700000" algn="ctr" rotWithShape="0">
+                    <a:schemeClr val="bg2"/>
+                  </a:outerShdw>
+                </a:effectLst>
+              </a14:hiddenEffects>
+            </a:ext>
+          </a:extLst>
+        </p:spPr>
+        <p:txBody>
+          <a:bodyPr/>
+          <a:lstStyle/>
+          <a:p>
+            <a:endParaRPr lang="ja-JP" altLang="en-US" sz="1400"/>
+          </a:p>
+        </p:txBody>
+      </p:sp>
+      <p:sp>
+        <p:nvSpPr>
+          <p:cNvPr id="21" name="Rectangle 98"/>
+          <p:cNvSpPr>
+            <a:spLocks noChangeArrowheads="1"/>
+          </p:cNvSpPr>
+          <p:nvPr/>
+        </p:nvSpPr>
+        <p:spPr bwMode="auto">
+          <a:xfrm>
+            <a:off x="3661294" y="2695183"/>
+            <a:ext cx="152400" cy="506760"/>
+          </a:xfrm>
+          <a:prstGeom prst="rect">
+            <a:avLst/>
+          </a:prstGeom>
+          <a:solidFill>
+            <a:srgbClr val="FFFFCC"/>
+          </a:solidFill>
+          <a:ln w="9525">
+            <a:solidFill>
+              <a:schemeClr val="tx1"/>
+            </a:solidFill>
+            <a:miter lim="800000"/>
+            <a:headEnd/>
+            <a:tailEnd/>
+          </a:ln>
+          <a:effectLst/>
+          <a:extLst>
+            <a:ext uri="{AF507438-7753-43E0-B8FC-AC1667EBCBE1}">
+              <a14:hiddenEffects xmlns:a14="http://schemas.microsoft.com/office/drawing/2010/main">
+                <a:effectLst>
+                  <a:outerShdw dist="53882" dir="2700000" algn="ctr" rotWithShape="0">
+                    <a:schemeClr val="bg2"/>
+                  </a:outerShdw>
+                </a:effectLst>
+              </a14:hiddenEffects>
+            </a:ext>
+          </a:extLst>
+        </p:spPr>
+        <p:txBody>
+          <a:bodyPr wrap="none" anchor="ctr"/>
+          <a:lstStyle/>
+          <a:p>
+            <a:endParaRPr lang="ja-JP" altLang="en-US" sz="1400"/>
+          </a:p>
+        </p:txBody>
+      </p:sp>
+      <p:sp>
+        <p:nvSpPr>
+          <p:cNvPr id="23" name="Rectangle 100"/>
+          <p:cNvSpPr>
+            <a:spLocks noChangeArrowheads="1"/>
+          </p:cNvSpPr>
+          <p:nvPr/>
+        </p:nvSpPr>
+        <p:spPr bwMode="auto">
+          <a:xfrm>
+            <a:off x="3661294" y="4287578"/>
+            <a:ext cx="152400" cy="713021"/>
+          </a:xfrm>
+          <a:prstGeom prst="rect">
+            <a:avLst/>
+          </a:prstGeom>
+          <a:solidFill>
+            <a:srgbClr val="FFFFCC"/>
+          </a:solidFill>
+          <a:ln w="9525">
+            <a:solidFill>
+              <a:schemeClr val="tx1"/>
+            </a:solidFill>
+            <a:miter lim="800000"/>
+            <a:headEnd/>
+            <a:tailEnd/>
+          </a:ln>
+          <a:effectLst/>
+          <a:extLst>
+            <a:ext uri="{AF507438-7753-43E0-B8FC-AC1667EBCBE1}">
+              <a14:hiddenEffects xmlns:a14="http://schemas.microsoft.com/office/drawing/2010/main">
+                <a:effectLst>
+                  <a:outerShdw dist="53882" dir="2700000" algn="ctr" rotWithShape="0">
+                    <a:schemeClr val="bg2"/>
+                  </a:outerShdw>
+                </a:effectLst>
+              </a14:hiddenEffects>
+            </a:ext>
+          </a:extLst>
+        </p:spPr>
+        <p:txBody>
+          <a:bodyPr wrap="none" anchor="ctr"/>
+          <a:lstStyle/>
+          <a:p>
+            <a:endParaRPr lang="ja-JP" altLang="en-US" sz="1400"/>
+          </a:p>
+        </p:txBody>
+      </p:sp>
+      <p:sp>
+        <p:nvSpPr>
+          <p:cNvPr id="24" name="Line 101"/>
+          <p:cNvSpPr>
+            <a:spLocks noChangeShapeType="1"/>
+          </p:cNvSpPr>
+          <p:nvPr/>
+        </p:nvSpPr>
+        <p:spPr bwMode="auto">
+          <a:xfrm>
+            <a:off x="3051694" y="2695183"/>
+            <a:ext cx="609600" cy="0"/>
+          </a:xfrm>
+          <a:prstGeom prst="line">
+            <a:avLst/>
+          </a:prstGeom>
+          <a:noFill/>
+          <a:ln w="9525">
+            <a:solidFill>
+              <a:schemeClr val="tx1"/>
+            </a:solidFill>
+            <a:round/>
+            <a:headEnd/>
+            <a:tailEnd type="arrow" w="med" len="med"/>
+          </a:ln>
+          <a:effectLst/>
+          <a:extLst>
+            <a:ext uri="{909E8E84-426E-40DD-AFC4-6F175D3DCCD1}">
+              <a14:hiddenFill xmlns:a14="http://schemas.microsoft.com/office/drawing/2010/main">
+                <a:noFill/>
+              </a14:hiddenFill>
+            </a:ext>
+            <a:ext uri="{AF507438-7753-43E0-B8FC-AC1667EBCBE1}">
+              <a14:hiddenEffects xmlns:a14="http://schemas.microsoft.com/office/drawing/2010/main">
+                <a:effectLst>
+                  <a:outerShdw dist="35921" dir="2700000" algn="ctr" rotWithShape="0">
+                    <a:schemeClr val="bg2"/>
+                  </a:outerShdw>
+                </a:effectLst>
+              </a14:hiddenEffects>
+            </a:ext>
+          </a:extLst>
+        </p:spPr>
+        <p:txBody>
+          <a:bodyPr/>
+          <a:lstStyle/>
+          <a:p>
+            <a:endParaRPr lang="ja-JP" altLang="en-US" sz="1400"/>
+          </a:p>
+        </p:txBody>
+      </p:sp>
+      <p:sp>
+        <p:nvSpPr>
+          <p:cNvPr id="25" name="Line 102"/>
+          <p:cNvSpPr>
+            <a:spLocks noChangeShapeType="1"/>
+          </p:cNvSpPr>
+          <p:nvPr/>
+        </p:nvSpPr>
+        <p:spPr bwMode="auto">
+          <a:xfrm>
+            <a:off x="3813694" y="3201943"/>
+            <a:ext cx="609600" cy="0"/>
+          </a:xfrm>
+          <a:prstGeom prst="line">
+            <a:avLst/>
+          </a:prstGeom>
+          <a:noFill/>
+          <a:ln w="9525">
+            <a:solidFill>
+              <a:schemeClr val="tx1"/>
+            </a:solidFill>
+            <a:round/>
+            <a:headEnd/>
+            <a:tailEnd type="arrow" w="med" len="med"/>
+          </a:ln>
+          <a:effectLst/>
+          <a:extLst>
+            <a:ext uri="{909E8E84-426E-40DD-AFC4-6F175D3DCCD1}">
+              <a14:hiddenFill xmlns:a14="http://schemas.microsoft.com/office/drawing/2010/main">
+                <a:noFill/>
+              </a14:hiddenFill>
+            </a:ext>
+            <a:ext uri="{AF507438-7753-43E0-B8FC-AC1667EBCBE1}">
+              <a14:hiddenEffects xmlns:a14="http://schemas.microsoft.com/office/drawing/2010/main">
+                <a:effectLst>
+                  <a:outerShdw dist="35921" dir="2700000" algn="ctr" rotWithShape="0">
+                    <a:schemeClr val="bg2"/>
+                  </a:outerShdw>
+                </a:effectLst>
+              </a14:hiddenEffects>
+            </a:ext>
+          </a:extLst>
+        </p:spPr>
+        <p:txBody>
+          <a:bodyPr/>
+          <a:lstStyle/>
+          <a:p>
+            <a:endParaRPr lang="ja-JP" altLang="en-US" sz="1400"/>
+          </a:p>
+        </p:txBody>
+      </p:sp>
+      <p:sp>
+        <p:nvSpPr>
+          <p:cNvPr id="27" name="Line 104"/>
+          <p:cNvSpPr>
+            <a:spLocks noChangeShapeType="1"/>
+          </p:cNvSpPr>
+          <p:nvPr/>
+        </p:nvSpPr>
+        <p:spPr bwMode="auto">
+          <a:xfrm>
+            <a:off x="3813694" y="4293096"/>
+            <a:ext cx="609600" cy="0"/>
+          </a:xfrm>
+          <a:prstGeom prst="line">
+            <a:avLst/>
+          </a:prstGeom>
+          <a:noFill/>
+          <a:ln w="9525" cap="rnd">
+            <a:solidFill>
+              <a:schemeClr val="tx1"/>
+            </a:solidFill>
+            <a:prstDash val="sysDot"/>
+            <a:round/>
+            <a:headEnd type="arrow" w="med" len="med"/>
+            <a:tailEnd/>
+          </a:ln>
+          <a:effectLst/>
+          <a:extLst>
+            <a:ext uri="{909E8E84-426E-40DD-AFC4-6F175D3DCCD1}">
+              <a14:hiddenFill xmlns:a14="http://schemas.microsoft.com/office/drawing/2010/main">
+                <a:noFill/>
+              </a14:hiddenFill>
+            </a:ext>
+            <a:ext uri="{AF507438-7753-43E0-B8FC-AC1667EBCBE1}">
+              <a14:hiddenEffects xmlns:a14="http://schemas.microsoft.com/office/drawing/2010/main">
+                <a:effectLst>
+                  <a:outerShdw dist="35921" dir="2700000" algn="ctr" rotWithShape="0">
+                    <a:schemeClr val="bg2"/>
+                  </a:outerShdw>
+                </a:effectLst>
+              </a14:hiddenEffects>
+            </a:ext>
+          </a:extLst>
+        </p:spPr>
+        <p:txBody>
+          <a:bodyPr/>
+          <a:lstStyle/>
+          <a:p>
+            <a:endParaRPr lang="ja-JP" altLang="en-US" sz="1400"/>
+          </a:p>
+        </p:txBody>
+      </p:sp>
+      <p:sp>
+        <p:nvSpPr>
+          <p:cNvPr id="29" name="Line 106"/>
+          <p:cNvSpPr>
+            <a:spLocks noChangeShapeType="1"/>
+          </p:cNvSpPr>
+          <p:nvPr/>
+        </p:nvSpPr>
+        <p:spPr bwMode="auto">
+          <a:xfrm>
+            <a:off x="3127894" y="5000600"/>
+            <a:ext cx="533400" cy="0"/>
+          </a:xfrm>
+          <a:prstGeom prst="line">
+            <a:avLst/>
+          </a:prstGeom>
+          <a:noFill/>
+          <a:ln w="9525" cap="rnd">
+            <a:solidFill>
+              <a:schemeClr val="tx1"/>
+            </a:solidFill>
+            <a:prstDash val="sysDot"/>
+            <a:round/>
+            <a:headEnd type="arrow" w="med" len="med"/>
+            <a:tailEnd/>
+          </a:ln>
+          <a:effectLst/>
+          <a:extLst>
+            <a:ext uri="{909E8E84-426E-40DD-AFC4-6F175D3DCCD1}">
+              <a14:hiddenFill xmlns:a14="http://schemas.microsoft.com/office/drawing/2010/main">
+                <a:noFill/>
+              </a14:hiddenFill>
+            </a:ext>
+            <a:ext uri="{AF507438-7753-43E0-B8FC-AC1667EBCBE1}">
+              <a14:hiddenEffects xmlns:a14="http://schemas.microsoft.com/office/drawing/2010/main">
+                <a:effectLst>
+                  <a:outerShdw dist="35921" dir="2700000" algn="ctr" rotWithShape="0">
+                    <a:schemeClr val="bg2"/>
+                  </a:outerShdw>
+                </a:effectLst>
+              </a14:hiddenEffects>
+            </a:ext>
+          </a:extLst>
+        </p:spPr>
+        <p:txBody>
+          <a:bodyPr/>
+          <a:lstStyle/>
+          <a:p>
+            <a:endParaRPr lang="ja-JP" altLang="en-US" sz="1400"/>
+          </a:p>
+        </p:txBody>
+      </p:sp>
+      <p:sp>
+        <p:nvSpPr>
+          <p:cNvPr id="37" name="正方形/長方形 36"/>
+          <p:cNvSpPr/>
+          <p:nvPr/>
+        </p:nvSpPr>
+        <p:spPr>
+          <a:xfrm>
+            <a:off x="2475630" y="1529884"/>
+            <a:ext cx="4904682" cy="4633912"/>
+          </a:xfrm>
+          <a:prstGeom prst="rect">
+            <a:avLst/>
+          </a:prstGeom>
+          <a:noFill/>
+          <a:ln w="12700"/>
+        </p:spPr>
+        <p:style>
+          <a:lnRef idx="2">
+            <a:schemeClr val="accent1">
+              <a:shade val="50000"/>
+            </a:schemeClr>
+          </a:lnRef>
+          <a:fillRef idx="1">
+            <a:schemeClr val="accent1"/>
+          </a:fillRef>
+          <a:effectRef idx="0">
+            <a:schemeClr val="accent1"/>
+          </a:effectRef>
+          <a:fontRef idx="minor">
+            <a:schemeClr val="lt1"/>
+          </a:fontRef>
+        </p:style>
+        <p:txBody>
+          <a:bodyPr rtlCol="0" anchor="ctr"/>
+          <a:lstStyle/>
+          <a:p>
+            <a:pPr algn="ctr"/>
+            <a:endParaRPr kumimoji="1" lang="ja-JP" altLang="en-US"/>
+          </a:p>
+        </p:txBody>
+      </p:sp>
+      <p:sp>
+        <p:nvSpPr>
+          <p:cNvPr id="38" name="テキスト ボックス 37"/>
+          <p:cNvSpPr txBox="1"/>
+          <p:nvPr/>
+        </p:nvSpPr>
+        <p:spPr>
+          <a:xfrm>
+            <a:off x="2457118" y="1504484"/>
+            <a:ext cx="1242648" cy="276999"/>
+          </a:xfrm>
+          <a:prstGeom prst="rect">
+            <a:avLst/>
+          </a:prstGeom>
+          <a:noFill/>
+        </p:spPr>
+        <p:txBody>
+          <a:bodyPr wrap="none" rtlCol="0">
+            <a:spAutoFit/>
+          </a:bodyPr>
+          <a:lstStyle/>
+          <a:p>
+            <a:r>
+              <a:rPr kumimoji="1" lang="en-US" altLang="ja-JP" sz="1200" dirty="0" smtClean="0"/>
+              <a:t>Function module</a:t>
+            </a:r>
+            <a:endParaRPr kumimoji="1" lang="ja-JP" altLang="en-US" sz="1200" dirty="0"/>
+          </a:p>
+        </p:txBody>
+      </p:sp>
+      <p:sp>
+        <p:nvSpPr>
+          <p:cNvPr id="39" name="正方形/長方形 38"/>
+          <p:cNvSpPr/>
+          <p:nvPr/>
+        </p:nvSpPr>
+        <p:spPr>
+          <a:xfrm>
+            <a:off x="3114720" y="1988840"/>
+            <a:ext cx="1233118" cy="228649"/>
+          </a:xfrm>
+          <a:prstGeom prst="rect">
+            <a:avLst/>
+          </a:prstGeom>
+          <a:solidFill>
+            <a:schemeClr val="accent5">
+              <a:lumMod val="60000"/>
+              <a:lumOff val="40000"/>
+            </a:schemeClr>
+          </a:solidFill>
+        </p:spPr>
+        <p:style>
+          <a:lnRef idx="2">
+            <a:schemeClr val="accent1">
+              <a:shade val="50000"/>
+            </a:schemeClr>
+          </a:lnRef>
+          <a:fillRef idx="1">
+            <a:schemeClr val="accent1"/>
+          </a:fillRef>
+          <a:effectRef idx="0">
+            <a:schemeClr val="accent1"/>
+          </a:effectRef>
+          <a:fontRef idx="minor">
+            <a:schemeClr val="lt1"/>
+          </a:fontRef>
+        </p:style>
+        <p:txBody>
+          <a:bodyPr rtlCol="0" anchor="ctr"/>
+          <a:lstStyle/>
+          <a:p>
+            <a:pPr algn="ctr"/>
+            <a:r>
+              <a:rPr kumimoji="1" lang="en-US" altLang="ja-JP" sz="1400" dirty="0" smtClean="0">
+                <a:solidFill>
+                  <a:schemeClr val="tx1"/>
+                </a:solidFill>
+              </a:rPr>
+              <a:t>sequence1</a:t>
+            </a:r>
+            <a:endParaRPr kumimoji="1" lang="en-US" altLang="ja-JP" sz="1400" dirty="0">
+              <a:solidFill>
+                <a:schemeClr val="tx1"/>
+              </a:solidFill>
+            </a:endParaRPr>
+          </a:p>
+        </p:txBody>
+      </p:sp>
+      <p:sp>
+        <p:nvSpPr>
+          <p:cNvPr id="40" name="テキスト ボックス 39"/>
+          <p:cNvSpPr txBox="1"/>
+          <p:nvPr/>
+        </p:nvSpPr>
+        <p:spPr>
+          <a:xfrm>
+            <a:off x="2907678" y="2464321"/>
+            <a:ext cx="660181" cy="276999"/>
+          </a:xfrm>
+          <a:prstGeom prst="rect">
+            <a:avLst/>
+          </a:prstGeom>
+          <a:noFill/>
+        </p:spPr>
+        <p:txBody>
+          <a:bodyPr wrap="none" rtlCol="0">
+            <a:spAutoFit/>
+          </a:bodyPr>
+          <a:lstStyle/>
+          <a:p>
+            <a:r>
+              <a:rPr kumimoji="1" lang="en-US" altLang="ja-JP" sz="1200" dirty="0" smtClean="0"/>
+              <a:t>request</a:t>
+            </a:r>
+            <a:endParaRPr kumimoji="1" lang="ja-JP" altLang="en-US" sz="1200" dirty="0"/>
+          </a:p>
+        </p:txBody>
+      </p:sp>
+      <p:sp>
+        <p:nvSpPr>
+          <p:cNvPr id="41" name="テキスト ボックス 40"/>
+          <p:cNvSpPr txBox="1"/>
+          <p:nvPr/>
+        </p:nvSpPr>
+        <p:spPr>
+          <a:xfrm>
+            <a:off x="3793573" y="2963044"/>
+            <a:ext cx="1289135" cy="646331"/>
+          </a:xfrm>
+          <a:prstGeom prst="rect">
+            <a:avLst/>
+          </a:prstGeom>
+          <a:noFill/>
+        </p:spPr>
+        <p:txBody>
+          <a:bodyPr wrap="none" rtlCol="0">
+            <a:spAutoFit/>
+          </a:bodyPr>
+          <a:lstStyle/>
+          <a:p>
+            <a:r>
+              <a:rPr lang="en-US" altLang="ja-JP" sz="1200" dirty="0"/>
+              <a:t>r</a:t>
+            </a:r>
+            <a:r>
+              <a:rPr kumimoji="1" lang="en-US" altLang="ja-JP" sz="1200" dirty="0" smtClean="0"/>
+              <a:t>equest</a:t>
+            </a:r>
+          </a:p>
+          <a:p>
+            <a:r>
+              <a:rPr lang="en-US" altLang="ja-JP" sz="1200" dirty="0" smtClean="0"/>
+              <a:t>(to another</a:t>
+            </a:r>
+          </a:p>
+          <a:p>
+            <a:r>
+              <a:rPr lang="en-US" altLang="ja-JP" sz="1200" dirty="0" smtClean="0"/>
+              <a:t>Function module)</a:t>
+            </a:r>
+            <a:endParaRPr kumimoji="1" lang="ja-JP" altLang="en-US" sz="1200" dirty="0"/>
+          </a:p>
+        </p:txBody>
+      </p:sp>
+      <p:sp>
+        <p:nvSpPr>
+          <p:cNvPr id="42" name="テキスト ボックス 41"/>
+          <p:cNvSpPr txBox="1"/>
+          <p:nvPr/>
+        </p:nvSpPr>
+        <p:spPr>
+          <a:xfrm>
+            <a:off x="3915790" y="4088105"/>
+            <a:ext cx="496803" cy="276999"/>
+          </a:xfrm>
+          <a:prstGeom prst="rect">
+            <a:avLst/>
+          </a:prstGeom>
+          <a:noFill/>
+        </p:spPr>
+        <p:txBody>
+          <a:bodyPr wrap="none" rtlCol="0">
+            <a:spAutoFit/>
+          </a:bodyPr>
+          <a:lstStyle/>
+          <a:p>
+            <a:r>
+              <a:rPr kumimoji="1" lang="en-US" altLang="ja-JP" sz="1200" dirty="0" smtClean="0"/>
+              <a:t>reply</a:t>
+            </a:r>
+            <a:endParaRPr kumimoji="1" lang="ja-JP" altLang="en-US" sz="1200" dirty="0"/>
+          </a:p>
+        </p:txBody>
+      </p:sp>
+      <p:sp>
+        <p:nvSpPr>
+          <p:cNvPr id="43" name="テキスト ボックス 42"/>
+          <p:cNvSpPr txBox="1"/>
+          <p:nvPr/>
+        </p:nvSpPr>
+        <p:spPr>
+          <a:xfrm>
+            <a:off x="3195710" y="4952201"/>
+            <a:ext cx="496803" cy="276999"/>
+          </a:xfrm>
+          <a:prstGeom prst="rect">
+            <a:avLst/>
+          </a:prstGeom>
+          <a:noFill/>
+        </p:spPr>
+        <p:txBody>
+          <a:bodyPr wrap="none" rtlCol="0">
+            <a:spAutoFit/>
+          </a:bodyPr>
+          <a:lstStyle/>
+          <a:p>
+            <a:r>
+              <a:rPr kumimoji="1" lang="en-US" altLang="ja-JP" sz="1200" dirty="0" smtClean="0"/>
+              <a:t>reply</a:t>
+            </a:r>
+            <a:endParaRPr kumimoji="1" lang="ja-JP" altLang="en-US" sz="1200" dirty="0"/>
+          </a:p>
+        </p:txBody>
+      </p:sp>
+      <p:sp>
+        <p:nvSpPr>
+          <p:cNvPr id="44" name="Line 97"/>
+          <p:cNvSpPr>
+            <a:spLocks noChangeShapeType="1"/>
+          </p:cNvSpPr>
+          <p:nvPr/>
+        </p:nvSpPr>
+        <p:spPr bwMode="auto">
+          <a:xfrm>
+            <a:off x="5957633" y="2257891"/>
+            <a:ext cx="0" cy="3691390"/>
+          </a:xfrm>
+          <a:prstGeom prst="line">
+            <a:avLst/>
+          </a:prstGeom>
+          <a:noFill/>
+          <a:ln w="9525">
+            <a:solidFill>
+              <a:schemeClr val="tx1"/>
+            </a:solidFill>
+            <a:round/>
+            <a:headEnd/>
+            <a:tailEnd/>
+          </a:ln>
+          <a:effectLst/>
+          <a:extLst>
+            <a:ext uri="{909E8E84-426E-40DD-AFC4-6F175D3DCCD1}">
+              <a14:hiddenFill xmlns:a14="http://schemas.microsoft.com/office/drawing/2010/main">
+                <a:noFill/>
+              </a14:hiddenFill>
+            </a:ext>
+            <a:ext uri="{AF507438-7753-43E0-B8FC-AC1667EBCBE1}">
+              <a14:hiddenEffects xmlns:a14="http://schemas.microsoft.com/office/drawing/2010/main">
+                <a:effectLst>
+                  <a:outerShdw dist="35921" dir="2700000" algn="ctr" rotWithShape="0">
+                    <a:schemeClr val="bg2"/>
+                  </a:outerShdw>
+                </a:effectLst>
+              </a14:hiddenEffects>
+            </a:ext>
+          </a:extLst>
+        </p:spPr>
+        <p:txBody>
+          <a:bodyPr/>
+          <a:lstStyle/>
+          <a:p>
+            <a:endParaRPr lang="ja-JP" altLang="en-US" sz="1400"/>
+          </a:p>
+        </p:txBody>
+      </p:sp>
+      <p:sp>
+        <p:nvSpPr>
+          <p:cNvPr id="45" name="Rectangle 98"/>
+          <p:cNvSpPr>
+            <a:spLocks noChangeArrowheads="1"/>
+          </p:cNvSpPr>
+          <p:nvPr/>
+        </p:nvSpPr>
+        <p:spPr bwMode="auto">
+          <a:xfrm>
+            <a:off x="5881433" y="3210272"/>
+            <a:ext cx="152400" cy="506760"/>
+          </a:xfrm>
+          <a:prstGeom prst="rect">
+            <a:avLst/>
+          </a:prstGeom>
+          <a:solidFill>
+            <a:srgbClr val="FFFFCC"/>
+          </a:solidFill>
+          <a:ln w="9525">
+            <a:solidFill>
+              <a:schemeClr val="tx1"/>
+            </a:solidFill>
+            <a:miter lim="800000"/>
+            <a:headEnd/>
+            <a:tailEnd/>
+          </a:ln>
+          <a:effectLst/>
+          <a:extLst>
+            <a:ext uri="{AF507438-7753-43E0-B8FC-AC1667EBCBE1}">
+              <a14:hiddenEffects xmlns:a14="http://schemas.microsoft.com/office/drawing/2010/main">
+                <a:effectLst>
+                  <a:outerShdw dist="53882" dir="2700000" algn="ctr" rotWithShape="0">
+                    <a:schemeClr val="bg2"/>
+                  </a:outerShdw>
+                </a:effectLst>
+              </a14:hiddenEffects>
+            </a:ext>
+          </a:extLst>
+        </p:spPr>
+        <p:txBody>
+          <a:bodyPr wrap="none" anchor="ctr"/>
+          <a:lstStyle/>
+          <a:p>
+            <a:endParaRPr lang="ja-JP" altLang="en-US" sz="1400"/>
+          </a:p>
+        </p:txBody>
+      </p:sp>
+      <p:sp>
+        <p:nvSpPr>
+          <p:cNvPr id="46" name="Rectangle 100"/>
+          <p:cNvSpPr>
+            <a:spLocks noChangeArrowheads="1"/>
+          </p:cNvSpPr>
+          <p:nvPr/>
+        </p:nvSpPr>
+        <p:spPr bwMode="auto">
+          <a:xfrm>
+            <a:off x="5881433" y="5013176"/>
+            <a:ext cx="152400" cy="533400"/>
+          </a:xfrm>
+          <a:prstGeom prst="rect">
+            <a:avLst/>
+          </a:prstGeom>
+          <a:solidFill>
+            <a:srgbClr val="FFFFCC"/>
+          </a:solidFill>
+          <a:ln w="9525">
+            <a:solidFill>
+              <a:schemeClr val="tx1"/>
+            </a:solidFill>
+            <a:miter lim="800000"/>
+            <a:headEnd/>
+            <a:tailEnd/>
+          </a:ln>
+          <a:effectLst/>
+          <a:extLst>
+            <a:ext uri="{AF507438-7753-43E0-B8FC-AC1667EBCBE1}">
+              <a14:hiddenEffects xmlns:a14="http://schemas.microsoft.com/office/drawing/2010/main">
+                <a:effectLst>
+                  <a:outerShdw dist="53882" dir="2700000" algn="ctr" rotWithShape="0">
+                    <a:schemeClr val="bg2"/>
+                  </a:outerShdw>
+                </a:effectLst>
+              </a14:hiddenEffects>
+            </a:ext>
+          </a:extLst>
+        </p:spPr>
+        <p:txBody>
+          <a:bodyPr wrap="none" anchor="ctr"/>
+          <a:lstStyle/>
+          <a:p>
+            <a:endParaRPr lang="ja-JP" altLang="en-US" sz="1400"/>
+          </a:p>
+        </p:txBody>
+      </p:sp>
+      <p:sp>
+        <p:nvSpPr>
+          <p:cNvPr id="47" name="Line 101"/>
+          <p:cNvSpPr>
+            <a:spLocks noChangeShapeType="1"/>
+          </p:cNvSpPr>
+          <p:nvPr/>
+        </p:nvSpPr>
+        <p:spPr bwMode="auto">
+          <a:xfrm>
+            <a:off x="5271833" y="2922240"/>
+            <a:ext cx="609600" cy="0"/>
+          </a:xfrm>
+          <a:prstGeom prst="line">
+            <a:avLst/>
+          </a:prstGeom>
+          <a:noFill/>
+          <a:ln w="9525">
+            <a:solidFill>
+              <a:schemeClr val="tx1"/>
+            </a:solidFill>
+            <a:round/>
+            <a:headEnd/>
+            <a:tailEnd type="arrow" w="med" len="med"/>
+          </a:ln>
+          <a:effectLst/>
+          <a:extLst>
+            <a:ext uri="{909E8E84-426E-40DD-AFC4-6F175D3DCCD1}">
+              <a14:hiddenFill xmlns:a14="http://schemas.microsoft.com/office/drawing/2010/main">
+                <a:noFill/>
+              </a14:hiddenFill>
+            </a:ext>
+            <a:ext uri="{AF507438-7753-43E0-B8FC-AC1667EBCBE1}">
+              <a14:hiddenEffects xmlns:a14="http://schemas.microsoft.com/office/drawing/2010/main">
+                <a:effectLst>
+                  <a:outerShdw dist="35921" dir="2700000" algn="ctr" rotWithShape="0">
+                    <a:schemeClr val="bg2"/>
+                  </a:outerShdw>
+                </a:effectLst>
+              </a14:hiddenEffects>
+            </a:ext>
+          </a:extLst>
+        </p:spPr>
+        <p:txBody>
+          <a:bodyPr/>
+          <a:lstStyle/>
+          <a:p>
+            <a:endParaRPr lang="ja-JP" altLang="en-US" sz="1400">
+              <a:solidFill>
+                <a:srgbClr val="FF0000"/>
+              </a:solidFill>
+            </a:endParaRPr>
+          </a:p>
+        </p:txBody>
+      </p:sp>
+      <p:sp>
+        <p:nvSpPr>
+          <p:cNvPr id="48" name="Line 102"/>
+          <p:cNvSpPr>
+            <a:spLocks noChangeShapeType="1"/>
+          </p:cNvSpPr>
+          <p:nvPr/>
+        </p:nvSpPr>
+        <p:spPr bwMode="auto">
+          <a:xfrm>
+            <a:off x="6033833" y="3707507"/>
+            <a:ext cx="609600" cy="0"/>
+          </a:xfrm>
+          <a:prstGeom prst="line">
+            <a:avLst/>
+          </a:prstGeom>
+          <a:noFill/>
+          <a:ln w="9525">
+            <a:solidFill>
+              <a:schemeClr val="tx1"/>
+            </a:solidFill>
+            <a:round/>
+            <a:headEnd/>
+            <a:tailEnd type="arrow" w="med" len="med"/>
+          </a:ln>
+          <a:effectLst/>
+          <a:extLst>
+            <a:ext uri="{909E8E84-426E-40DD-AFC4-6F175D3DCCD1}">
+              <a14:hiddenFill xmlns:a14="http://schemas.microsoft.com/office/drawing/2010/main">
+                <a:noFill/>
+              </a14:hiddenFill>
+            </a:ext>
+            <a:ext uri="{AF507438-7753-43E0-B8FC-AC1667EBCBE1}">
+              <a14:hiddenEffects xmlns:a14="http://schemas.microsoft.com/office/drawing/2010/main">
+                <a:effectLst>
+                  <a:outerShdw dist="35921" dir="2700000" algn="ctr" rotWithShape="0">
+                    <a:schemeClr val="bg2"/>
+                  </a:outerShdw>
+                </a:effectLst>
+              </a14:hiddenEffects>
+            </a:ext>
+          </a:extLst>
+        </p:spPr>
+        <p:txBody>
+          <a:bodyPr/>
+          <a:lstStyle/>
+          <a:p>
+            <a:endParaRPr lang="ja-JP" altLang="en-US" sz="1400"/>
+          </a:p>
+        </p:txBody>
+      </p:sp>
+      <p:sp>
+        <p:nvSpPr>
+          <p:cNvPr id="49" name="Line 104"/>
+          <p:cNvSpPr>
+            <a:spLocks noChangeShapeType="1"/>
+          </p:cNvSpPr>
+          <p:nvPr/>
+        </p:nvSpPr>
+        <p:spPr bwMode="auto">
+          <a:xfrm>
+            <a:off x="6033833" y="4592161"/>
+            <a:ext cx="609600" cy="0"/>
+          </a:xfrm>
+          <a:prstGeom prst="line">
+            <a:avLst/>
+          </a:prstGeom>
+          <a:noFill/>
+          <a:ln w="9525" cap="rnd">
+            <a:solidFill>
+              <a:schemeClr val="tx1"/>
+            </a:solidFill>
+            <a:prstDash val="sysDot"/>
+            <a:round/>
+            <a:headEnd type="arrow" w="med" len="med"/>
+            <a:tailEnd/>
+          </a:ln>
+          <a:effectLst/>
+          <a:extLst>
+            <a:ext uri="{909E8E84-426E-40DD-AFC4-6F175D3DCCD1}">
+              <a14:hiddenFill xmlns:a14="http://schemas.microsoft.com/office/drawing/2010/main">
+                <a:noFill/>
+              </a14:hiddenFill>
+            </a:ext>
+            <a:ext uri="{AF507438-7753-43E0-B8FC-AC1667EBCBE1}">
+              <a14:hiddenEffects xmlns:a14="http://schemas.microsoft.com/office/drawing/2010/main">
+                <a:effectLst>
+                  <a:outerShdw dist="35921" dir="2700000" algn="ctr" rotWithShape="0">
+                    <a:schemeClr val="bg2"/>
+                  </a:outerShdw>
+                </a:effectLst>
+              </a14:hiddenEffects>
+            </a:ext>
+          </a:extLst>
+        </p:spPr>
+        <p:txBody>
+          <a:bodyPr/>
+          <a:lstStyle/>
+          <a:p>
+            <a:endParaRPr lang="ja-JP" altLang="en-US" sz="1400">
+              <a:solidFill>
+                <a:srgbClr val="FF0000"/>
+              </a:solidFill>
+            </a:endParaRPr>
+          </a:p>
+        </p:txBody>
+      </p:sp>
+      <p:sp>
+        <p:nvSpPr>
+          <p:cNvPr id="50" name="Line 106"/>
+          <p:cNvSpPr>
+            <a:spLocks noChangeShapeType="1"/>
+          </p:cNvSpPr>
+          <p:nvPr/>
+        </p:nvSpPr>
+        <p:spPr bwMode="auto">
+          <a:xfrm>
+            <a:off x="5348033" y="5533231"/>
+            <a:ext cx="533400" cy="0"/>
+          </a:xfrm>
+          <a:prstGeom prst="line">
+            <a:avLst/>
+          </a:prstGeom>
+          <a:noFill/>
+          <a:ln w="9525" cap="rnd">
+            <a:solidFill>
+              <a:schemeClr val="tx1"/>
+            </a:solidFill>
+            <a:prstDash val="sysDot"/>
+            <a:round/>
+            <a:headEnd type="arrow" w="med" len="med"/>
+            <a:tailEnd/>
+          </a:ln>
+          <a:effectLst/>
+          <a:extLst>
+            <a:ext uri="{909E8E84-426E-40DD-AFC4-6F175D3DCCD1}">
+              <a14:hiddenFill xmlns:a14="http://schemas.microsoft.com/office/drawing/2010/main">
+                <a:noFill/>
+              </a14:hiddenFill>
+            </a:ext>
+            <a:ext uri="{AF507438-7753-43E0-B8FC-AC1667EBCBE1}">
+              <a14:hiddenEffects xmlns:a14="http://schemas.microsoft.com/office/drawing/2010/main">
+                <a:effectLst>
+                  <a:outerShdw dist="35921" dir="2700000" algn="ctr" rotWithShape="0">
+                    <a:schemeClr val="bg2"/>
+                  </a:outerShdw>
+                </a:effectLst>
+              </a14:hiddenEffects>
+            </a:ext>
+          </a:extLst>
+        </p:spPr>
+        <p:txBody>
+          <a:bodyPr/>
+          <a:lstStyle/>
+          <a:p>
+            <a:endParaRPr lang="ja-JP" altLang="en-US" sz="1400"/>
+          </a:p>
+        </p:txBody>
+      </p:sp>
+      <p:sp>
+        <p:nvSpPr>
+          <p:cNvPr id="51" name="正方形/長方形 50"/>
+          <p:cNvSpPr/>
+          <p:nvPr/>
+        </p:nvSpPr>
+        <p:spPr>
+          <a:xfrm>
+            <a:off x="5334859" y="1988840"/>
+            <a:ext cx="1233118" cy="228649"/>
+          </a:xfrm>
+          <a:prstGeom prst="rect">
+            <a:avLst/>
+          </a:prstGeom>
+          <a:solidFill>
+            <a:schemeClr val="accent5">
+              <a:lumMod val="60000"/>
+              <a:lumOff val="40000"/>
+            </a:schemeClr>
+          </a:solidFill>
+        </p:spPr>
+        <p:style>
+          <a:lnRef idx="2">
+            <a:schemeClr val="accent1">
+              <a:shade val="50000"/>
+            </a:schemeClr>
+          </a:lnRef>
+          <a:fillRef idx="1">
+            <a:schemeClr val="accent1"/>
+          </a:fillRef>
+          <a:effectRef idx="0">
+            <a:schemeClr val="accent1"/>
+          </a:effectRef>
+          <a:fontRef idx="minor">
+            <a:schemeClr val="lt1"/>
+          </a:fontRef>
+        </p:style>
+        <p:txBody>
+          <a:bodyPr rtlCol="0" anchor="ctr"/>
+          <a:lstStyle/>
+          <a:p>
+            <a:pPr algn="ctr"/>
+            <a:r>
+              <a:rPr kumimoji="1" lang="en-US" altLang="ja-JP" sz="1400" dirty="0" smtClean="0">
+                <a:solidFill>
+                  <a:schemeClr val="tx1"/>
+                </a:solidFill>
+              </a:rPr>
+              <a:t>sequence2</a:t>
+            </a:r>
+            <a:endParaRPr kumimoji="1" lang="en-US" altLang="ja-JP" sz="1400" dirty="0">
+              <a:solidFill>
+                <a:schemeClr val="tx1"/>
+              </a:solidFill>
+            </a:endParaRPr>
+          </a:p>
+        </p:txBody>
+      </p:sp>
+      <p:sp>
+        <p:nvSpPr>
+          <p:cNvPr id="52" name="テキスト ボックス 51"/>
+          <p:cNvSpPr txBox="1"/>
+          <p:nvPr/>
+        </p:nvSpPr>
+        <p:spPr>
+          <a:xfrm>
+            <a:off x="5127817" y="2863969"/>
+            <a:ext cx="660181" cy="276999"/>
+          </a:xfrm>
+          <a:prstGeom prst="rect">
+            <a:avLst/>
+          </a:prstGeom>
+          <a:noFill/>
+          <a:ln>
+            <a:noFill/>
+          </a:ln>
+        </p:spPr>
+        <p:txBody>
+          <a:bodyPr wrap="none" rtlCol="0">
+            <a:spAutoFit/>
+          </a:bodyPr>
+          <a:lstStyle/>
+          <a:p>
+            <a:r>
+              <a:rPr kumimoji="1" lang="en-US" altLang="ja-JP" sz="1200" dirty="0" smtClean="0"/>
+              <a:t>request</a:t>
+            </a:r>
+            <a:endParaRPr kumimoji="1" lang="ja-JP" altLang="en-US" sz="1200" dirty="0"/>
+          </a:p>
+        </p:txBody>
+      </p:sp>
+      <p:sp>
+        <p:nvSpPr>
+          <p:cNvPr id="54" name="テキスト ボックス 53"/>
+          <p:cNvSpPr txBox="1"/>
+          <p:nvPr/>
+        </p:nvSpPr>
+        <p:spPr>
+          <a:xfrm>
+            <a:off x="6135929" y="4376137"/>
+            <a:ext cx="496803" cy="276999"/>
+          </a:xfrm>
+          <a:prstGeom prst="rect">
+            <a:avLst/>
+          </a:prstGeom>
+          <a:noFill/>
+          <a:ln>
+            <a:noFill/>
+          </a:ln>
+        </p:spPr>
+        <p:txBody>
+          <a:bodyPr wrap="none" rtlCol="0">
+            <a:spAutoFit/>
+          </a:bodyPr>
+          <a:lstStyle/>
+          <a:p>
+            <a:r>
+              <a:rPr kumimoji="1" lang="en-US" altLang="ja-JP" sz="1200" dirty="0" smtClean="0"/>
+              <a:t>reply</a:t>
+            </a:r>
+            <a:endParaRPr kumimoji="1" lang="ja-JP" altLang="en-US" sz="1200" dirty="0"/>
+          </a:p>
+        </p:txBody>
+      </p:sp>
+      <p:sp>
+        <p:nvSpPr>
+          <p:cNvPr id="55" name="テキスト ボックス 54"/>
+          <p:cNvSpPr txBox="1"/>
+          <p:nvPr/>
+        </p:nvSpPr>
+        <p:spPr>
+          <a:xfrm>
+            <a:off x="5415849" y="5484832"/>
+            <a:ext cx="496803" cy="276999"/>
+          </a:xfrm>
+          <a:prstGeom prst="rect">
+            <a:avLst/>
+          </a:prstGeom>
+          <a:noFill/>
+        </p:spPr>
+        <p:txBody>
+          <a:bodyPr wrap="none" rtlCol="0">
+            <a:spAutoFit/>
+          </a:bodyPr>
+          <a:lstStyle/>
+          <a:p>
+            <a:r>
+              <a:rPr kumimoji="1" lang="en-US" altLang="ja-JP" sz="1200" dirty="0" smtClean="0"/>
+              <a:t>reply</a:t>
+            </a:r>
+            <a:endParaRPr kumimoji="1" lang="ja-JP" altLang="en-US" sz="1200" dirty="0"/>
+          </a:p>
+        </p:txBody>
+      </p:sp>
+      <p:sp>
+        <p:nvSpPr>
+          <p:cNvPr id="63" name="テキスト ボックス 62"/>
+          <p:cNvSpPr txBox="1"/>
+          <p:nvPr/>
+        </p:nvSpPr>
+        <p:spPr>
+          <a:xfrm>
+            <a:off x="6004022" y="3468841"/>
+            <a:ext cx="1289135" cy="646331"/>
+          </a:xfrm>
+          <a:prstGeom prst="rect">
+            <a:avLst/>
+          </a:prstGeom>
+          <a:noFill/>
+        </p:spPr>
+        <p:txBody>
+          <a:bodyPr wrap="none" rtlCol="0">
+            <a:spAutoFit/>
+          </a:bodyPr>
+          <a:lstStyle/>
+          <a:p>
+            <a:r>
+              <a:rPr lang="en-US" altLang="ja-JP" sz="1200" dirty="0"/>
+              <a:t>r</a:t>
+            </a:r>
+            <a:r>
+              <a:rPr kumimoji="1" lang="en-US" altLang="ja-JP" sz="1200" dirty="0" smtClean="0"/>
+              <a:t>equest</a:t>
+            </a:r>
+          </a:p>
+          <a:p>
+            <a:r>
+              <a:rPr lang="en-US" altLang="ja-JP" sz="1200" dirty="0" smtClean="0"/>
+              <a:t>(to another</a:t>
+            </a:r>
+          </a:p>
+          <a:p>
+            <a:r>
+              <a:rPr lang="en-US" altLang="ja-JP" sz="1200" dirty="0" smtClean="0"/>
+              <a:t>Function module)</a:t>
+            </a:r>
+            <a:endParaRPr kumimoji="1" lang="ja-JP" altLang="en-US" sz="1200" dirty="0"/>
+          </a:p>
+        </p:txBody>
+      </p:sp>
+      <p:sp>
+        <p:nvSpPr>
+          <p:cNvPr id="68" name="テキスト ボックス 67"/>
+          <p:cNvSpPr txBox="1"/>
+          <p:nvPr/>
+        </p:nvSpPr>
+        <p:spPr>
+          <a:xfrm>
+            <a:off x="1031729" y="1484784"/>
+            <a:ext cx="1226490" cy="461665"/>
+          </a:xfrm>
+          <a:prstGeom prst="rect">
+            <a:avLst/>
+          </a:prstGeom>
+          <a:noFill/>
+        </p:spPr>
+        <p:txBody>
+          <a:bodyPr wrap="none" rtlCol="0">
+            <a:spAutoFit/>
+          </a:bodyPr>
+          <a:lstStyle/>
+          <a:p>
+            <a:r>
+              <a:rPr lang="en-US" altLang="ja-JP" sz="1200" dirty="0" err="1" smtClean="0"/>
+              <a:t>t</a:t>
+            </a:r>
+            <a:r>
+              <a:rPr kumimoji="1" lang="en-US" altLang="ja-JP" sz="1200" dirty="0" err="1" smtClean="0"/>
+              <a:t>hread_manager</a:t>
+            </a:r>
+            <a:endParaRPr kumimoji="1" lang="en-US" altLang="ja-JP" sz="1200" dirty="0" smtClean="0"/>
+          </a:p>
+          <a:p>
+            <a:r>
+              <a:rPr lang="en-US" altLang="ja-JP" sz="1200" dirty="0" smtClean="0"/>
+              <a:t>framework</a:t>
+            </a:r>
+            <a:endParaRPr kumimoji="1" lang="ja-JP" altLang="en-US" sz="1200" dirty="0"/>
+          </a:p>
+        </p:txBody>
+      </p:sp>
+      <p:sp>
+        <p:nvSpPr>
+          <p:cNvPr id="69" name="正方形/長方形 68"/>
+          <p:cNvSpPr/>
+          <p:nvPr/>
+        </p:nvSpPr>
+        <p:spPr>
+          <a:xfrm>
+            <a:off x="1231057" y="1988840"/>
+            <a:ext cx="1008112" cy="240429"/>
+          </a:xfrm>
+          <a:prstGeom prst="rect">
+            <a:avLst/>
+          </a:prstGeom>
+          <a:solidFill>
+            <a:schemeClr val="bg1"/>
+          </a:solidFill>
+        </p:spPr>
+        <p:style>
+          <a:lnRef idx="2">
+            <a:schemeClr val="accent1">
+              <a:shade val="50000"/>
+            </a:schemeClr>
+          </a:lnRef>
+          <a:fillRef idx="1">
+            <a:schemeClr val="accent1"/>
+          </a:fillRef>
+          <a:effectRef idx="0">
+            <a:schemeClr val="accent1"/>
+          </a:effectRef>
+          <a:fontRef idx="minor">
+            <a:schemeClr val="lt1"/>
+          </a:fontRef>
+        </p:style>
+        <p:txBody>
+          <a:bodyPr rtlCol="0" anchor="ctr"/>
+          <a:lstStyle/>
+          <a:p>
+            <a:pPr algn="ctr"/>
+            <a:r>
+              <a:rPr kumimoji="1" lang="en-US" altLang="ja-JP" sz="1000" dirty="0" err="1" smtClean="0">
+                <a:solidFill>
+                  <a:schemeClr val="tx1"/>
+                </a:solidFill>
+              </a:rPr>
+              <a:t>workerThread</a:t>
+            </a:r>
+            <a:endParaRPr kumimoji="1" lang="ja-JP" altLang="en-US" sz="1000" dirty="0">
+              <a:solidFill>
+                <a:schemeClr val="tx1"/>
+              </a:solidFill>
+            </a:endParaRPr>
+          </a:p>
+        </p:txBody>
+      </p:sp>
+      <p:sp>
+        <p:nvSpPr>
+          <p:cNvPr id="70" name="Line 97"/>
+          <p:cNvSpPr>
+            <a:spLocks noChangeShapeType="1"/>
+          </p:cNvSpPr>
+          <p:nvPr/>
+        </p:nvSpPr>
+        <p:spPr bwMode="auto">
+          <a:xfrm flipH="1">
+            <a:off x="1720255" y="2267347"/>
+            <a:ext cx="6215" cy="3691880"/>
+          </a:xfrm>
+          <a:prstGeom prst="line">
+            <a:avLst/>
+          </a:prstGeom>
+          <a:noFill/>
+          <a:ln w="9525">
+            <a:solidFill>
+              <a:schemeClr val="tx1"/>
+            </a:solidFill>
+            <a:round/>
+            <a:headEnd/>
+            <a:tailEnd/>
+          </a:ln>
+          <a:effectLst/>
+          <a:extLst>
+            <a:ext uri="{909E8E84-426E-40DD-AFC4-6F175D3DCCD1}">
+              <a14:hiddenFill xmlns:a14="http://schemas.microsoft.com/office/drawing/2010/main">
+                <a:noFill/>
+              </a14:hiddenFill>
+            </a:ext>
+            <a:ext uri="{AF507438-7753-43E0-B8FC-AC1667EBCBE1}">
+              <a14:hiddenEffects xmlns:a14="http://schemas.microsoft.com/office/drawing/2010/main">
+                <a:effectLst>
+                  <a:outerShdw dist="35921" dir="2700000" algn="ctr" rotWithShape="0">
+                    <a:schemeClr val="bg2"/>
+                  </a:outerShdw>
+                </a:effectLst>
+              </a14:hiddenEffects>
+            </a:ext>
+          </a:extLst>
+        </p:spPr>
+        <p:txBody>
+          <a:bodyPr/>
+          <a:lstStyle/>
+          <a:p>
+            <a:endParaRPr lang="ja-JP" altLang="en-US" sz="1400"/>
+          </a:p>
+        </p:txBody>
+      </p:sp>
+      <p:sp>
+        <p:nvSpPr>
+          <p:cNvPr id="71" name="Rectangle 98"/>
+          <p:cNvSpPr>
+            <a:spLocks noChangeArrowheads="1"/>
+          </p:cNvSpPr>
+          <p:nvPr/>
+        </p:nvSpPr>
+        <p:spPr bwMode="auto">
+          <a:xfrm>
+            <a:off x="1648247" y="2301254"/>
+            <a:ext cx="152400" cy="3576017"/>
+          </a:xfrm>
+          <a:prstGeom prst="rect">
+            <a:avLst/>
+          </a:prstGeom>
+          <a:solidFill>
+            <a:srgbClr val="FFFFCC"/>
+          </a:solidFill>
+          <a:ln w="9525">
+            <a:solidFill>
+              <a:schemeClr val="tx1"/>
+            </a:solidFill>
+            <a:miter lim="800000"/>
+            <a:headEnd/>
+            <a:tailEnd/>
+          </a:ln>
+          <a:effectLst/>
+          <a:extLst>
+            <a:ext uri="{AF507438-7753-43E0-B8FC-AC1667EBCBE1}">
+              <a14:hiddenEffects xmlns:a14="http://schemas.microsoft.com/office/drawing/2010/main">
+                <a:effectLst>
+                  <a:outerShdw dist="53882" dir="2700000" algn="ctr" rotWithShape="0">
+                    <a:schemeClr val="bg2"/>
+                  </a:outerShdw>
+                </a:effectLst>
+              </a14:hiddenEffects>
+            </a:ext>
+          </a:extLst>
+        </p:spPr>
+        <p:txBody>
+          <a:bodyPr wrap="none" anchor="ctr"/>
+          <a:lstStyle/>
+          <a:p>
+            <a:endParaRPr lang="ja-JP" altLang="en-US" sz="1400"/>
+          </a:p>
+        </p:txBody>
+      </p:sp>
+      <p:sp>
+        <p:nvSpPr>
+          <p:cNvPr id="87" name="右大かっこ 86"/>
+          <p:cNvSpPr/>
+          <p:nvPr/>
+        </p:nvSpPr>
+        <p:spPr>
+          <a:xfrm>
+            <a:off x="1736777" y="2727970"/>
+            <a:ext cx="1997609" cy="454223"/>
+          </a:xfrm>
+          <a:prstGeom prst="rightBracket">
+            <a:avLst>
+              <a:gd name="adj" fmla="val 0"/>
+            </a:avLst>
+          </a:prstGeom>
+          <a:ln w="38100">
+            <a:solidFill>
+              <a:srgbClr val="FF0000">
+                <a:alpha val="20000"/>
+              </a:srgbClr>
+            </a:solidFill>
+          </a:ln>
+          <a:effectLst>
+            <a:glow>
+              <a:schemeClr val="accent1"/>
+            </a:glow>
+          </a:effectLst>
+        </p:spPr>
+        <p:style>
+          <a:lnRef idx="1">
+            <a:schemeClr val="accent1"/>
+          </a:lnRef>
+          <a:fillRef idx="0">
+            <a:schemeClr val="accent1"/>
+          </a:fillRef>
+          <a:effectRef idx="0">
+            <a:schemeClr val="accent1"/>
+          </a:effectRef>
+          <a:fontRef idx="minor">
+            <a:schemeClr val="tx1"/>
+          </a:fontRef>
+        </p:style>
+        <p:txBody>
+          <a:bodyPr rtlCol="0" anchor="ctr"/>
+          <a:lstStyle/>
+          <a:p>
+            <a:pPr algn="ctr"/>
+            <a:endParaRPr kumimoji="1" lang="ja-JP" altLang="en-US"/>
+          </a:p>
+        </p:txBody>
+      </p:sp>
+      <p:sp>
+        <p:nvSpPr>
+          <p:cNvPr id="88" name="右大かっこ 87"/>
+          <p:cNvSpPr/>
+          <p:nvPr/>
+        </p:nvSpPr>
+        <p:spPr>
+          <a:xfrm>
+            <a:off x="1720255" y="3239344"/>
+            <a:ext cx="4231163" cy="449114"/>
+          </a:xfrm>
+          <a:prstGeom prst="rightBracket">
+            <a:avLst>
+              <a:gd name="adj" fmla="val 0"/>
+            </a:avLst>
+          </a:prstGeom>
+          <a:ln w="38100">
+            <a:solidFill>
+              <a:srgbClr val="FF0000">
+                <a:alpha val="20000"/>
+              </a:srgbClr>
+            </a:solidFill>
+          </a:ln>
+          <a:effectLst>
+            <a:glow>
+              <a:schemeClr val="accent1"/>
+            </a:glow>
+          </a:effectLst>
+        </p:spPr>
+        <p:style>
+          <a:lnRef idx="1">
+            <a:schemeClr val="accent1"/>
+          </a:lnRef>
+          <a:fillRef idx="0">
+            <a:schemeClr val="accent1"/>
+          </a:fillRef>
+          <a:effectRef idx="0">
+            <a:schemeClr val="accent1"/>
+          </a:effectRef>
+          <a:fontRef idx="minor">
+            <a:schemeClr val="tx1"/>
+          </a:fontRef>
+        </p:style>
+        <p:txBody>
+          <a:bodyPr rtlCol="0" anchor="ctr"/>
+          <a:lstStyle/>
+          <a:p>
+            <a:pPr algn="ctr"/>
+            <a:endParaRPr kumimoji="1" lang="ja-JP" altLang="en-US"/>
+          </a:p>
+        </p:txBody>
+      </p:sp>
+      <p:sp>
+        <p:nvSpPr>
+          <p:cNvPr id="89" name="右大かっこ 88"/>
+          <p:cNvSpPr/>
+          <p:nvPr/>
+        </p:nvSpPr>
+        <p:spPr>
+          <a:xfrm>
+            <a:off x="1710731" y="4333354"/>
+            <a:ext cx="2026764" cy="648195"/>
+          </a:xfrm>
+          <a:prstGeom prst="rightBracket">
+            <a:avLst>
+              <a:gd name="adj" fmla="val 0"/>
+            </a:avLst>
+          </a:prstGeom>
+          <a:ln w="38100">
+            <a:solidFill>
+              <a:srgbClr val="FF0000">
+                <a:alpha val="20000"/>
+              </a:srgbClr>
+            </a:solidFill>
+          </a:ln>
+          <a:effectLst>
+            <a:glow>
+              <a:schemeClr val="accent1"/>
+            </a:glow>
+          </a:effectLst>
+        </p:spPr>
+        <p:style>
+          <a:lnRef idx="1">
+            <a:schemeClr val="accent1"/>
+          </a:lnRef>
+          <a:fillRef idx="0">
+            <a:schemeClr val="accent1"/>
+          </a:fillRef>
+          <a:effectRef idx="0">
+            <a:schemeClr val="accent1"/>
+          </a:effectRef>
+          <a:fontRef idx="minor">
+            <a:schemeClr val="tx1"/>
+          </a:fontRef>
+        </p:style>
+        <p:txBody>
+          <a:bodyPr rtlCol="0" anchor="ctr"/>
+          <a:lstStyle/>
+          <a:p>
+            <a:pPr algn="ctr"/>
+            <a:endParaRPr kumimoji="1" lang="ja-JP" altLang="en-US"/>
+          </a:p>
+        </p:txBody>
+      </p:sp>
+      <p:sp>
+        <p:nvSpPr>
+          <p:cNvPr id="90" name="右大かっこ 89"/>
+          <p:cNvSpPr/>
+          <p:nvPr/>
+        </p:nvSpPr>
+        <p:spPr>
+          <a:xfrm>
+            <a:off x="1734097" y="5044247"/>
+            <a:ext cx="4223535" cy="472985"/>
+          </a:xfrm>
+          <a:prstGeom prst="rightBracket">
+            <a:avLst>
+              <a:gd name="adj" fmla="val 0"/>
+            </a:avLst>
+          </a:prstGeom>
+          <a:ln w="38100">
+            <a:solidFill>
+              <a:srgbClr val="FF0000">
+                <a:alpha val="20000"/>
+              </a:srgbClr>
+            </a:solidFill>
+          </a:ln>
+          <a:effectLst>
+            <a:glow>
+              <a:schemeClr val="accent1"/>
+            </a:glow>
+          </a:effectLst>
+        </p:spPr>
+        <p:style>
+          <a:lnRef idx="1">
+            <a:schemeClr val="accent1"/>
+          </a:lnRef>
+          <a:fillRef idx="0">
+            <a:schemeClr val="accent1"/>
+          </a:fillRef>
+          <a:effectRef idx="0">
+            <a:schemeClr val="accent1"/>
+          </a:effectRef>
+          <a:fontRef idx="minor">
+            <a:schemeClr val="tx1"/>
+          </a:fontRef>
+        </p:style>
+        <p:txBody>
+          <a:bodyPr rtlCol="0" anchor="ctr"/>
+          <a:lstStyle/>
+          <a:p>
+            <a:pPr algn="ctr"/>
+            <a:endParaRPr kumimoji="1" lang="ja-JP" altLang="en-US"/>
+          </a:p>
+        </p:txBody>
+      </p:sp>
+      <p:cxnSp>
+        <p:nvCxnSpPr>
+          <p:cNvPr id="92" name="直線コネクタ 91"/>
+          <p:cNvCxnSpPr/>
+          <p:nvPr/>
+        </p:nvCxnSpPr>
+        <p:spPr>
+          <a:xfrm>
+            <a:off x="1754163" y="2267347"/>
+            <a:ext cx="0" cy="464816"/>
+          </a:xfrm>
+          <a:prstGeom prst="line">
+            <a:avLst/>
+          </a:prstGeom>
+          <a:ln w="38100">
+            <a:solidFill>
+              <a:srgbClr val="FF0000">
+                <a:alpha val="30000"/>
+              </a:srgbClr>
+            </a:solidFill>
+          </a:ln>
+        </p:spPr>
+        <p:style>
+          <a:lnRef idx="1">
+            <a:schemeClr val="accent1"/>
+          </a:lnRef>
+          <a:fillRef idx="0">
+            <a:schemeClr val="accent1"/>
+          </a:fillRef>
+          <a:effectRef idx="0">
+            <a:schemeClr val="accent1"/>
+          </a:effectRef>
+          <a:fontRef idx="minor">
+            <a:schemeClr val="tx1"/>
+          </a:fontRef>
+        </p:style>
+      </p:cxnSp>
+      <p:cxnSp>
+        <p:nvCxnSpPr>
+          <p:cNvPr id="93" name="直線コネクタ 92"/>
+          <p:cNvCxnSpPr/>
+          <p:nvPr/>
+        </p:nvCxnSpPr>
+        <p:spPr>
+          <a:xfrm>
+            <a:off x="1750988" y="5517232"/>
+            <a:ext cx="3175" cy="576064"/>
+          </a:xfrm>
+          <a:prstGeom prst="line">
+            <a:avLst/>
+          </a:prstGeom>
+          <a:ln w="38100">
+            <a:solidFill>
+              <a:srgbClr val="FF0000">
+                <a:alpha val="30000"/>
+              </a:srgbClr>
+            </a:solidFill>
+            <a:headEnd type="none" w="med" len="med"/>
+            <a:tailEnd type="triangle" w="med" len="med"/>
+          </a:ln>
+        </p:spPr>
+        <p:style>
+          <a:lnRef idx="1">
+            <a:schemeClr val="accent1"/>
+          </a:lnRef>
+          <a:fillRef idx="0">
+            <a:schemeClr val="accent1"/>
+          </a:fillRef>
+          <a:effectRef idx="0">
+            <a:schemeClr val="accent1"/>
+          </a:effectRef>
+          <a:fontRef idx="minor">
+            <a:schemeClr val="tx1"/>
+          </a:fontRef>
+        </p:style>
+      </p:cxnSp>
+      <p:cxnSp>
+        <p:nvCxnSpPr>
+          <p:cNvPr id="94" name="直線コネクタ 93"/>
+          <p:cNvCxnSpPr/>
+          <p:nvPr/>
+        </p:nvCxnSpPr>
+        <p:spPr>
+          <a:xfrm>
+            <a:off x="1739876" y="3165573"/>
+            <a:ext cx="0" cy="83041"/>
+          </a:xfrm>
+          <a:prstGeom prst="line">
+            <a:avLst/>
+          </a:prstGeom>
+          <a:ln w="38100">
+            <a:solidFill>
+              <a:srgbClr val="FF0000">
+                <a:alpha val="30000"/>
+              </a:srgbClr>
+            </a:solidFill>
+          </a:ln>
+        </p:spPr>
+        <p:style>
+          <a:lnRef idx="1">
+            <a:schemeClr val="accent1"/>
+          </a:lnRef>
+          <a:fillRef idx="0">
+            <a:schemeClr val="accent1"/>
+          </a:fillRef>
+          <a:effectRef idx="0">
+            <a:schemeClr val="accent1"/>
+          </a:effectRef>
+          <a:fontRef idx="minor">
+            <a:schemeClr val="tx1"/>
+          </a:fontRef>
+        </p:style>
+      </p:cxnSp>
+      <p:cxnSp>
+        <p:nvCxnSpPr>
+          <p:cNvPr id="96" name="直線コネクタ 95"/>
+          <p:cNvCxnSpPr/>
+          <p:nvPr/>
+        </p:nvCxnSpPr>
+        <p:spPr>
+          <a:xfrm>
+            <a:off x="1735115" y="3689932"/>
+            <a:ext cx="1" cy="617229"/>
+          </a:xfrm>
+          <a:prstGeom prst="line">
+            <a:avLst/>
+          </a:prstGeom>
+          <a:ln w="38100">
+            <a:solidFill>
+              <a:srgbClr val="FF0000">
+                <a:alpha val="30000"/>
+              </a:srgbClr>
+            </a:solidFill>
+          </a:ln>
+        </p:spPr>
+        <p:style>
+          <a:lnRef idx="1">
+            <a:schemeClr val="accent1"/>
+          </a:lnRef>
+          <a:fillRef idx="0">
+            <a:schemeClr val="accent1"/>
+          </a:fillRef>
+          <a:effectRef idx="0">
+            <a:schemeClr val="accent1"/>
+          </a:effectRef>
+          <a:fontRef idx="minor">
+            <a:schemeClr val="tx1"/>
+          </a:fontRef>
+        </p:style>
+      </p:cxnSp>
+      <p:cxnSp>
+        <p:nvCxnSpPr>
+          <p:cNvPr id="100" name="直線コネクタ 99"/>
+          <p:cNvCxnSpPr/>
+          <p:nvPr/>
+        </p:nvCxnSpPr>
+        <p:spPr>
+          <a:xfrm>
+            <a:off x="1725588" y="4985476"/>
+            <a:ext cx="0" cy="83041"/>
+          </a:xfrm>
+          <a:prstGeom prst="line">
+            <a:avLst/>
+          </a:prstGeom>
+          <a:ln w="38100">
+            <a:solidFill>
+              <a:srgbClr val="FF0000">
+                <a:alpha val="30000"/>
+              </a:srgbClr>
+            </a:solidFill>
+          </a:ln>
+        </p:spPr>
+        <p:style>
+          <a:lnRef idx="1">
+            <a:schemeClr val="accent1"/>
+          </a:lnRef>
+          <a:fillRef idx="0">
+            <a:schemeClr val="accent1"/>
+          </a:fillRef>
+          <a:effectRef idx="0">
+            <a:schemeClr val="accent1"/>
+          </a:effectRef>
+          <a:fontRef idx="minor">
+            <a:schemeClr val="tx1"/>
+          </a:fontRef>
+        </p:style>
+      </p:cxnSp>
+      <p:sp>
+        <p:nvSpPr>
+          <p:cNvPr id="103" name="右大かっこ 102"/>
+          <p:cNvSpPr/>
+          <p:nvPr/>
+        </p:nvSpPr>
+        <p:spPr>
+          <a:xfrm>
+            <a:off x="5905196" y="2924944"/>
+            <a:ext cx="126014" cy="268797"/>
+          </a:xfrm>
+          <a:prstGeom prst="rightBracket">
+            <a:avLst>
+              <a:gd name="adj" fmla="val 127211"/>
+            </a:avLst>
+          </a:prstGeom>
+          <a:ln>
+            <a:solidFill>
+              <a:srgbClr val="FF0000"/>
+            </a:solidFill>
+            <a:headEnd type="none" w="med" len="med"/>
+            <a:tailEnd type="triangle" w="med" len="med"/>
+          </a:ln>
+        </p:spPr>
+        <p:style>
+          <a:lnRef idx="1">
+            <a:schemeClr val="accent1"/>
+          </a:lnRef>
+          <a:fillRef idx="0">
+            <a:schemeClr val="accent1"/>
+          </a:fillRef>
+          <a:effectRef idx="0">
+            <a:schemeClr val="accent1"/>
+          </a:effectRef>
+          <a:fontRef idx="minor">
+            <a:schemeClr val="tx1"/>
+          </a:fontRef>
+        </p:style>
+        <p:txBody>
+          <a:bodyPr rtlCol="0" anchor="ctr"/>
+          <a:lstStyle/>
+          <a:p>
+            <a:pPr algn="ctr"/>
+            <a:endParaRPr kumimoji="1" lang="ja-JP" altLang="en-US"/>
+          </a:p>
+        </p:txBody>
+      </p:sp>
+      <p:sp>
+        <p:nvSpPr>
+          <p:cNvPr id="104" name="右大かっこ 103"/>
+          <p:cNvSpPr/>
+          <p:nvPr/>
+        </p:nvSpPr>
+        <p:spPr>
+          <a:xfrm>
+            <a:off x="5993110" y="4653321"/>
+            <a:ext cx="126014" cy="328228"/>
+          </a:xfrm>
+          <a:prstGeom prst="rightBracket">
+            <a:avLst>
+              <a:gd name="adj" fmla="val 127211"/>
+            </a:avLst>
+          </a:prstGeom>
+          <a:ln>
+            <a:solidFill>
+              <a:srgbClr val="FF0000"/>
+            </a:solidFill>
+            <a:headEnd type="none" w="med" len="med"/>
+            <a:tailEnd type="triangle" w="med" len="med"/>
+          </a:ln>
+        </p:spPr>
+        <p:style>
+          <a:lnRef idx="1">
+            <a:schemeClr val="accent1"/>
+          </a:lnRef>
+          <a:fillRef idx="0">
+            <a:schemeClr val="accent1"/>
+          </a:fillRef>
+          <a:effectRef idx="0">
+            <a:schemeClr val="accent1"/>
+          </a:effectRef>
+          <a:fontRef idx="minor">
+            <a:schemeClr val="tx1"/>
+          </a:fontRef>
+        </p:style>
+        <p:txBody>
+          <a:bodyPr rtlCol="0" anchor="ctr"/>
+          <a:lstStyle/>
+          <a:p>
+            <a:pPr algn="ctr"/>
+            <a:endParaRPr kumimoji="1" lang="ja-JP" altLang="en-US"/>
+          </a:p>
+        </p:txBody>
+      </p:sp>
+      <p:sp>
+        <p:nvSpPr>
+          <p:cNvPr id="105" name="テキスト ボックス 104"/>
+          <p:cNvSpPr txBox="1"/>
+          <p:nvPr/>
+        </p:nvSpPr>
+        <p:spPr>
+          <a:xfrm>
+            <a:off x="2122518" y="2955027"/>
+            <a:ext cx="577274" cy="276999"/>
+          </a:xfrm>
+          <a:prstGeom prst="rect">
+            <a:avLst/>
+          </a:prstGeom>
+          <a:noFill/>
+          <a:ln>
+            <a:noFill/>
+          </a:ln>
+        </p:spPr>
+        <p:txBody>
+          <a:bodyPr wrap="none" rtlCol="0">
+            <a:spAutoFit/>
+          </a:bodyPr>
+          <a:lstStyle/>
+          <a:p>
+            <a:r>
+              <a:rPr kumimoji="1" lang="en-US" altLang="ja-JP" sz="1200" dirty="0" smtClean="0"/>
+              <a:t>&lt;-wait</a:t>
+            </a:r>
+            <a:endParaRPr kumimoji="1" lang="ja-JP" altLang="en-US" sz="1200" dirty="0"/>
+          </a:p>
+        </p:txBody>
+      </p:sp>
+      <p:sp>
+        <p:nvSpPr>
+          <p:cNvPr id="106" name="テキスト ボックス 105"/>
+          <p:cNvSpPr txBox="1"/>
+          <p:nvPr/>
+        </p:nvSpPr>
+        <p:spPr>
+          <a:xfrm>
+            <a:off x="2123728" y="3481958"/>
+            <a:ext cx="577274" cy="276999"/>
+          </a:xfrm>
+          <a:prstGeom prst="rect">
+            <a:avLst/>
+          </a:prstGeom>
+          <a:noFill/>
+          <a:ln>
+            <a:noFill/>
+          </a:ln>
+        </p:spPr>
+        <p:txBody>
+          <a:bodyPr wrap="none" rtlCol="0">
+            <a:spAutoFit/>
+          </a:bodyPr>
+          <a:lstStyle/>
+          <a:p>
+            <a:r>
+              <a:rPr kumimoji="1" lang="en-US" altLang="ja-JP" sz="1200" dirty="0" smtClean="0"/>
+              <a:t>&lt;-wait</a:t>
+            </a:r>
+            <a:endParaRPr kumimoji="1" lang="ja-JP" altLang="en-US" sz="1200" dirty="0"/>
+          </a:p>
+        </p:txBody>
+      </p:sp>
+      <p:sp>
+        <p:nvSpPr>
+          <p:cNvPr id="107" name="テキスト ボックス 106"/>
+          <p:cNvSpPr txBox="1"/>
+          <p:nvPr/>
+        </p:nvSpPr>
+        <p:spPr>
+          <a:xfrm>
+            <a:off x="2157636" y="4744194"/>
+            <a:ext cx="577274" cy="276999"/>
+          </a:xfrm>
+          <a:prstGeom prst="rect">
+            <a:avLst/>
+          </a:prstGeom>
+          <a:noFill/>
+          <a:ln>
+            <a:noFill/>
+          </a:ln>
+        </p:spPr>
+        <p:txBody>
+          <a:bodyPr wrap="none" rtlCol="0">
+            <a:spAutoFit/>
+          </a:bodyPr>
+          <a:lstStyle/>
+          <a:p>
+            <a:r>
+              <a:rPr kumimoji="1" lang="en-US" altLang="ja-JP" sz="1200" dirty="0" smtClean="0"/>
+              <a:t>&lt;-wait</a:t>
+            </a:r>
+            <a:endParaRPr kumimoji="1" lang="ja-JP" altLang="en-US" sz="1200" dirty="0"/>
+          </a:p>
+        </p:txBody>
+      </p:sp>
+      <p:sp>
+        <p:nvSpPr>
+          <p:cNvPr id="108" name="テキスト ボックス 107"/>
+          <p:cNvSpPr txBox="1"/>
+          <p:nvPr/>
+        </p:nvSpPr>
+        <p:spPr>
+          <a:xfrm>
+            <a:off x="2123728" y="5293191"/>
+            <a:ext cx="577274" cy="276999"/>
+          </a:xfrm>
+          <a:prstGeom prst="rect">
+            <a:avLst/>
+          </a:prstGeom>
+          <a:noFill/>
+          <a:ln>
+            <a:noFill/>
+          </a:ln>
+        </p:spPr>
+        <p:txBody>
+          <a:bodyPr wrap="none" rtlCol="0">
+            <a:spAutoFit/>
+          </a:bodyPr>
+          <a:lstStyle/>
+          <a:p>
+            <a:r>
+              <a:rPr kumimoji="1" lang="en-US" altLang="ja-JP" sz="1200" dirty="0" smtClean="0"/>
+              <a:t>&lt;-wait</a:t>
+            </a:r>
+            <a:endParaRPr kumimoji="1" lang="ja-JP" altLang="en-US" sz="1200" dirty="0"/>
+          </a:p>
+        </p:txBody>
+      </p:sp>
+      <p:sp>
+        <p:nvSpPr>
+          <p:cNvPr id="109" name="四角形吹き出し 108"/>
+          <p:cNvSpPr/>
+          <p:nvPr/>
+        </p:nvSpPr>
+        <p:spPr>
+          <a:xfrm>
+            <a:off x="827584" y="2301255"/>
+            <a:ext cx="730203" cy="300894"/>
+          </a:xfrm>
+          <a:prstGeom prst="wedgeRectCallout">
+            <a:avLst>
+              <a:gd name="adj1" fmla="val 67574"/>
+              <a:gd name="adj2" fmla="val 67432"/>
+            </a:avLst>
+          </a:prstGeom>
+          <a:solidFill>
+            <a:srgbClr val="FFC000"/>
+          </a:solidFill>
+          <a:ln>
+            <a:noFill/>
+          </a:ln>
+        </p:spPr>
+        <p:style>
+          <a:lnRef idx="2">
+            <a:schemeClr val="accent1">
+              <a:shade val="50000"/>
+            </a:schemeClr>
+          </a:lnRef>
+          <a:fillRef idx="1">
+            <a:schemeClr val="accent1"/>
+          </a:fillRef>
+          <a:effectRef idx="0">
+            <a:schemeClr val="accent1"/>
+          </a:effectRef>
+          <a:fontRef idx="minor">
+            <a:schemeClr val="lt1"/>
+          </a:fontRef>
+        </p:style>
+        <p:txBody>
+          <a:bodyPr rtlCol="0" anchor="ctr"/>
+          <a:lstStyle/>
+          <a:p>
+            <a:pPr algn="ctr"/>
+            <a:r>
+              <a:rPr lang="en-US" altLang="ja-JP" sz="1000" dirty="0">
+                <a:solidFill>
+                  <a:schemeClr val="tx1"/>
+                </a:solidFill>
+              </a:rPr>
+              <a:t>r</a:t>
+            </a:r>
+            <a:r>
+              <a:rPr lang="en-US" altLang="ja-JP" sz="1000" dirty="0" smtClean="0">
+                <a:solidFill>
+                  <a:schemeClr val="tx1"/>
+                </a:solidFill>
+              </a:rPr>
+              <a:t>equest</a:t>
+            </a:r>
+          </a:p>
+          <a:p>
+            <a:pPr algn="ctr"/>
+            <a:r>
+              <a:rPr lang="en-US" altLang="ja-JP" sz="1000" dirty="0" err="1" smtClean="0">
+                <a:solidFill>
+                  <a:schemeClr val="tx1"/>
+                </a:solidFill>
+              </a:rPr>
+              <a:t>enQueue</a:t>
+            </a:r>
+            <a:endParaRPr kumimoji="1" lang="ja-JP" altLang="en-US" sz="1000" dirty="0">
+              <a:solidFill>
+                <a:schemeClr val="tx1"/>
+              </a:solidFill>
+            </a:endParaRPr>
+          </a:p>
+        </p:txBody>
+      </p:sp>
+      <p:sp>
+        <p:nvSpPr>
+          <p:cNvPr id="110" name="四角形吹き出し 109"/>
+          <p:cNvSpPr/>
+          <p:nvPr/>
+        </p:nvSpPr>
+        <p:spPr>
+          <a:xfrm>
+            <a:off x="827584" y="2782436"/>
+            <a:ext cx="730203" cy="292986"/>
+          </a:xfrm>
+          <a:prstGeom prst="wedgeRectCallout">
+            <a:avLst>
+              <a:gd name="adj1" fmla="val 67574"/>
+              <a:gd name="adj2" fmla="val -8994"/>
+            </a:avLst>
+          </a:prstGeom>
+          <a:solidFill>
+            <a:srgbClr val="FFC000"/>
+          </a:solidFill>
+          <a:ln>
+            <a:noFill/>
+          </a:ln>
+        </p:spPr>
+        <p:style>
+          <a:lnRef idx="2">
+            <a:schemeClr val="accent1">
+              <a:shade val="50000"/>
+            </a:schemeClr>
+          </a:lnRef>
+          <a:fillRef idx="1">
+            <a:schemeClr val="accent1"/>
+          </a:fillRef>
+          <a:effectRef idx="0">
+            <a:schemeClr val="accent1"/>
+          </a:effectRef>
+          <a:fontRef idx="minor">
+            <a:schemeClr val="lt1"/>
+          </a:fontRef>
+        </p:style>
+        <p:txBody>
+          <a:bodyPr rtlCol="0" anchor="ctr"/>
+          <a:lstStyle/>
+          <a:p>
+            <a:pPr algn="ctr"/>
+            <a:r>
+              <a:rPr lang="en-US" altLang="ja-JP" sz="1000" dirty="0" smtClean="0">
+                <a:solidFill>
+                  <a:schemeClr val="tx1"/>
+                </a:solidFill>
+              </a:rPr>
+              <a:t>request</a:t>
+            </a:r>
+          </a:p>
+          <a:p>
+            <a:pPr algn="ctr"/>
+            <a:r>
+              <a:rPr lang="en-US" altLang="ja-JP" sz="1000" dirty="0" err="1" smtClean="0">
+                <a:solidFill>
+                  <a:schemeClr val="tx1"/>
+                </a:solidFill>
+              </a:rPr>
+              <a:t>enQueue</a:t>
+            </a:r>
+            <a:endParaRPr kumimoji="1" lang="ja-JP" altLang="en-US" sz="1000" dirty="0">
+              <a:solidFill>
+                <a:schemeClr val="tx1"/>
+              </a:solidFill>
+            </a:endParaRPr>
+          </a:p>
+        </p:txBody>
+      </p:sp>
+      <p:sp>
+        <p:nvSpPr>
+          <p:cNvPr id="111" name="四角形吹き出し 110"/>
+          <p:cNvSpPr/>
+          <p:nvPr/>
+        </p:nvSpPr>
+        <p:spPr>
+          <a:xfrm>
+            <a:off x="817461" y="3862556"/>
+            <a:ext cx="730203" cy="323769"/>
+          </a:xfrm>
+          <a:prstGeom prst="wedgeRectCallout">
+            <a:avLst>
+              <a:gd name="adj1" fmla="val 66704"/>
+              <a:gd name="adj2" fmla="val 80691"/>
+            </a:avLst>
+          </a:prstGeom>
+          <a:solidFill>
+            <a:srgbClr val="FFC000"/>
+          </a:solidFill>
+          <a:ln>
+            <a:noFill/>
+          </a:ln>
+        </p:spPr>
+        <p:style>
+          <a:lnRef idx="2">
+            <a:schemeClr val="accent1">
+              <a:shade val="50000"/>
+            </a:schemeClr>
+          </a:lnRef>
+          <a:fillRef idx="1">
+            <a:schemeClr val="accent1"/>
+          </a:fillRef>
+          <a:effectRef idx="0">
+            <a:schemeClr val="accent1"/>
+          </a:effectRef>
+          <a:fontRef idx="minor">
+            <a:schemeClr val="lt1"/>
+          </a:fontRef>
+        </p:style>
+        <p:txBody>
+          <a:bodyPr rtlCol="0" anchor="ctr"/>
+          <a:lstStyle/>
+          <a:p>
+            <a:pPr algn="ctr"/>
+            <a:r>
+              <a:rPr lang="en-US" altLang="ja-JP" sz="1000" dirty="0" smtClean="0">
+                <a:solidFill>
+                  <a:schemeClr val="tx1"/>
+                </a:solidFill>
+              </a:rPr>
+              <a:t>reply</a:t>
+            </a:r>
+          </a:p>
+          <a:p>
+            <a:pPr algn="ctr"/>
+            <a:r>
+              <a:rPr lang="en-US" altLang="ja-JP" sz="1000" dirty="0" err="1" smtClean="0">
+                <a:solidFill>
+                  <a:schemeClr val="tx1"/>
+                </a:solidFill>
+              </a:rPr>
+              <a:t>enQueue</a:t>
+            </a:r>
+            <a:endParaRPr kumimoji="1" lang="ja-JP" altLang="en-US" sz="1000" dirty="0">
+              <a:solidFill>
+                <a:schemeClr val="tx1"/>
+              </a:solidFill>
+            </a:endParaRPr>
+          </a:p>
+        </p:txBody>
+      </p:sp>
+      <p:sp>
+        <p:nvSpPr>
+          <p:cNvPr id="112" name="四角形吹き出し 111"/>
+          <p:cNvSpPr/>
+          <p:nvPr/>
+        </p:nvSpPr>
+        <p:spPr>
+          <a:xfrm>
+            <a:off x="817461" y="4327858"/>
+            <a:ext cx="730203" cy="316229"/>
+          </a:xfrm>
+          <a:prstGeom prst="wedgeRectCallout">
+            <a:avLst>
+              <a:gd name="adj1" fmla="val 67573"/>
+              <a:gd name="adj2" fmla="val 24279"/>
+            </a:avLst>
+          </a:prstGeom>
+          <a:solidFill>
+            <a:srgbClr val="FFC000"/>
+          </a:solidFill>
+          <a:ln>
+            <a:noFill/>
+          </a:ln>
+        </p:spPr>
+        <p:style>
+          <a:lnRef idx="2">
+            <a:schemeClr val="accent1">
+              <a:shade val="50000"/>
+            </a:schemeClr>
+          </a:lnRef>
+          <a:fillRef idx="1">
+            <a:schemeClr val="accent1"/>
+          </a:fillRef>
+          <a:effectRef idx="0">
+            <a:schemeClr val="accent1"/>
+          </a:effectRef>
+          <a:fontRef idx="minor">
+            <a:schemeClr val="lt1"/>
+          </a:fontRef>
+        </p:style>
+        <p:txBody>
+          <a:bodyPr rtlCol="0" anchor="ctr"/>
+          <a:lstStyle/>
+          <a:p>
+            <a:pPr algn="ctr"/>
+            <a:r>
+              <a:rPr lang="en-US" altLang="ja-JP" sz="1000" dirty="0" smtClean="0">
+                <a:solidFill>
+                  <a:schemeClr val="tx1"/>
+                </a:solidFill>
+              </a:rPr>
+              <a:t>reply</a:t>
+            </a:r>
+          </a:p>
+          <a:p>
+            <a:pPr algn="ctr"/>
+            <a:r>
+              <a:rPr lang="en-US" altLang="ja-JP" sz="1000" dirty="0" err="1" smtClean="0">
+                <a:solidFill>
+                  <a:schemeClr val="tx1"/>
+                </a:solidFill>
+              </a:rPr>
+              <a:t>enQueue</a:t>
+            </a:r>
+            <a:endParaRPr kumimoji="1" lang="ja-JP" altLang="en-US" sz="1000" dirty="0">
+              <a:solidFill>
+                <a:schemeClr val="tx1"/>
+              </a:solidFill>
+            </a:endParaRPr>
+          </a:p>
+        </p:txBody>
+      </p:sp>
+      <p:cxnSp>
+        <p:nvCxnSpPr>
+          <p:cNvPr id="116" name="直線矢印コネクタ 115"/>
+          <p:cNvCxnSpPr/>
+          <p:nvPr/>
+        </p:nvCxnSpPr>
+        <p:spPr>
+          <a:xfrm>
+            <a:off x="1734004" y="2922240"/>
+            <a:ext cx="3553198" cy="0"/>
+          </a:xfrm>
+          <a:prstGeom prst="straightConnector1">
+            <a:avLst/>
+          </a:prstGeom>
+          <a:ln w="12700">
+            <a:solidFill>
+              <a:schemeClr val="tx1"/>
+            </a:solidFill>
+            <a:prstDash val="sysDash"/>
+            <a:headEnd type="none" w="med" len="med"/>
+            <a:tailEnd type="none" w="med" len="med"/>
+          </a:ln>
+        </p:spPr>
+        <p:style>
+          <a:lnRef idx="1">
+            <a:schemeClr val="accent1"/>
+          </a:lnRef>
+          <a:fillRef idx="0">
+            <a:schemeClr val="accent1"/>
+          </a:fillRef>
+          <a:effectRef idx="0">
+            <a:schemeClr val="accent1"/>
+          </a:effectRef>
+          <a:fontRef idx="minor">
+            <a:schemeClr val="tx1"/>
+          </a:fontRef>
+        </p:style>
+      </p:cxnSp>
+      <p:sp>
+        <p:nvSpPr>
+          <p:cNvPr id="64" name="四角形吹き出し 63"/>
+          <p:cNvSpPr/>
+          <p:nvPr/>
+        </p:nvSpPr>
+        <p:spPr>
+          <a:xfrm>
+            <a:off x="6135929" y="2566412"/>
+            <a:ext cx="812335" cy="202140"/>
+          </a:xfrm>
+          <a:prstGeom prst="wedgeRectCallout">
+            <a:avLst>
+              <a:gd name="adj1" fmla="val -68482"/>
+              <a:gd name="adj2" fmla="val 99478"/>
+            </a:avLst>
+          </a:prstGeom>
+          <a:solidFill>
+            <a:schemeClr val="accent6">
+              <a:lumMod val="60000"/>
+              <a:lumOff val="40000"/>
+            </a:schemeClr>
+          </a:solidFill>
+          <a:ln>
+            <a:noFill/>
+          </a:ln>
+        </p:spPr>
+        <p:style>
+          <a:lnRef idx="2">
+            <a:schemeClr val="accent1">
+              <a:shade val="50000"/>
+            </a:schemeClr>
+          </a:lnRef>
+          <a:fillRef idx="1">
+            <a:schemeClr val="accent1"/>
+          </a:fillRef>
+          <a:effectRef idx="0">
+            <a:schemeClr val="accent1"/>
+          </a:effectRef>
+          <a:fontRef idx="minor">
+            <a:schemeClr val="lt1"/>
+          </a:fontRef>
+        </p:style>
+        <p:txBody>
+          <a:bodyPr rtlCol="0" anchor="ctr"/>
+          <a:lstStyle/>
+          <a:p>
+            <a:pPr algn="ctr"/>
+            <a:r>
+              <a:rPr lang="en-US" altLang="ja-JP" sz="1000" dirty="0" smtClean="0">
+                <a:solidFill>
+                  <a:schemeClr val="tx1"/>
+                </a:solidFill>
+              </a:rPr>
+              <a:t>Once wait</a:t>
+            </a:r>
+            <a:endParaRPr kumimoji="1" lang="ja-JP" altLang="en-US" sz="1000" dirty="0">
+              <a:solidFill>
+                <a:schemeClr val="tx1"/>
+              </a:solidFill>
+            </a:endParaRPr>
+          </a:p>
+        </p:txBody>
+      </p:sp>
+      <p:sp>
+        <p:nvSpPr>
+          <p:cNvPr id="65" name="四角形吹き出し 64"/>
+          <p:cNvSpPr/>
+          <p:nvPr/>
+        </p:nvSpPr>
+        <p:spPr>
+          <a:xfrm>
+            <a:off x="4927970" y="4294604"/>
+            <a:ext cx="819553" cy="216025"/>
+          </a:xfrm>
+          <a:prstGeom prst="wedgeRectCallout">
+            <a:avLst>
+              <a:gd name="adj1" fmla="val 71541"/>
+              <a:gd name="adj2" fmla="val 81640"/>
+            </a:avLst>
+          </a:prstGeom>
+          <a:solidFill>
+            <a:schemeClr val="accent6">
+              <a:lumMod val="60000"/>
+              <a:lumOff val="40000"/>
+            </a:schemeClr>
+          </a:solidFill>
+          <a:ln>
+            <a:noFill/>
+          </a:ln>
+        </p:spPr>
+        <p:style>
+          <a:lnRef idx="2">
+            <a:schemeClr val="accent1">
+              <a:shade val="50000"/>
+            </a:schemeClr>
+          </a:lnRef>
+          <a:fillRef idx="1">
+            <a:schemeClr val="accent1"/>
+          </a:fillRef>
+          <a:effectRef idx="0">
+            <a:schemeClr val="accent1"/>
+          </a:effectRef>
+          <a:fontRef idx="minor">
+            <a:schemeClr val="lt1"/>
+          </a:fontRef>
+        </p:style>
+        <p:txBody>
+          <a:bodyPr rtlCol="0" anchor="ctr"/>
+          <a:lstStyle/>
+          <a:p>
+            <a:pPr algn="ctr"/>
+            <a:r>
+              <a:rPr lang="en-US" altLang="ja-JP" sz="1000" dirty="0" smtClean="0">
+                <a:solidFill>
+                  <a:schemeClr val="tx1"/>
+                </a:solidFill>
+              </a:rPr>
+              <a:t>Once wait</a:t>
+            </a:r>
+            <a:endParaRPr kumimoji="1" lang="ja-JP" altLang="en-US" sz="1000" dirty="0">
+              <a:solidFill>
+                <a:schemeClr val="tx1"/>
+              </a:solidFill>
+            </a:endParaRPr>
+          </a:p>
+        </p:txBody>
+      </p:sp>
+      <p:cxnSp>
+        <p:nvCxnSpPr>
+          <p:cNvPr id="117" name="直線矢印コネクタ 116"/>
+          <p:cNvCxnSpPr/>
+          <p:nvPr/>
+        </p:nvCxnSpPr>
+        <p:spPr>
+          <a:xfrm>
+            <a:off x="1763688" y="2689870"/>
+            <a:ext cx="1296144" cy="0"/>
+          </a:xfrm>
+          <a:prstGeom prst="straightConnector1">
+            <a:avLst/>
+          </a:prstGeom>
+          <a:ln w="12700">
+            <a:solidFill>
+              <a:schemeClr val="tx1"/>
+            </a:solidFill>
+            <a:prstDash val="sysDash"/>
+            <a:headEnd type="none" w="med" len="med"/>
+            <a:tailEnd type="none" w="med" len="med"/>
+          </a:ln>
+        </p:spPr>
+        <p:style>
+          <a:lnRef idx="1">
+            <a:schemeClr val="accent1"/>
+          </a:lnRef>
+          <a:fillRef idx="0">
+            <a:schemeClr val="accent1"/>
+          </a:fillRef>
+          <a:effectRef idx="0">
+            <a:schemeClr val="accent1"/>
+          </a:effectRef>
+          <a:fontRef idx="minor">
+            <a:schemeClr val="tx1"/>
+          </a:fontRef>
+        </p:style>
+      </p:cxnSp>
+      <p:cxnSp>
+        <p:nvCxnSpPr>
+          <p:cNvPr id="121" name="直線矢印コネクタ 120"/>
+          <p:cNvCxnSpPr/>
+          <p:nvPr/>
+        </p:nvCxnSpPr>
+        <p:spPr>
+          <a:xfrm>
+            <a:off x="1739449" y="4293096"/>
+            <a:ext cx="2040463" cy="0"/>
+          </a:xfrm>
+          <a:prstGeom prst="straightConnector1">
+            <a:avLst/>
+          </a:prstGeom>
+          <a:ln w="12700">
+            <a:solidFill>
+              <a:schemeClr val="tx1"/>
+            </a:solidFill>
+            <a:prstDash val="sysDash"/>
+            <a:headEnd type="none" w="med" len="med"/>
+            <a:tailEnd type="none" w="med" len="med"/>
+          </a:ln>
+        </p:spPr>
+        <p:style>
+          <a:lnRef idx="1">
+            <a:schemeClr val="accent1"/>
+          </a:lnRef>
+          <a:fillRef idx="0">
+            <a:schemeClr val="accent1"/>
+          </a:fillRef>
+          <a:effectRef idx="0">
+            <a:schemeClr val="accent1"/>
+          </a:effectRef>
+          <a:fontRef idx="minor">
+            <a:schemeClr val="tx1"/>
+          </a:fontRef>
+        </p:style>
+      </p:cxnSp>
+      <p:cxnSp>
+        <p:nvCxnSpPr>
+          <p:cNvPr id="124" name="直線矢印コネクタ 123"/>
+          <p:cNvCxnSpPr/>
+          <p:nvPr/>
+        </p:nvCxnSpPr>
+        <p:spPr>
+          <a:xfrm>
+            <a:off x="1748830" y="4590653"/>
+            <a:ext cx="4330005" cy="0"/>
+          </a:xfrm>
+          <a:prstGeom prst="straightConnector1">
+            <a:avLst/>
+          </a:prstGeom>
+          <a:ln w="12700">
+            <a:solidFill>
+              <a:schemeClr val="tx1"/>
+            </a:solidFill>
+            <a:prstDash val="sysDash"/>
+            <a:headEnd type="none" w="med" len="med"/>
+            <a:tailEnd type="none" w="med" len="med"/>
+          </a:ln>
+        </p:spPr>
+        <p:style>
+          <a:lnRef idx="1">
+            <a:schemeClr val="accent1"/>
+          </a:lnRef>
+          <a:fillRef idx="0">
+            <a:schemeClr val="accent1"/>
+          </a:fillRef>
+          <a:effectRef idx="0">
+            <a:schemeClr val="accent1"/>
+          </a:effectRef>
+          <a:fontRef idx="minor">
+            <a:schemeClr val="tx1"/>
+          </a:fontRef>
+        </p:style>
+      </p:cxnSp>
+      <p:sp>
+        <p:nvSpPr>
+          <p:cNvPr id="128" name="テキスト ボックス 127"/>
+          <p:cNvSpPr txBox="1"/>
+          <p:nvPr/>
+        </p:nvSpPr>
+        <p:spPr>
+          <a:xfrm>
+            <a:off x="395536" y="253097"/>
+            <a:ext cx="7732356" cy="1015663"/>
+          </a:xfrm>
+          <a:prstGeom prst="rect">
+            <a:avLst/>
+          </a:prstGeom>
+          <a:noFill/>
+        </p:spPr>
+        <p:txBody>
+          <a:bodyPr wrap="square" rtlCol="0">
+            <a:spAutoFit/>
+          </a:bodyPr>
+          <a:lstStyle/>
+          <a:p>
+            <a:r>
+              <a:rPr lang="en-US" altLang="ja-JP" sz="1200" dirty="0" smtClean="0"/>
+              <a:t>The </a:t>
+            </a:r>
+            <a:r>
+              <a:rPr lang="en-US" altLang="ja-JP" sz="1200" dirty="0"/>
+              <a:t>framework first receives queue, identifies the sequence from the sent queue, and calls that message as an argument to the corresponding sequence. After processing the called sequence, we return control to the framework and enter the next message wait.</a:t>
+            </a:r>
+            <a:br>
+              <a:rPr lang="en-US" altLang="ja-JP" sz="1200" dirty="0"/>
+            </a:br>
+            <a:r>
+              <a:rPr lang="en-US" altLang="ja-JP" sz="1200" dirty="0"/>
+              <a:t>Sequence switching is done every 1 queue, and other sequences can not operate at all.</a:t>
+            </a:r>
+            <a:br>
+              <a:rPr lang="en-US" altLang="ja-JP" sz="1200" dirty="0"/>
+            </a:br>
+            <a:r>
+              <a:rPr lang="en-US" altLang="ja-JP" sz="1200" dirty="0"/>
+              <a:t>Since sequences on the same thread are always exclusive, exclusion control between threads is not necessary</a:t>
+            </a:r>
+            <a:r>
+              <a:rPr lang="en-US" altLang="ja-JP" sz="1200" dirty="0" smtClean="0"/>
+              <a:t>.</a:t>
+            </a:r>
+            <a:endParaRPr lang="en-US" altLang="ja-JP" sz="1200" dirty="0"/>
+          </a:p>
+        </p:txBody>
+      </p:sp>
+    </p:spTree>
+    <p:extLst>
+      <p:ext uri="{BB962C8B-B14F-4D97-AF65-F5344CB8AC3E}">
+        <p14:creationId xmlns:p14="http://schemas.microsoft.com/office/powerpoint/2010/main" val="2187784254"/>
+      </p:ext>
+    </p:extLst>
+  </p:cSld>
+  <p:clrMapOvr>
+    <a:masterClrMapping/>
+  </p:clrMapOvr>
+  <p:timing>
+    <p:tnLst>
+      <p:par>
+        <p:cTn id="1" dur="indefinite" restart="never" nodeType="tmRoot"/>
+      </p:par>
+    </p:tnLst>
+  </p:timing>
+</p:sld>
+</file>
+
+<file path=ppt/slides/slide3.xml><?xml version="1.0" encoding="utf-8"?>
+<p:sld xmlns:a="http://schemas.openxmlformats.org/drawingml/2006/main" xmlns:r="http://schemas.openxmlformats.org/officeDocument/2006/relationships" xmlns:p="http://schemas.openxmlformats.org/presentationml/2006/main">
+  <p:cSld>
+    <p:spTree>
+      <p:nvGrpSpPr>
+        <p:cNvPr id="1" name=""/>
+        <p:cNvGrpSpPr/>
+        <p:nvPr/>
+      </p:nvGrpSpPr>
+      <p:grpSpPr>
+        <a:xfrm>
+          <a:off x="0" y="0"/>
+          <a:ext cx="0" cy="0"/>
+          <a:chOff x="0" y="0"/>
+          <a:chExt cx="0" cy="0"/>
+        </a:xfrm>
+      </p:grpSpPr>
+      <p:sp>
+        <p:nvSpPr>
           <p:cNvPr id="4" name="正方形/長方形 3"/>
           <p:cNvSpPr/>
           <p:nvPr/>
@@ -6740,16 +9559,219 @@
           </a:p>
         </p:txBody>
       </p:sp>
+      <p:sp>
+        <p:nvSpPr>
+          <p:cNvPr id="17" name="正方形/長方形 16"/>
+          <p:cNvSpPr/>
+          <p:nvPr/>
+        </p:nvSpPr>
+        <p:spPr>
+          <a:xfrm>
+            <a:off x="4932040" y="6021288"/>
+            <a:ext cx="1528073" cy="296848"/>
+          </a:xfrm>
+          <a:prstGeom prst="rect">
+            <a:avLst/>
+          </a:prstGeom>
+          <a:solidFill>
+            <a:schemeClr val="accent2">
+              <a:lumMod val="60000"/>
+              <a:lumOff val="40000"/>
+            </a:schemeClr>
+          </a:solidFill>
+        </p:spPr>
+        <p:style>
+          <a:lnRef idx="2">
+            <a:schemeClr val="accent1">
+              <a:shade val="50000"/>
+            </a:schemeClr>
+          </a:lnRef>
+          <a:fillRef idx="1">
+            <a:schemeClr val="accent1"/>
+          </a:fillRef>
+          <a:effectRef idx="0">
+            <a:schemeClr val="accent1"/>
+          </a:effectRef>
+          <a:fontRef idx="minor">
+            <a:schemeClr val="lt1"/>
+          </a:fontRef>
+        </p:style>
+        <p:txBody>
+          <a:bodyPr rtlCol="0" anchor="ctr"/>
+          <a:lstStyle/>
+          <a:p>
+            <a:pPr algn="ctr"/>
+            <a:r>
+              <a:rPr lang="en-US" altLang="ja-JP" sz="1000" dirty="0" err="1">
+                <a:solidFill>
+                  <a:schemeClr val="tx1"/>
+                </a:solidFill>
+              </a:rPr>
+              <a:t>e</a:t>
+            </a:r>
+            <a:r>
+              <a:rPr lang="en-US" altLang="ja-JP" sz="1000" dirty="0" err="1" smtClean="0">
+                <a:solidFill>
+                  <a:schemeClr val="tx1"/>
+                </a:solidFill>
+              </a:rPr>
+              <a:t>xternal_control_info</a:t>
+            </a:r>
+            <a:endParaRPr kumimoji="1" lang="en-US" altLang="ja-JP" sz="1000" dirty="0">
+              <a:solidFill>
+                <a:schemeClr val="tx1"/>
+              </a:solidFill>
+            </a:endParaRPr>
+          </a:p>
+        </p:txBody>
+      </p:sp>
+      <p:sp>
+        <p:nvSpPr>
+          <p:cNvPr id="18" name="テキスト ボックス 17"/>
+          <p:cNvSpPr txBox="1"/>
+          <p:nvPr/>
+        </p:nvSpPr>
+        <p:spPr>
+          <a:xfrm>
+            <a:off x="395536" y="397113"/>
+            <a:ext cx="7732356" cy="1015663"/>
+          </a:xfrm>
+          <a:prstGeom prst="rect">
+            <a:avLst/>
+          </a:prstGeom>
+          <a:noFill/>
+        </p:spPr>
+        <p:txBody>
+          <a:bodyPr wrap="square" rtlCol="0">
+            <a:spAutoFit/>
+          </a:bodyPr>
+          <a:lstStyle/>
+          <a:p>
+            <a:r>
+              <a:rPr lang="ja-JP" altLang="en-US" sz="1200" dirty="0"/>
+              <a:t>まず</a:t>
+            </a:r>
+            <a:r>
+              <a:rPr lang="en-US" altLang="ja-JP" sz="1200" dirty="0"/>
+              <a:t>framework</a:t>
+            </a:r>
+            <a:r>
+              <a:rPr lang="ja-JP" altLang="en-US" sz="1200" dirty="0" err="1"/>
+              <a:t>にてく</a:t>
+            </a:r>
+            <a:r>
+              <a:rPr lang="en-US" altLang="ja-JP" sz="1200" dirty="0"/>
+              <a:t>queue</a:t>
+            </a:r>
+            <a:r>
+              <a:rPr lang="ja-JP" altLang="en-US" sz="1200" dirty="0"/>
+              <a:t>の受信を行い、送られてきた</a:t>
+            </a:r>
+            <a:r>
+              <a:rPr lang="en-US" altLang="ja-JP" sz="1200" dirty="0"/>
+              <a:t>queue</a:t>
+            </a:r>
+            <a:r>
+              <a:rPr lang="ja-JP" altLang="en-US" sz="1200" dirty="0"/>
+              <a:t>から</a:t>
+            </a:r>
+            <a:r>
+              <a:rPr lang="en-US" altLang="ja-JP" sz="1200" dirty="0"/>
+              <a:t>sequence</a:t>
+            </a:r>
+            <a:r>
+              <a:rPr lang="ja-JP" altLang="en-US" sz="1200" dirty="0" err="1"/>
+              <a:t>を識</a:t>
+            </a:r>
+            <a:r>
+              <a:rPr lang="ja-JP" altLang="en-US" sz="1200" dirty="0"/>
+              <a:t>別して、対応する</a:t>
+            </a:r>
+            <a:r>
+              <a:rPr lang="en-US" altLang="ja-JP" sz="1200" dirty="0"/>
+              <a:t>sequence</a:t>
+            </a:r>
+            <a:r>
+              <a:rPr lang="ja-JP" altLang="en-US" sz="1200" dirty="0"/>
+              <a:t>へそのメッセージを引数として呼び出します。呼び出された</a:t>
+            </a:r>
+            <a:r>
+              <a:rPr lang="en-US" altLang="ja-JP" sz="1200" dirty="0"/>
+              <a:t>sequence</a:t>
+            </a:r>
+            <a:r>
+              <a:rPr lang="ja-JP" altLang="en-US" sz="1200" dirty="0"/>
+              <a:t>は処理を行ったのちに制御を</a:t>
+            </a:r>
+            <a:r>
+              <a:rPr lang="en-US" altLang="ja-JP" sz="1200" dirty="0"/>
+              <a:t>framework</a:t>
+            </a:r>
+            <a:r>
+              <a:rPr lang="ja-JP" altLang="en-US" sz="1200" dirty="0"/>
+              <a:t>へ戻し、次のメッセージ待ちに入ります。</a:t>
+            </a:r>
+          </a:p>
+          <a:p>
+            <a:r>
+              <a:rPr lang="en-US" altLang="ja-JP" sz="1200" dirty="0"/>
+              <a:t>sequence</a:t>
+            </a:r>
+            <a:r>
+              <a:rPr lang="ja-JP" altLang="en-US" sz="1200" dirty="0"/>
+              <a:t>の切換は</a:t>
+            </a:r>
+            <a:r>
+              <a:rPr lang="en-US" altLang="ja-JP" sz="1200" dirty="0"/>
+              <a:t>1queue</a:t>
+            </a:r>
+            <a:r>
+              <a:rPr lang="ja-JP" altLang="en-US" sz="1200" dirty="0"/>
+              <a:t>ごとに行い、他の</a:t>
+            </a:r>
+            <a:r>
+              <a:rPr lang="en-US" altLang="ja-JP" sz="1200" dirty="0"/>
+              <a:t>sequence</a:t>
+            </a:r>
+            <a:r>
+              <a:rPr lang="ja-JP" altLang="en-US" sz="1200" dirty="0"/>
+              <a:t>は一切動作できなくなります。</a:t>
+            </a:r>
+          </a:p>
+          <a:p>
+            <a:r>
+              <a:rPr lang="ja-JP" altLang="en-US" sz="1200" dirty="0"/>
+              <a:t>同一スレッド上の</a:t>
+            </a:r>
+            <a:r>
+              <a:rPr lang="en-US" altLang="ja-JP" sz="1200" dirty="0"/>
+              <a:t>sequence</a:t>
+            </a:r>
+            <a:r>
+              <a:rPr lang="ja-JP" altLang="en-US" sz="1200" dirty="0"/>
+              <a:t>は常に排他されているので、スレッド間における排他制御の必要がありません。</a:t>
+            </a:r>
+            <a:endParaRPr lang="en-US" altLang="ja-JP" sz="1200" dirty="0"/>
+          </a:p>
+        </p:txBody>
+      </p:sp>
     </p:spTree>
     <p:extLst>
       <p:ext uri="{BB962C8B-B14F-4D97-AF65-F5344CB8AC3E}">
-        <p14:creationId xmlns:p14="http://schemas.microsoft.com/office/powerpoint/2010/main" val="2187784254"/>
+        <p14:creationId xmlns:p14="http://schemas.microsoft.com/office/powerpoint/2010/main" val="699943188"/>
       </p:ext>
     </p:extLst>
   </p:cSld>
   <p:clrMapOvr>
     <a:masterClrMapping/>
   </p:clrMapOvr>
+  <p:timing>
+    <p:tnLst>
+      <p:par>
+        <p:cTn id="1" dur="indefinite" restart="never" nodeType="tmRoot"/>
+      </p:par>
+    </p:tnLst>
+  </p:timing>
 </p:sld>
 </file>
 

--- a/etc/thread_manager.pptx
+++ b/etc/thread_manager.pptx
@@ -290,7 +290,7 @@
           <a:p>
             <a:fld id="{96CB86D3-7B57-4351-8487-129B39CE012B}" type="datetimeFigureOut">
               <a:rPr kumimoji="1" lang="ja-JP" altLang="en-US" smtClean="0"/>
-              <a:t>2016/11/30</a:t>
+              <a:t>2017/2/10</a:t>
             </a:fld>
             <a:endParaRPr kumimoji="1" lang="ja-JP" altLang="en-US"/>
           </a:p>
@@ -492,7 +492,7 @@
           <a:p>
             <a:fld id="{96CB86D3-7B57-4351-8487-129B39CE012B}" type="datetimeFigureOut">
               <a:rPr kumimoji="1" lang="ja-JP" altLang="en-US" smtClean="0"/>
-              <a:t>2016/11/30</a:t>
+              <a:t>2017/2/10</a:t>
             </a:fld>
             <a:endParaRPr kumimoji="1" lang="ja-JP" altLang="en-US"/>
           </a:p>
@@ -704,7 +704,7 @@
           <a:p>
             <a:fld id="{96CB86D3-7B57-4351-8487-129B39CE012B}" type="datetimeFigureOut">
               <a:rPr kumimoji="1" lang="ja-JP" altLang="en-US" smtClean="0"/>
-              <a:t>2016/11/30</a:t>
+              <a:t>2017/2/10</a:t>
             </a:fld>
             <a:endParaRPr kumimoji="1" lang="ja-JP" altLang="en-US"/>
           </a:p>
@@ -906,7 +906,7 @@
           <a:p>
             <a:fld id="{96CB86D3-7B57-4351-8487-129B39CE012B}" type="datetimeFigureOut">
               <a:rPr kumimoji="1" lang="ja-JP" altLang="en-US" smtClean="0"/>
-              <a:t>2016/11/30</a:t>
+              <a:t>2017/2/10</a:t>
             </a:fld>
             <a:endParaRPr kumimoji="1" lang="ja-JP" altLang="en-US"/>
           </a:p>
@@ -1152,7 +1152,7 @@
           <a:p>
             <a:fld id="{96CB86D3-7B57-4351-8487-129B39CE012B}" type="datetimeFigureOut">
               <a:rPr kumimoji="1" lang="ja-JP" altLang="en-US" smtClean="0"/>
-              <a:t>2016/11/30</a:t>
+              <a:t>2017/2/10</a:t>
             </a:fld>
             <a:endParaRPr kumimoji="1" lang="ja-JP" altLang="en-US"/>
           </a:p>
@@ -1504,7 +1504,7 @@
           <a:p>
             <a:fld id="{96CB86D3-7B57-4351-8487-129B39CE012B}" type="datetimeFigureOut">
               <a:rPr kumimoji="1" lang="ja-JP" altLang="en-US" smtClean="0"/>
-              <a:t>2016/11/30</a:t>
+              <a:t>2017/2/10</a:t>
             </a:fld>
             <a:endParaRPr kumimoji="1" lang="ja-JP" altLang="en-US"/>
           </a:p>
@@ -1990,7 +1990,7 @@
           <a:p>
             <a:fld id="{96CB86D3-7B57-4351-8487-129B39CE012B}" type="datetimeFigureOut">
               <a:rPr kumimoji="1" lang="ja-JP" altLang="en-US" smtClean="0"/>
-              <a:t>2016/11/30</a:t>
+              <a:t>2017/2/10</a:t>
             </a:fld>
             <a:endParaRPr kumimoji="1" lang="ja-JP" altLang="en-US"/>
           </a:p>
@@ -2108,7 +2108,7 @@
           <a:p>
             <a:fld id="{96CB86D3-7B57-4351-8487-129B39CE012B}" type="datetimeFigureOut">
               <a:rPr kumimoji="1" lang="ja-JP" altLang="en-US" smtClean="0"/>
-              <a:t>2016/11/30</a:t>
+              <a:t>2017/2/10</a:t>
             </a:fld>
             <a:endParaRPr kumimoji="1" lang="ja-JP" altLang="en-US"/>
           </a:p>
@@ -2203,7 +2203,7 @@
           <a:p>
             <a:fld id="{96CB86D3-7B57-4351-8487-129B39CE012B}" type="datetimeFigureOut">
               <a:rPr kumimoji="1" lang="ja-JP" altLang="en-US" smtClean="0"/>
-              <a:t>2016/11/30</a:t>
+              <a:t>2017/2/10</a:t>
             </a:fld>
             <a:endParaRPr kumimoji="1" lang="ja-JP" altLang="en-US"/>
           </a:p>
@@ -2512,7 +2512,7 @@
           <a:p>
             <a:fld id="{96CB86D3-7B57-4351-8487-129B39CE012B}" type="datetimeFigureOut">
               <a:rPr kumimoji="1" lang="ja-JP" altLang="en-US" smtClean="0"/>
-              <a:t>2016/11/30</a:t>
+              <a:t>2017/2/10</a:t>
             </a:fld>
             <a:endParaRPr kumimoji="1" lang="ja-JP" altLang="en-US"/>
           </a:p>
@@ -2765,7 +2765,7 @@
           <a:p>
             <a:fld id="{96CB86D3-7B57-4351-8487-129B39CE012B}" type="datetimeFigureOut">
               <a:rPr kumimoji="1" lang="ja-JP" altLang="en-US" smtClean="0"/>
-              <a:t>2016/11/30</a:t>
+              <a:t>2017/2/10</a:t>
             </a:fld>
             <a:endParaRPr kumimoji="1" lang="ja-JP" altLang="en-US"/>
           </a:p>
@@ -3010,7 +3010,7 @@
           <a:p>
             <a:fld id="{96CB86D3-7B57-4351-8487-129B39CE012B}" type="datetimeFigureOut">
               <a:rPr kumimoji="1" lang="ja-JP" altLang="en-US" smtClean="0"/>
-              <a:t>2016/11/30</a:t>
+              <a:t>2017/2/10</a:t>
             </a:fld>
             <a:endParaRPr kumimoji="1" lang="ja-JP" altLang="en-US"/>
           </a:p>
@@ -4926,11 +4926,7 @@
           <a:p>
             <a:r>
               <a:rPr lang="en-US" altLang="ja-JP" sz="1400" dirty="0" smtClean="0"/>
-              <a:t>User </a:t>
-            </a:r>
-            <a:r>
-              <a:rPr lang="en-US" altLang="ja-JP" sz="1400" dirty="0" smtClean="0"/>
-              <a:t>implements</a:t>
+              <a:t>User implements</a:t>
             </a:r>
             <a:endParaRPr kumimoji="1" lang="ja-JP" altLang="en-US" sz="1400" dirty="0"/>
           </a:p>
@@ -6119,7 +6115,7 @@
         </p:nvSpPr>
         <p:spPr>
           <a:xfrm>
-            <a:off x="1025510" y="1529885"/>
+            <a:off x="1385550" y="1027336"/>
             <a:ext cx="1386250" cy="4633912"/>
           </a:xfrm>
           <a:prstGeom prst="rect">
@@ -6170,7 +6166,7 @@
         </p:nvSpPr>
         <p:spPr bwMode="auto">
           <a:xfrm flipH="1">
-            <a:off x="3731279" y="2257400"/>
+            <a:off x="4091319" y="1754851"/>
             <a:ext cx="6215" cy="3691880"/>
           </a:xfrm>
           <a:prstGeom prst="line">
@@ -6221,7 +6217,7 @@
         </p:nvSpPr>
         <p:spPr bwMode="auto">
           <a:xfrm>
-            <a:off x="3661294" y="2695183"/>
+            <a:off x="4021334" y="2192634"/>
             <a:ext cx="152400" cy="506760"/>
           </a:xfrm>
           <a:prstGeom prst="rect">
@@ -6269,7 +6265,7 @@
         </p:nvSpPr>
         <p:spPr bwMode="auto">
           <a:xfrm>
-            <a:off x="3661294" y="4287578"/>
+            <a:off x="4021334" y="3785029"/>
             <a:ext cx="152400" cy="713021"/>
           </a:xfrm>
           <a:prstGeom prst="rect">
@@ -6317,7 +6313,7 @@
         </p:nvSpPr>
         <p:spPr bwMode="auto">
           <a:xfrm>
-            <a:off x="3051694" y="2695183"/>
+            <a:off x="3411734" y="2192634"/>
             <a:ext cx="609600" cy="0"/>
           </a:xfrm>
           <a:prstGeom prst="line">
@@ -6368,7 +6364,7 @@
         </p:nvSpPr>
         <p:spPr bwMode="auto">
           <a:xfrm>
-            <a:off x="3813694" y="3201943"/>
+            <a:off x="4173734" y="2699394"/>
             <a:ext cx="609600" cy="0"/>
           </a:xfrm>
           <a:prstGeom prst="line">
@@ -6419,7 +6415,7 @@
         </p:nvSpPr>
         <p:spPr bwMode="auto">
           <a:xfrm>
-            <a:off x="3813694" y="4293096"/>
+            <a:off x="4173734" y="3790547"/>
             <a:ext cx="609600" cy="0"/>
           </a:xfrm>
           <a:prstGeom prst="line">
@@ -6471,7 +6467,7 @@
         </p:nvSpPr>
         <p:spPr bwMode="auto">
           <a:xfrm>
-            <a:off x="3127894" y="5000600"/>
+            <a:off x="3487934" y="4498051"/>
             <a:ext cx="533400" cy="0"/>
           </a:xfrm>
           <a:prstGeom prst="line">
@@ -6521,7 +6517,7 @@
         </p:nvSpPr>
         <p:spPr>
           <a:xfrm>
-            <a:off x="2475630" y="1529884"/>
+            <a:off x="2835670" y="1027335"/>
             <a:ext cx="4904682" cy="4633912"/>
           </a:xfrm>
           <a:prstGeom prst="rect">
@@ -6563,7 +6559,7 @@
         </p:nvSpPr>
         <p:spPr>
           <a:xfrm>
-            <a:off x="2457118" y="1504484"/>
+            <a:off x="2817158" y="1001935"/>
             <a:ext cx="1242648" cy="276999"/>
           </a:xfrm>
           <a:prstGeom prst="rect">
@@ -6593,7 +6589,7 @@
         </p:nvSpPr>
         <p:spPr>
           <a:xfrm>
-            <a:off x="3114720" y="1988840"/>
+            <a:off x="3474760" y="1486291"/>
             <a:ext cx="1233118" cy="228649"/>
           </a:xfrm>
           <a:prstGeom prst="rect">
@@ -6651,7 +6647,7 @@
         </p:nvSpPr>
         <p:spPr>
           <a:xfrm>
-            <a:off x="2907678" y="2464321"/>
+            <a:off x="3267718" y="1961772"/>
             <a:ext cx="660181" cy="276999"/>
           </a:xfrm>
           <a:prstGeom prst="rect">
@@ -6681,7 +6677,7 @@
         </p:nvSpPr>
         <p:spPr>
           <a:xfrm>
-            <a:off x="3793573" y="2963044"/>
+            <a:off x="4153613" y="2460495"/>
             <a:ext cx="1289135" cy="646331"/>
           </a:xfrm>
           <a:prstGeom prst="rect">
@@ -6727,7 +6723,7 @@
         </p:nvSpPr>
         <p:spPr>
           <a:xfrm>
-            <a:off x="3915790" y="4088105"/>
+            <a:off x="4275830" y="3585556"/>
             <a:ext cx="496803" cy="276999"/>
           </a:xfrm>
           <a:prstGeom prst="rect">
@@ -6757,7 +6753,7 @@
         </p:nvSpPr>
         <p:spPr>
           <a:xfrm>
-            <a:off x="3195710" y="4952201"/>
+            <a:off x="3555750" y="4449652"/>
             <a:ext cx="496803" cy="276999"/>
           </a:xfrm>
           <a:prstGeom prst="rect">
@@ -6789,7 +6785,7 @@
         </p:nvSpPr>
         <p:spPr bwMode="auto">
           <a:xfrm>
-            <a:off x="5957633" y="2257891"/>
+            <a:off x="6317673" y="1755342"/>
             <a:ext cx="0" cy="3691390"/>
           </a:xfrm>
           <a:prstGeom prst="line">
@@ -6840,7 +6836,7 @@
         </p:nvSpPr>
         <p:spPr bwMode="auto">
           <a:xfrm>
-            <a:off x="5881433" y="3210272"/>
+            <a:off x="6241473" y="2707723"/>
             <a:ext cx="152400" cy="506760"/>
           </a:xfrm>
           <a:prstGeom prst="rect">
@@ -6888,7 +6884,7 @@
         </p:nvSpPr>
         <p:spPr bwMode="auto">
           <a:xfrm>
-            <a:off x="5881433" y="5013176"/>
+            <a:off x="6241473" y="4510627"/>
             <a:ext cx="152400" cy="533400"/>
           </a:xfrm>
           <a:prstGeom prst="rect">
@@ -6936,7 +6932,7 @@
         </p:nvSpPr>
         <p:spPr bwMode="auto">
           <a:xfrm>
-            <a:off x="5271833" y="2922240"/>
+            <a:off x="5631873" y="2419691"/>
             <a:ext cx="609600" cy="0"/>
           </a:xfrm>
           <a:prstGeom prst="line">
@@ -6991,7 +6987,7 @@
         </p:nvSpPr>
         <p:spPr bwMode="auto">
           <a:xfrm>
-            <a:off x="6033833" y="3707507"/>
+            <a:off x="6393873" y="3204958"/>
             <a:ext cx="609600" cy="0"/>
           </a:xfrm>
           <a:prstGeom prst="line">
@@ -7042,7 +7038,7 @@
         </p:nvSpPr>
         <p:spPr bwMode="auto">
           <a:xfrm>
-            <a:off x="6033833" y="4592161"/>
+            <a:off x="6393873" y="4089612"/>
             <a:ext cx="609600" cy="0"/>
           </a:xfrm>
           <a:prstGeom prst="line">
@@ -7098,7 +7094,7 @@
         </p:nvSpPr>
         <p:spPr bwMode="auto">
           <a:xfrm>
-            <a:off x="5348033" y="5533231"/>
+            <a:off x="5708073" y="5030682"/>
             <a:ext cx="533400" cy="0"/>
           </a:xfrm>
           <a:prstGeom prst="line">
@@ -7148,7 +7144,7 @@
         </p:nvSpPr>
         <p:spPr>
           <a:xfrm>
-            <a:off x="5334859" y="1988840"/>
+            <a:off x="5694899" y="1486291"/>
             <a:ext cx="1233118" cy="228649"/>
           </a:xfrm>
           <a:prstGeom prst="rect">
@@ -7206,7 +7202,7 @@
         </p:nvSpPr>
         <p:spPr>
           <a:xfrm>
-            <a:off x="5127817" y="2863969"/>
+            <a:off x="5487857" y="2361420"/>
             <a:ext cx="660181" cy="276999"/>
           </a:xfrm>
           <a:prstGeom prst="rect">
@@ -7239,7 +7235,7 @@
         </p:nvSpPr>
         <p:spPr>
           <a:xfrm>
-            <a:off x="6135929" y="4376137"/>
+            <a:off x="6495969" y="3873588"/>
             <a:ext cx="496803" cy="276999"/>
           </a:xfrm>
           <a:prstGeom prst="rect">
@@ -7272,7 +7268,7 @@
         </p:nvSpPr>
         <p:spPr>
           <a:xfrm>
-            <a:off x="5415849" y="5484832"/>
+            <a:off x="5775889" y="4982283"/>
             <a:ext cx="496803" cy="276999"/>
           </a:xfrm>
           <a:prstGeom prst="rect">
@@ -7302,7 +7298,7 @@
         </p:nvSpPr>
         <p:spPr>
           <a:xfrm>
-            <a:off x="6004022" y="3468841"/>
+            <a:off x="6364062" y="2966292"/>
             <a:ext cx="1289135" cy="646331"/>
           </a:xfrm>
           <a:prstGeom prst="rect">
@@ -7348,7 +7344,7 @@
         </p:nvSpPr>
         <p:spPr>
           <a:xfrm>
-            <a:off x="1031729" y="1484784"/>
+            <a:off x="1391769" y="982235"/>
             <a:ext cx="1226490" cy="461665"/>
           </a:xfrm>
           <a:prstGeom prst="rect">
@@ -7389,7 +7385,7 @@
         </p:nvSpPr>
         <p:spPr>
           <a:xfrm>
-            <a:off x="1231057" y="1988840"/>
+            <a:off x="1591097" y="1486291"/>
             <a:ext cx="1008112" cy="240429"/>
           </a:xfrm>
           <a:prstGeom prst="rect">
@@ -7446,7 +7442,7 @@
         </p:nvSpPr>
         <p:spPr bwMode="auto">
           <a:xfrm flipH="1">
-            <a:off x="1720255" y="2267347"/>
+            <a:off x="2080295" y="1764798"/>
             <a:ext cx="6215" cy="3691880"/>
           </a:xfrm>
           <a:prstGeom prst="line">
@@ -7497,7 +7493,7 @@
         </p:nvSpPr>
         <p:spPr bwMode="auto">
           <a:xfrm>
-            <a:off x="1648247" y="2301254"/>
+            <a:off x="2008287" y="1798705"/>
             <a:ext cx="152400" cy="3576017"/>
           </a:xfrm>
           <a:prstGeom prst="rect">
@@ -7543,7 +7539,7 @@
         </p:nvSpPr>
         <p:spPr>
           <a:xfrm>
-            <a:off x="1736777" y="2727970"/>
+            <a:off x="2096817" y="2225421"/>
             <a:ext cx="1997609" cy="454223"/>
           </a:xfrm>
           <a:prstGeom prst="rightBracket">
@@ -7595,7 +7591,7 @@
         </p:nvSpPr>
         <p:spPr>
           <a:xfrm>
-            <a:off x="1720255" y="3239344"/>
+            <a:off x="2080295" y="2736795"/>
             <a:ext cx="4231163" cy="449114"/>
           </a:xfrm>
           <a:prstGeom prst="rightBracket">
@@ -7647,7 +7643,7 @@
         </p:nvSpPr>
         <p:spPr>
           <a:xfrm>
-            <a:off x="1710731" y="4333354"/>
+            <a:off x="2070771" y="3830805"/>
             <a:ext cx="2026764" cy="648195"/>
           </a:xfrm>
           <a:prstGeom prst="rightBracket">
@@ -7699,7 +7695,7 @@
         </p:nvSpPr>
         <p:spPr>
           <a:xfrm>
-            <a:off x="1734097" y="5044247"/>
+            <a:off x="2094137" y="4541698"/>
             <a:ext cx="4223535" cy="472985"/>
           </a:xfrm>
           <a:prstGeom prst="rightBracket">
@@ -7751,7 +7747,7 @@
         </p:nvCxnSpPr>
         <p:spPr>
           <a:xfrm>
-            <a:off x="1754163" y="2267347"/>
+            <a:off x="2114203" y="1764798"/>
             <a:ext cx="0" cy="464816"/>
           </a:xfrm>
           <a:prstGeom prst="line">
@@ -7788,7 +7784,7 @@
         </p:nvCxnSpPr>
         <p:spPr>
           <a:xfrm>
-            <a:off x="1750988" y="5517232"/>
+            <a:off x="2111028" y="5014683"/>
             <a:ext cx="3175" cy="576064"/>
           </a:xfrm>
           <a:prstGeom prst="line">
@@ -7827,7 +7823,7 @@
         </p:nvCxnSpPr>
         <p:spPr>
           <a:xfrm>
-            <a:off x="1739876" y="3165573"/>
+            <a:off x="2099916" y="2663024"/>
             <a:ext cx="0" cy="83041"/>
           </a:xfrm>
           <a:prstGeom prst="line">
@@ -7864,7 +7860,7 @@
         </p:nvCxnSpPr>
         <p:spPr>
           <a:xfrm>
-            <a:off x="1735115" y="3689932"/>
+            <a:off x="2095155" y="3187383"/>
             <a:ext cx="1" cy="617229"/>
           </a:xfrm>
           <a:prstGeom prst="line">
@@ -7901,7 +7897,7 @@
         </p:nvCxnSpPr>
         <p:spPr>
           <a:xfrm>
-            <a:off x="1725588" y="4985476"/>
+            <a:off x="2085628" y="4482927"/>
             <a:ext cx="0" cy="83041"/>
           </a:xfrm>
           <a:prstGeom prst="line">
@@ -7938,7 +7934,7 @@
         </p:nvSpPr>
         <p:spPr>
           <a:xfrm>
-            <a:off x="5905196" y="2924944"/>
+            <a:off x="6265236" y="2422395"/>
             <a:ext cx="126014" cy="268797"/>
           </a:xfrm>
           <a:prstGeom prst="rightBracket">
@@ -7985,7 +7981,7 @@
         </p:nvSpPr>
         <p:spPr>
           <a:xfrm>
-            <a:off x="5993110" y="4653321"/>
+            <a:off x="6353150" y="4150772"/>
             <a:ext cx="126014" cy="328228"/>
           </a:xfrm>
           <a:prstGeom prst="rightBracket">
@@ -8032,7 +8028,7 @@
         </p:nvSpPr>
         <p:spPr>
           <a:xfrm>
-            <a:off x="2122518" y="2955027"/>
+            <a:off x="2482558" y="2452478"/>
             <a:ext cx="577274" cy="276999"/>
           </a:xfrm>
           <a:prstGeom prst="rect">
@@ -8065,7 +8061,7 @@
         </p:nvSpPr>
         <p:spPr>
           <a:xfrm>
-            <a:off x="2123728" y="3481958"/>
+            <a:off x="2483768" y="2979409"/>
             <a:ext cx="577274" cy="276999"/>
           </a:xfrm>
           <a:prstGeom prst="rect">
@@ -8098,7 +8094,7 @@
         </p:nvSpPr>
         <p:spPr>
           <a:xfrm>
-            <a:off x="2157636" y="4744194"/>
+            <a:off x="2517676" y="4241645"/>
             <a:ext cx="577274" cy="276999"/>
           </a:xfrm>
           <a:prstGeom prst="rect">
@@ -8131,7 +8127,7 @@
         </p:nvSpPr>
         <p:spPr>
           <a:xfrm>
-            <a:off x="2123728" y="5293191"/>
+            <a:off x="2483768" y="4790642"/>
             <a:ext cx="577274" cy="276999"/>
           </a:xfrm>
           <a:prstGeom prst="rect">
@@ -8164,7 +8160,7 @@
         </p:nvSpPr>
         <p:spPr>
           <a:xfrm>
-            <a:off x="827584" y="2301255"/>
+            <a:off x="1187624" y="1798706"/>
             <a:ext cx="730203" cy="300894"/>
           </a:xfrm>
           <a:prstGeom prst="wedgeRectCallout">
@@ -8244,7 +8240,7 @@
         </p:nvSpPr>
         <p:spPr>
           <a:xfrm>
-            <a:off x="827584" y="2782436"/>
+            <a:off x="1187624" y="2279887"/>
             <a:ext cx="730203" cy="292986"/>
           </a:xfrm>
           <a:prstGeom prst="wedgeRectCallout">
@@ -8316,7 +8312,7 @@
         </p:nvSpPr>
         <p:spPr>
           <a:xfrm>
-            <a:off x="817461" y="3862556"/>
+            <a:off x="1177501" y="3360007"/>
             <a:ext cx="730203" cy="323769"/>
           </a:xfrm>
           <a:prstGeom prst="wedgeRectCallout">
@@ -8388,7 +8384,7 @@
         </p:nvSpPr>
         <p:spPr>
           <a:xfrm>
-            <a:off x="817461" y="4327858"/>
+            <a:off x="1177501" y="3825309"/>
             <a:ext cx="730203" cy="316229"/>
           </a:xfrm>
           <a:prstGeom prst="wedgeRectCallout">
@@ -8460,7 +8456,7 @@
         </p:nvCxnSpPr>
         <p:spPr>
           <a:xfrm>
-            <a:off x="1734004" y="2922240"/>
+            <a:off x="2094044" y="2419691"/>
             <a:ext cx="3553198" cy="0"/>
           </a:xfrm>
           <a:prstGeom prst="straightConnector1">
@@ -8498,7 +8494,7 @@
         </p:nvSpPr>
         <p:spPr>
           <a:xfrm>
-            <a:off x="6135929" y="2566412"/>
+            <a:off x="6495969" y="2063863"/>
             <a:ext cx="812335" cy="202140"/>
           </a:xfrm>
           <a:prstGeom prst="wedgeRectCallout">
@@ -8562,7 +8558,7 @@
         </p:nvSpPr>
         <p:spPr>
           <a:xfrm>
-            <a:off x="4927970" y="4294604"/>
+            <a:off x="5288010" y="3792055"/>
             <a:ext cx="819553" cy="216025"/>
           </a:xfrm>
           <a:prstGeom prst="wedgeRectCallout">
@@ -8626,7 +8622,7 @@
         </p:nvCxnSpPr>
         <p:spPr>
           <a:xfrm>
-            <a:off x="1763688" y="2689870"/>
+            <a:off x="2123728" y="2187321"/>
             <a:ext cx="1296144" cy="0"/>
           </a:xfrm>
           <a:prstGeom prst="straightConnector1">
@@ -8664,7 +8660,7 @@
         </p:nvCxnSpPr>
         <p:spPr>
           <a:xfrm>
-            <a:off x="1739449" y="4293096"/>
+            <a:off x="2099489" y="3790547"/>
             <a:ext cx="2040463" cy="0"/>
           </a:xfrm>
           <a:prstGeom prst="straightConnector1">
@@ -8702,7 +8698,7 @@
         </p:nvCxnSpPr>
         <p:spPr>
           <a:xfrm>
-            <a:off x="1748830" y="4590653"/>
+            <a:off x="2108870" y="4088104"/>
             <a:ext cx="4330005" cy="0"/>
           </a:xfrm>
           <a:prstGeom prst="straightConnector1">
@@ -8732,58 +8728,6 @@
           </a:fontRef>
         </p:style>
       </p:cxnSp>
-      <p:sp>
-        <p:nvSpPr>
-          <p:cNvPr id="128" name="テキスト ボックス 127"/>
-          <p:cNvSpPr txBox="1"/>
-          <p:nvPr/>
-        </p:nvSpPr>
-        <p:spPr>
-          <a:xfrm>
-            <a:off x="395536" y="253097"/>
-            <a:ext cx="7732356" cy="1015663"/>
-          </a:xfrm>
-          <a:prstGeom prst="rect">
-            <a:avLst/>
-          </a:prstGeom>
-          <a:noFill/>
-        </p:spPr>
-        <p:txBody>
-          <a:bodyPr wrap="square" rtlCol="0">
-            <a:spAutoFit/>
-          </a:bodyPr>
-          <a:lstStyle/>
-          <a:p>
-            <a:r>
-              <a:rPr lang="en-US" altLang="ja-JP" sz="1200" dirty="0" smtClean="0"/>
-              <a:t>The </a:t>
-            </a:r>
-            <a:r>
-              <a:rPr lang="en-US" altLang="ja-JP" sz="1200" dirty="0"/>
-              <a:t>framework first receives queue, identifies the sequence from the sent queue, and calls that message as an argument to the corresponding sequence. After processing the called sequence, we return control to the framework and enter the next message wait.</a:t>
-            </a:r>
-            <a:br>
-              <a:rPr lang="en-US" altLang="ja-JP" sz="1200" dirty="0"/>
-            </a:br>
-            <a:r>
-              <a:rPr lang="en-US" altLang="ja-JP" sz="1200" dirty="0"/>
-              <a:t>Sequence switching is done every 1 queue, and other sequences can not operate at all.</a:t>
-            </a:r>
-            <a:br>
-              <a:rPr lang="en-US" altLang="ja-JP" sz="1200" dirty="0"/>
-            </a:br>
-            <a:r>
-              <a:rPr lang="en-US" altLang="ja-JP" sz="1200" dirty="0"/>
-              <a:t>Since sequences on the same thread are always exclusive, exclusion control between threads is not necessary</a:t>
-            </a:r>
-            <a:r>
-              <a:rPr lang="en-US" altLang="ja-JP" sz="1200" dirty="0" smtClean="0"/>
-              <a:t>.</a:t>
-            </a:r>
-            <a:endParaRPr lang="en-US" altLang="ja-JP" sz="1200" dirty="0"/>
-          </a:p>
-        </p:txBody>
-      </p:sp>
     </p:spTree>
     <p:extLst>
       <p:ext uri="{BB962C8B-B14F-4D97-AF65-F5344CB8AC3E}">
@@ -9633,7 +9577,7 @@
         </p:nvSpPr>
         <p:spPr>
           <a:xfrm>
-            <a:off x="395536" y="397113"/>
+            <a:off x="395536" y="188640"/>
             <a:ext cx="7732356" cy="1015663"/>
           </a:xfrm>
           <a:prstGeom prst="rect">
@@ -9750,6 +9694,58 @@
             <a:r>
               <a:rPr lang="ja-JP" altLang="en-US" sz="1200" dirty="0"/>
               <a:t>は常に排他されているので、スレッド間における排他制御の必要がありません。</a:t>
+            </a:r>
+            <a:endParaRPr lang="en-US" altLang="ja-JP" sz="1200" dirty="0"/>
+          </a:p>
+        </p:txBody>
+      </p:sp>
+      <p:sp>
+        <p:nvSpPr>
+          <p:cNvPr id="19" name="テキスト ボックス 18"/>
+          <p:cNvSpPr txBox="1"/>
+          <p:nvPr/>
+        </p:nvSpPr>
+        <p:spPr>
+          <a:xfrm>
+            <a:off x="395536" y="1340768"/>
+            <a:ext cx="7732356" cy="1015663"/>
+          </a:xfrm>
+          <a:prstGeom prst="rect">
+            <a:avLst/>
+          </a:prstGeom>
+          <a:noFill/>
+        </p:spPr>
+        <p:txBody>
+          <a:bodyPr wrap="square" rtlCol="0">
+            <a:spAutoFit/>
+          </a:bodyPr>
+          <a:lstStyle/>
+          <a:p>
+            <a:r>
+              <a:rPr lang="en-US" altLang="ja-JP" sz="1200" dirty="0" smtClean="0"/>
+              <a:t>The </a:t>
+            </a:r>
+            <a:r>
+              <a:rPr lang="en-US" altLang="ja-JP" sz="1200" dirty="0"/>
+              <a:t>framework first receives queue, identifies the sequence from the sent queue, and calls that message as an argument to the corresponding sequence. After processing the called sequence, we return control to the framework and enter the next message wait.</a:t>
+            </a:r>
+            <a:br>
+              <a:rPr lang="en-US" altLang="ja-JP" sz="1200" dirty="0"/>
+            </a:br>
+            <a:r>
+              <a:rPr lang="en-US" altLang="ja-JP" sz="1200" dirty="0"/>
+              <a:t>Sequence switching is done every 1 queue, and other sequences can not operate at all.</a:t>
+            </a:r>
+            <a:br>
+              <a:rPr lang="en-US" altLang="ja-JP" sz="1200" dirty="0"/>
+            </a:br>
+            <a:r>
+              <a:rPr lang="en-US" altLang="ja-JP" sz="1200" dirty="0"/>
+              <a:t>Since sequences on the same thread are always exclusive, exclusion control between threads is not necessary</a:t>
+            </a:r>
+            <a:r>
+              <a:rPr lang="en-US" altLang="ja-JP" sz="1200" dirty="0" smtClean="0"/>
+              <a:t>.</a:t>
             </a:r>
             <a:endParaRPr lang="en-US" altLang="ja-JP" sz="1200" dirty="0"/>
           </a:p>

--- a/etc/thread_manager.pptx
+++ b/etc/thread_manager.pptx
@@ -106,6 +106,22 @@
       </a:defRPr>
     </a:lvl9pPr>
   </p:defaultTextStyle>
+  <p:extLst>
+    <p:ext uri="{EFAFB233-063F-42B5-8137-9DF3F51BA10A}">
+      <p15:sldGuideLst xmlns:p15="http://schemas.microsoft.com/office/powerpoint/2012/main">
+        <p15:guide id="1" orient="horz" pos="2160">
+          <p15:clr>
+            <a:srgbClr val="A4A3A4"/>
+          </p15:clr>
+        </p15:guide>
+        <p15:guide id="2" pos="2880">
+          <p15:clr>
+            <a:srgbClr val="A4A3A4"/>
+          </p15:clr>
+        </p15:guide>
+      </p15:sldGuideLst>
+    </p:ext>
+  </p:extLst>
 </p:presentation>
 </file>
 
@@ -290,7 +306,7 @@
           <a:p>
             <a:fld id="{96CB86D3-7B57-4351-8487-129B39CE012B}" type="datetimeFigureOut">
               <a:rPr kumimoji="1" lang="ja-JP" altLang="en-US" smtClean="0"/>
-              <a:t>2017/2/10</a:t>
+              <a:t>2020/5/23</a:t>
             </a:fld>
             <a:endParaRPr kumimoji="1" lang="ja-JP" altLang="en-US"/>
           </a:p>
@@ -492,7 +508,7 @@
           <a:p>
             <a:fld id="{96CB86D3-7B57-4351-8487-129B39CE012B}" type="datetimeFigureOut">
               <a:rPr kumimoji="1" lang="ja-JP" altLang="en-US" smtClean="0"/>
-              <a:t>2017/2/10</a:t>
+              <a:t>2020/5/23</a:t>
             </a:fld>
             <a:endParaRPr kumimoji="1" lang="ja-JP" altLang="en-US"/>
           </a:p>
@@ -704,7 +720,7 @@
           <a:p>
             <a:fld id="{96CB86D3-7B57-4351-8487-129B39CE012B}" type="datetimeFigureOut">
               <a:rPr kumimoji="1" lang="ja-JP" altLang="en-US" smtClean="0"/>
-              <a:t>2017/2/10</a:t>
+              <a:t>2020/5/23</a:t>
             </a:fld>
             <a:endParaRPr kumimoji="1" lang="ja-JP" altLang="en-US"/>
           </a:p>
@@ -906,7 +922,7 @@
           <a:p>
             <a:fld id="{96CB86D3-7B57-4351-8487-129B39CE012B}" type="datetimeFigureOut">
               <a:rPr kumimoji="1" lang="ja-JP" altLang="en-US" smtClean="0"/>
-              <a:t>2017/2/10</a:t>
+              <a:t>2020/5/23</a:t>
             </a:fld>
             <a:endParaRPr kumimoji="1" lang="ja-JP" altLang="en-US"/>
           </a:p>
@@ -1152,7 +1168,7 @@
           <a:p>
             <a:fld id="{96CB86D3-7B57-4351-8487-129B39CE012B}" type="datetimeFigureOut">
               <a:rPr kumimoji="1" lang="ja-JP" altLang="en-US" smtClean="0"/>
-              <a:t>2017/2/10</a:t>
+              <a:t>2020/5/23</a:t>
             </a:fld>
             <a:endParaRPr kumimoji="1" lang="ja-JP" altLang="en-US"/>
           </a:p>
@@ -1504,7 +1520,7 @@
           <a:p>
             <a:fld id="{96CB86D3-7B57-4351-8487-129B39CE012B}" type="datetimeFigureOut">
               <a:rPr kumimoji="1" lang="ja-JP" altLang="en-US" smtClean="0"/>
-              <a:t>2017/2/10</a:t>
+              <a:t>2020/5/23</a:t>
             </a:fld>
             <a:endParaRPr kumimoji="1" lang="ja-JP" altLang="en-US"/>
           </a:p>
@@ -1990,7 +2006,7 @@
           <a:p>
             <a:fld id="{96CB86D3-7B57-4351-8487-129B39CE012B}" type="datetimeFigureOut">
               <a:rPr kumimoji="1" lang="ja-JP" altLang="en-US" smtClean="0"/>
-              <a:t>2017/2/10</a:t>
+              <a:t>2020/5/23</a:t>
             </a:fld>
             <a:endParaRPr kumimoji="1" lang="ja-JP" altLang="en-US"/>
           </a:p>
@@ -2108,7 +2124,7 @@
           <a:p>
             <a:fld id="{96CB86D3-7B57-4351-8487-129B39CE012B}" type="datetimeFigureOut">
               <a:rPr kumimoji="1" lang="ja-JP" altLang="en-US" smtClean="0"/>
-              <a:t>2017/2/10</a:t>
+              <a:t>2020/5/23</a:t>
             </a:fld>
             <a:endParaRPr kumimoji="1" lang="ja-JP" altLang="en-US"/>
           </a:p>
@@ -2203,7 +2219,7 @@
           <a:p>
             <a:fld id="{96CB86D3-7B57-4351-8487-129B39CE012B}" type="datetimeFigureOut">
               <a:rPr kumimoji="1" lang="ja-JP" altLang="en-US" smtClean="0"/>
-              <a:t>2017/2/10</a:t>
+              <a:t>2020/5/23</a:t>
             </a:fld>
             <a:endParaRPr kumimoji="1" lang="ja-JP" altLang="en-US"/>
           </a:p>
@@ -2512,7 +2528,7 @@
           <a:p>
             <a:fld id="{96CB86D3-7B57-4351-8487-129B39CE012B}" type="datetimeFigureOut">
               <a:rPr kumimoji="1" lang="ja-JP" altLang="en-US" smtClean="0"/>
-              <a:t>2017/2/10</a:t>
+              <a:t>2020/5/23</a:t>
             </a:fld>
             <a:endParaRPr kumimoji="1" lang="ja-JP" altLang="en-US"/>
           </a:p>
@@ -2765,7 +2781,7 @@
           <a:p>
             <a:fld id="{96CB86D3-7B57-4351-8487-129B39CE012B}" type="datetimeFigureOut">
               <a:rPr kumimoji="1" lang="ja-JP" altLang="en-US" smtClean="0"/>
-              <a:t>2017/2/10</a:t>
+              <a:t>2020/5/23</a:t>
             </a:fld>
             <a:endParaRPr kumimoji="1" lang="ja-JP" altLang="en-US"/>
           </a:p>
@@ -3010,7 +3026,7 @@
           <a:p>
             <a:fld id="{96CB86D3-7B57-4351-8487-129B39CE012B}" type="datetimeFigureOut">
               <a:rPr kumimoji="1" lang="ja-JP" altLang="en-US" smtClean="0"/>
-              <a:t>2017/2/10</a:t>
+              <a:t>2020/5/23</a:t>
             </a:fld>
             <a:endParaRPr kumimoji="1" lang="ja-JP" altLang="en-US"/>
           </a:p>
@@ -3393,7 +3409,7 @@
         </p:nvSpPr>
         <p:spPr>
           <a:xfrm>
-            <a:off x="1115616" y="2977206"/>
+            <a:off x="1691680" y="2977206"/>
             <a:ext cx="5616624" cy="3476129"/>
           </a:xfrm>
           <a:prstGeom prst="rect">
@@ -3442,7 +3458,7 @@
         </p:nvSpPr>
         <p:spPr>
           <a:xfrm>
-            <a:off x="5088325" y="3969060"/>
+            <a:off x="5664389" y="3969060"/>
             <a:ext cx="1499899" cy="1692188"/>
           </a:xfrm>
           <a:prstGeom prst="rect">
@@ -3488,7 +3504,7 @@
         </p:nvSpPr>
         <p:spPr>
           <a:xfrm>
-            <a:off x="4872301" y="3897052"/>
+            <a:off x="5448365" y="3897052"/>
             <a:ext cx="1499899" cy="1692188"/>
           </a:xfrm>
           <a:prstGeom prst="rect">
@@ -3534,7 +3550,7 @@
         </p:nvSpPr>
         <p:spPr>
           <a:xfrm>
-            <a:off x="4512261" y="3789040"/>
+            <a:off x="5088325" y="3789040"/>
             <a:ext cx="1499899" cy="1692188"/>
           </a:xfrm>
           <a:prstGeom prst="rect">
@@ -3577,7 +3593,7 @@
         </p:nvSpPr>
         <p:spPr>
           <a:xfrm>
-            <a:off x="3792181" y="3681028"/>
+            <a:off x="4368245" y="3681028"/>
             <a:ext cx="1499899" cy="1692188"/>
           </a:xfrm>
           <a:prstGeom prst="rect">
@@ -3620,7 +3636,7 @@
         </p:nvSpPr>
         <p:spPr>
           <a:xfrm>
-            <a:off x="4209964" y="4629777"/>
+            <a:off x="4786028" y="4629777"/>
             <a:ext cx="664331" cy="597419"/>
           </a:xfrm>
           <a:prstGeom prst="rect">
@@ -3676,7 +3692,7 @@
         </p:nvSpPr>
         <p:spPr>
           <a:xfrm>
-            <a:off x="827584" y="188640"/>
+            <a:off x="1403648" y="188640"/>
             <a:ext cx="6192688" cy="6552728"/>
           </a:xfrm>
           <a:prstGeom prst="rect">
@@ -3722,7 +3738,7 @@
         </p:nvSpPr>
         <p:spPr>
           <a:xfrm>
-            <a:off x="35496" y="34751"/>
+            <a:off x="611560" y="34751"/>
             <a:ext cx="871072" cy="307777"/>
           </a:xfrm>
           <a:prstGeom prst="rect">
@@ -3752,7 +3768,7 @@
         </p:nvSpPr>
         <p:spPr>
           <a:xfrm>
-            <a:off x="1123260" y="2977207"/>
+            <a:off x="1699324" y="2977207"/>
             <a:ext cx="1407116" cy="307777"/>
           </a:xfrm>
           <a:prstGeom prst="rect">
@@ -3786,7 +3802,7 @@
         </p:nvSpPr>
         <p:spPr>
           <a:xfrm>
-            <a:off x="4067944" y="4120603"/>
+            <a:off x="4644008" y="4120603"/>
             <a:ext cx="1008112" cy="396901"/>
           </a:xfrm>
           <a:prstGeom prst="rect">
@@ -3844,7 +3860,7 @@
         </p:nvSpPr>
         <p:spPr>
           <a:xfrm>
-            <a:off x="1496309" y="5661248"/>
+            <a:off x="2072373" y="5661248"/>
             <a:ext cx="1499899" cy="648072"/>
           </a:xfrm>
           <a:prstGeom prst="rect">
@@ -3887,7 +3903,7 @@
         </p:nvSpPr>
         <p:spPr>
           <a:xfrm>
-            <a:off x="1731900" y="5720556"/>
+            <a:off x="2307964" y="5720556"/>
             <a:ext cx="1039900" cy="523220"/>
           </a:xfrm>
           <a:prstGeom prst="rect">
@@ -3932,7 +3948,7 @@
         </p:nvSpPr>
         <p:spPr>
           <a:xfrm>
-            <a:off x="3203848" y="5661248"/>
+            <a:off x="3779912" y="5661248"/>
             <a:ext cx="1499899" cy="648072"/>
           </a:xfrm>
           <a:prstGeom prst="rect">
@@ -3975,7 +3991,7 @@
         </p:nvSpPr>
         <p:spPr>
           <a:xfrm>
-            <a:off x="3439439" y="5720556"/>
+            <a:off x="4015503" y="5720556"/>
             <a:ext cx="1211037" cy="523220"/>
           </a:xfrm>
           <a:prstGeom prst="rect">
@@ -4024,7 +4040,7 @@
         </p:nvSpPr>
         <p:spPr>
           <a:xfrm>
-            <a:off x="3779912" y="3661792"/>
+            <a:off x="4355976" y="3661792"/>
             <a:ext cx="1210396" cy="523220"/>
           </a:xfrm>
           <a:prstGeom prst="rect">
@@ -4073,7 +4089,7 @@
         </p:nvSpPr>
         <p:spPr>
           <a:xfrm>
-            <a:off x="2568045" y="3539563"/>
+            <a:off x="3144109" y="3539563"/>
             <a:ext cx="1499899" cy="1692188"/>
           </a:xfrm>
           <a:prstGeom prst="rect">
@@ -4116,7 +4132,7 @@
         </p:nvSpPr>
         <p:spPr>
           <a:xfrm>
-            <a:off x="3000093" y="4511671"/>
+            <a:off x="3576157" y="4511671"/>
             <a:ext cx="664331" cy="597419"/>
           </a:xfrm>
           <a:prstGeom prst="rect">
@@ -4172,7 +4188,7 @@
         </p:nvSpPr>
         <p:spPr>
           <a:xfrm>
-            <a:off x="2843808" y="3968203"/>
+            <a:off x="3419872" y="3968203"/>
             <a:ext cx="1008112" cy="396901"/>
           </a:xfrm>
           <a:prstGeom prst="rect">
@@ -4230,7 +4246,7 @@
         </p:nvSpPr>
         <p:spPr>
           <a:xfrm>
-            <a:off x="2569516" y="3509392"/>
+            <a:off x="3145580" y="3509392"/>
             <a:ext cx="1210396" cy="523220"/>
           </a:xfrm>
           <a:prstGeom prst="rect">
@@ -4279,7 +4295,7 @@
         </p:nvSpPr>
         <p:spPr>
           <a:xfrm>
-            <a:off x="1343909" y="3395547"/>
+            <a:off x="1919973" y="3395547"/>
             <a:ext cx="1499899" cy="1692188"/>
           </a:xfrm>
           <a:prstGeom prst="rect">
@@ -4322,7 +4338,7 @@
         </p:nvSpPr>
         <p:spPr>
           <a:xfrm>
-            <a:off x="1345380" y="3356992"/>
+            <a:off x="1921444" y="3356992"/>
             <a:ext cx="1210396" cy="523220"/>
           </a:xfrm>
           <a:prstGeom prst="rect">
@@ -4371,7 +4387,7 @@
         </p:nvSpPr>
         <p:spPr>
           <a:xfrm>
-            <a:off x="1775957" y="4367655"/>
+            <a:off x="2352021" y="4367655"/>
             <a:ext cx="664331" cy="597419"/>
           </a:xfrm>
           <a:prstGeom prst="rect">
@@ -4427,7 +4443,7 @@
         </p:nvSpPr>
         <p:spPr>
           <a:xfrm>
-            <a:off x="1619672" y="3867352"/>
+            <a:off x="2195736" y="3867352"/>
             <a:ext cx="1008112" cy="396901"/>
           </a:xfrm>
           <a:prstGeom prst="rect">
@@ -4485,7 +4501,7 @@
         </p:nvSpPr>
         <p:spPr>
           <a:xfrm>
-            <a:off x="2555776" y="3789040"/>
+            <a:off x="3131840" y="3789040"/>
             <a:ext cx="156118" cy="244670"/>
           </a:xfrm>
           <a:prstGeom prst="arc">
@@ -4534,7 +4550,7 @@
         </p:nvCxnSpPr>
         <p:spPr>
           <a:xfrm rot="10800000">
-            <a:off x="1625807" y="4264253"/>
+            <a:off x="2201871" y="4264253"/>
             <a:ext cx="150150" cy="402112"/>
           </a:xfrm>
           <a:prstGeom prst="bentConnector2">
@@ -4567,7 +4583,7 @@
         </p:nvSpPr>
         <p:spPr>
           <a:xfrm>
-            <a:off x="2474415" y="4555728"/>
+            <a:off x="3050479" y="4555728"/>
             <a:ext cx="585417" cy="553998"/>
           </a:xfrm>
           <a:prstGeom prst="rect">
@@ -4625,7 +4641,7 @@
         </p:nvCxnSpPr>
         <p:spPr>
           <a:xfrm>
-            <a:off x="2446740" y="4438627"/>
+            <a:off x="3022804" y="4438627"/>
             <a:ext cx="524831" cy="0"/>
           </a:xfrm>
           <a:prstGeom prst="straightConnector1">
@@ -4661,7 +4677,7 @@
         </p:nvCxnSpPr>
         <p:spPr>
           <a:xfrm flipH="1">
-            <a:off x="2427143" y="4582643"/>
+            <a:off x="3003207" y="4582643"/>
             <a:ext cx="544428" cy="0"/>
           </a:xfrm>
           <a:prstGeom prst="straightConnector1">
@@ -4697,7 +4713,7 @@
         </p:nvSpPr>
         <p:spPr>
           <a:xfrm>
-            <a:off x="3711251" y="4699744"/>
+            <a:off x="4287315" y="4699744"/>
             <a:ext cx="585417" cy="553998"/>
           </a:xfrm>
           <a:prstGeom prst="rect">
@@ -4755,7 +4771,7 @@
         </p:nvCxnSpPr>
         <p:spPr>
           <a:xfrm>
-            <a:off x="3711992" y="4581128"/>
+            <a:off x="4288056" y="4581128"/>
             <a:ext cx="524831" cy="0"/>
           </a:xfrm>
           <a:prstGeom prst="straightConnector1">
@@ -4791,7 +4807,7 @@
         </p:nvCxnSpPr>
         <p:spPr>
           <a:xfrm flipH="1">
-            <a:off x="3692395" y="4725144"/>
+            <a:off x="4268459" y="4725144"/>
             <a:ext cx="544428" cy="0"/>
           </a:xfrm>
           <a:prstGeom prst="straightConnector1">
@@ -4827,7 +4843,7 @@
         </p:nvSpPr>
         <p:spPr>
           <a:xfrm>
-            <a:off x="1115616" y="2540966"/>
+            <a:off x="1691680" y="2540966"/>
             <a:ext cx="5616624" cy="311969"/>
           </a:xfrm>
           <a:prstGeom prst="rect">
@@ -4876,7 +4892,7 @@
         </p:nvSpPr>
         <p:spPr>
           <a:xfrm>
-            <a:off x="1128316" y="2545159"/>
+            <a:off x="1704380" y="2545159"/>
             <a:ext cx="1593065" cy="307777"/>
           </a:xfrm>
           <a:prstGeom prst="rect">
@@ -4910,7 +4926,7 @@
         </p:nvSpPr>
         <p:spPr>
           <a:xfrm>
-            <a:off x="2627784" y="260648"/>
+            <a:off x="3203848" y="260648"/>
             <a:ext cx="1430135" cy="307777"/>
           </a:xfrm>
           <a:prstGeom prst="rect">
@@ -4940,7 +4956,7 @@
         </p:nvSpPr>
         <p:spPr>
           <a:xfrm>
-            <a:off x="943474" y="2204864"/>
+            <a:off x="1519538" y="2204864"/>
             <a:ext cx="5941166" cy="4392488"/>
           </a:xfrm>
           <a:prstGeom prst="rect">
@@ -4984,7 +5000,7 @@
         </p:nvSpPr>
         <p:spPr>
           <a:xfrm>
-            <a:off x="4932040" y="2204864"/>
+            <a:off x="5508104" y="2204864"/>
             <a:ext cx="1981696" cy="307777"/>
           </a:xfrm>
           <a:prstGeom prst="rect">
@@ -5014,7 +5030,7 @@
         </p:nvSpPr>
         <p:spPr>
           <a:xfrm>
-            <a:off x="3767810" y="3861048"/>
+            <a:off x="4343874" y="3861048"/>
             <a:ext cx="156118" cy="244670"/>
           </a:xfrm>
           <a:prstGeom prst="arc">
@@ -5061,7 +5077,7 @@
         </p:nvSpPr>
         <p:spPr>
           <a:xfrm>
-            <a:off x="4991946" y="4005064"/>
+            <a:off x="5568010" y="4005064"/>
             <a:ext cx="156118" cy="244670"/>
           </a:xfrm>
           <a:prstGeom prst="arc">
@@ -5108,7 +5124,7 @@
         </p:nvSpPr>
         <p:spPr>
           <a:xfrm>
-            <a:off x="1683542" y="595288"/>
+            <a:off x="2259606" y="595288"/>
             <a:ext cx="2193778" cy="1296144"/>
           </a:xfrm>
           <a:prstGeom prst="rect">
@@ -5152,7 +5168,7 @@
         </p:nvSpPr>
         <p:spPr>
           <a:xfrm>
-            <a:off x="1835696" y="1889765"/>
+            <a:off x="2411760" y="1889765"/>
             <a:ext cx="658514" cy="276999"/>
           </a:xfrm>
           <a:prstGeom prst="rect">
@@ -5182,7 +5198,7 @@
         </p:nvSpPr>
         <p:spPr>
           <a:xfrm>
-            <a:off x="4034406" y="595288"/>
+            <a:off x="4610470" y="595288"/>
             <a:ext cx="2193778" cy="1296144"/>
           </a:xfrm>
           <a:prstGeom prst="rect">
@@ -5228,7 +5244,7 @@
         </p:nvCxnSpPr>
         <p:spPr>
           <a:xfrm rot="5400000">
-            <a:off x="3039604" y="2016313"/>
+            <a:off x="3615668" y="2016313"/>
             <a:ext cx="2352583" cy="1552910"/>
           </a:xfrm>
           <a:prstGeom prst="bentConnector3">
@@ -5263,7 +5279,7 @@
         </p:nvSpPr>
         <p:spPr>
           <a:xfrm>
-            <a:off x="4199260" y="1902465"/>
+            <a:off x="4775324" y="1902465"/>
             <a:ext cx="658514" cy="276999"/>
           </a:xfrm>
           <a:prstGeom prst="rect">
@@ -5293,7 +5309,7 @@
         </p:nvSpPr>
         <p:spPr>
           <a:xfrm>
-            <a:off x="4546600" y="1383178"/>
+            <a:off x="5122664" y="1383178"/>
             <a:ext cx="1512168" cy="461646"/>
           </a:xfrm>
           <a:prstGeom prst="rect">
@@ -5347,7 +5363,7 @@
         </p:nvSpPr>
         <p:spPr>
           <a:xfrm>
-            <a:off x="4452290" y="1305009"/>
+            <a:off x="5028354" y="1305009"/>
             <a:ext cx="1512168" cy="461646"/>
           </a:xfrm>
           <a:prstGeom prst="rect">
@@ -5400,7 +5416,7 @@
         </p:nvSpPr>
         <p:spPr>
           <a:xfrm>
-            <a:off x="4338960" y="1233001"/>
+            <a:off x="4915024" y="1233001"/>
             <a:ext cx="1512168" cy="461646"/>
           </a:xfrm>
           <a:prstGeom prst="rect">
@@ -5450,7 +5466,7 @@
         </p:nvSpPr>
         <p:spPr>
           <a:xfrm>
-            <a:off x="4236266" y="1159178"/>
+            <a:off x="4812330" y="1159178"/>
             <a:ext cx="1512168" cy="457299"/>
           </a:xfrm>
           <a:prstGeom prst="rect">
@@ -5508,7 +5524,7 @@
         </p:nvSpPr>
         <p:spPr>
           <a:xfrm>
-            <a:off x="4042544" y="919753"/>
+            <a:off x="4618608" y="919753"/>
             <a:ext cx="1143005" cy="276999"/>
           </a:xfrm>
           <a:prstGeom prst="rect">
@@ -5538,7 +5554,7 @@
         </p:nvSpPr>
         <p:spPr>
           <a:xfrm>
-            <a:off x="4024032" y="595288"/>
+            <a:off x="4600096" y="595288"/>
             <a:ext cx="1242648" cy="276999"/>
           </a:xfrm>
           <a:prstGeom prst="rect">
@@ -5568,7 +5584,7 @@
         </p:nvSpPr>
         <p:spPr>
           <a:xfrm>
-            <a:off x="2195736" y="1357778"/>
+            <a:off x="2771800" y="1357778"/>
             <a:ext cx="1512168" cy="461646"/>
           </a:xfrm>
           <a:prstGeom prst="rect">
@@ -5622,7 +5638,7 @@
         </p:nvSpPr>
         <p:spPr>
           <a:xfrm>
-            <a:off x="2101426" y="1279609"/>
+            <a:off x="2677490" y="1279609"/>
             <a:ext cx="1512168" cy="461646"/>
           </a:xfrm>
           <a:prstGeom prst="rect">
@@ -5675,7 +5691,7 @@
         </p:nvSpPr>
         <p:spPr>
           <a:xfrm>
-            <a:off x="1988096" y="1207601"/>
+            <a:off x="2564160" y="1207601"/>
             <a:ext cx="1512168" cy="461646"/>
           </a:xfrm>
           <a:prstGeom prst="rect">
@@ -5725,7 +5741,7 @@
         </p:nvSpPr>
         <p:spPr>
           <a:xfrm>
-            <a:off x="1885402" y="1133778"/>
+            <a:off x="2461466" y="1133778"/>
             <a:ext cx="1512168" cy="457299"/>
           </a:xfrm>
           <a:prstGeom prst="rect">
@@ -5783,7 +5799,7 @@
         </p:nvSpPr>
         <p:spPr>
           <a:xfrm>
-            <a:off x="1691680" y="894353"/>
+            <a:off x="2267744" y="894353"/>
             <a:ext cx="1143005" cy="276999"/>
           </a:xfrm>
           <a:prstGeom prst="rect">
@@ -5813,7 +5829,7 @@
         </p:nvSpPr>
         <p:spPr>
           <a:xfrm>
-            <a:off x="1673168" y="569888"/>
+            <a:off x="2249232" y="569888"/>
             <a:ext cx="1242648" cy="276999"/>
           </a:xfrm>
           <a:prstGeom prst="rect">
@@ -5845,7 +5861,7 @@
         </p:nvCxnSpPr>
         <p:spPr>
           <a:xfrm rot="5400000">
-            <a:off x="1333006" y="2552563"/>
+            <a:off x="1909070" y="2552563"/>
             <a:ext cx="2269967" cy="346994"/>
           </a:xfrm>
           <a:prstGeom prst="bentConnector3">
@@ -5880,7 +5896,7 @@
         </p:nvSpPr>
         <p:spPr>
           <a:xfrm>
-            <a:off x="3347864" y="1052736"/>
+            <a:off x="3923928" y="1052736"/>
             <a:ext cx="869923" cy="332220"/>
           </a:xfrm>
           <a:prstGeom prst="leftRightArrow">
@@ -5930,7 +5946,7 @@
         </p:nvSpPr>
         <p:spPr>
           <a:xfrm>
-            <a:off x="3554535" y="1265426"/>
+            <a:off x="4130599" y="1265426"/>
             <a:ext cx="585417" cy="553998"/>
           </a:xfrm>
           <a:prstGeom prst="rect">
@@ -5988,7 +6004,7 @@
         </p:nvSpPr>
         <p:spPr>
           <a:xfrm>
-            <a:off x="3275856" y="878523"/>
+            <a:off x="3851920" y="878523"/>
             <a:ext cx="1015021" cy="246221"/>
           </a:xfrm>
           <a:prstGeom prst="rect">
@@ -6026,7 +6042,7 @@
         </p:nvSpPr>
         <p:spPr>
           <a:xfrm>
-            <a:off x="5185549" y="3049215"/>
+            <a:off x="5761613" y="3049215"/>
             <a:ext cx="1457643" cy="307777"/>
           </a:xfrm>
           <a:prstGeom prst="rect">

--- a/etc/thread_manager.pptx
+++ b/etc/thread_manager.pptx
@@ -7,7 +7,8 @@
   <p:sldIdLst>
     <p:sldId id="256" r:id="rId2"/>
     <p:sldId id="257" r:id="rId3"/>
-    <p:sldId id="258" r:id="rId4"/>
+    <p:sldId id="259" r:id="rId4"/>
+    <p:sldId id="258" r:id="rId5"/>
   </p:sldIdLst>
   <p:sldSz cx="9144000" cy="6858000" type="screen4x3"/>
   <p:notesSz cx="6858000" cy="9144000"/>
@@ -306,7 +307,7 @@
           <a:p>
             <a:fld id="{96CB86D3-7B57-4351-8487-129B39CE012B}" type="datetimeFigureOut">
               <a:rPr kumimoji="1" lang="ja-JP" altLang="en-US" smtClean="0"/>
-              <a:t>2020/5/23</a:t>
+              <a:t>2020/6/4</a:t>
             </a:fld>
             <a:endParaRPr kumimoji="1" lang="ja-JP" altLang="en-US"/>
           </a:p>
@@ -508,7 +509,7 @@
           <a:p>
             <a:fld id="{96CB86D3-7B57-4351-8487-129B39CE012B}" type="datetimeFigureOut">
               <a:rPr kumimoji="1" lang="ja-JP" altLang="en-US" smtClean="0"/>
-              <a:t>2020/5/23</a:t>
+              <a:t>2020/6/4</a:t>
             </a:fld>
             <a:endParaRPr kumimoji="1" lang="ja-JP" altLang="en-US"/>
           </a:p>
@@ -720,7 +721,7 @@
           <a:p>
             <a:fld id="{96CB86D3-7B57-4351-8487-129B39CE012B}" type="datetimeFigureOut">
               <a:rPr kumimoji="1" lang="ja-JP" altLang="en-US" smtClean="0"/>
-              <a:t>2020/5/23</a:t>
+              <a:t>2020/6/4</a:t>
             </a:fld>
             <a:endParaRPr kumimoji="1" lang="ja-JP" altLang="en-US"/>
           </a:p>
@@ -922,7 +923,7 @@
           <a:p>
             <a:fld id="{96CB86D3-7B57-4351-8487-129B39CE012B}" type="datetimeFigureOut">
               <a:rPr kumimoji="1" lang="ja-JP" altLang="en-US" smtClean="0"/>
-              <a:t>2020/5/23</a:t>
+              <a:t>2020/6/4</a:t>
             </a:fld>
             <a:endParaRPr kumimoji="1" lang="ja-JP" altLang="en-US"/>
           </a:p>
@@ -1168,7 +1169,7 @@
           <a:p>
             <a:fld id="{96CB86D3-7B57-4351-8487-129B39CE012B}" type="datetimeFigureOut">
               <a:rPr kumimoji="1" lang="ja-JP" altLang="en-US" smtClean="0"/>
-              <a:t>2020/5/23</a:t>
+              <a:t>2020/6/4</a:t>
             </a:fld>
             <a:endParaRPr kumimoji="1" lang="ja-JP" altLang="en-US"/>
           </a:p>
@@ -1520,7 +1521,7 @@
           <a:p>
             <a:fld id="{96CB86D3-7B57-4351-8487-129B39CE012B}" type="datetimeFigureOut">
               <a:rPr kumimoji="1" lang="ja-JP" altLang="en-US" smtClean="0"/>
-              <a:t>2020/5/23</a:t>
+              <a:t>2020/6/4</a:t>
             </a:fld>
             <a:endParaRPr kumimoji="1" lang="ja-JP" altLang="en-US"/>
           </a:p>
@@ -2006,7 +2007,7 @@
           <a:p>
             <a:fld id="{96CB86D3-7B57-4351-8487-129B39CE012B}" type="datetimeFigureOut">
               <a:rPr kumimoji="1" lang="ja-JP" altLang="en-US" smtClean="0"/>
-              <a:t>2020/5/23</a:t>
+              <a:t>2020/6/4</a:t>
             </a:fld>
             <a:endParaRPr kumimoji="1" lang="ja-JP" altLang="en-US"/>
           </a:p>
@@ -2124,7 +2125,7 @@
           <a:p>
             <a:fld id="{96CB86D3-7B57-4351-8487-129B39CE012B}" type="datetimeFigureOut">
               <a:rPr kumimoji="1" lang="ja-JP" altLang="en-US" smtClean="0"/>
-              <a:t>2020/5/23</a:t>
+              <a:t>2020/6/4</a:t>
             </a:fld>
             <a:endParaRPr kumimoji="1" lang="ja-JP" altLang="en-US"/>
           </a:p>
@@ -2219,7 +2220,7 @@
           <a:p>
             <a:fld id="{96CB86D3-7B57-4351-8487-129B39CE012B}" type="datetimeFigureOut">
               <a:rPr kumimoji="1" lang="ja-JP" altLang="en-US" smtClean="0"/>
-              <a:t>2020/5/23</a:t>
+              <a:t>2020/6/4</a:t>
             </a:fld>
             <a:endParaRPr kumimoji="1" lang="ja-JP" altLang="en-US"/>
           </a:p>
@@ -2528,7 +2529,7 @@
           <a:p>
             <a:fld id="{96CB86D3-7B57-4351-8487-129B39CE012B}" type="datetimeFigureOut">
               <a:rPr kumimoji="1" lang="ja-JP" altLang="en-US" smtClean="0"/>
-              <a:t>2020/5/23</a:t>
+              <a:t>2020/6/4</a:t>
             </a:fld>
             <a:endParaRPr kumimoji="1" lang="ja-JP" altLang="en-US"/>
           </a:p>
@@ -2781,7 +2782,7 @@
           <a:p>
             <a:fld id="{96CB86D3-7B57-4351-8487-129B39CE012B}" type="datetimeFigureOut">
               <a:rPr kumimoji="1" lang="ja-JP" altLang="en-US" smtClean="0"/>
-              <a:t>2020/5/23</a:t>
+              <a:t>2020/6/4</a:t>
             </a:fld>
             <a:endParaRPr kumimoji="1" lang="ja-JP" altLang="en-US"/>
           </a:p>
@@ -3026,7 +3027,7 @@
           <a:p>
             <a:fld id="{96CB86D3-7B57-4351-8487-129B39CE012B}" type="datetimeFigureOut">
               <a:rPr kumimoji="1" lang="ja-JP" altLang="en-US" smtClean="0"/>
-              <a:t>2020/5/23</a:t>
+              <a:t>2020/6/4</a:t>
             </a:fld>
             <a:endParaRPr kumimoji="1" lang="ja-JP" altLang="en-US"/>
           </a:p>
@@ -6125,13 +6126,382 @@
       </p:grpSpPr>
       <p:sp>
         <p:nvSpPr>
+          <p:cNvPr id="79" name="左大かっこ 78"/>
+          <p:cNvSpPr/>
+          <p:nvPr/>
+        </p:nvSpPr>
+        <p:spPr>
+          <a:xfrm>
+            <a:off x="7210905" y="516930"/>
+            <a:ext cx="960341" cy="4633912"/>
+          </a:xfrm>
+          <a:prstGeom prst="leftBracket">
+            <a:avLst>
+              <a:gd name="adj" fmla="val 0"/>
+            </a:avLst>
+          </a:prstGeom>
+          <a:solidFill>
+            <a:schemeClr val="bg1"/>
+          </a:solidFill>
+          <a:ln>
+            <a:solidFill>
+              <a:schemeClr val="tx1"/>
+            </a:solidFill>
+            <a:prstDash val="dash"/>
+          </a:ln>
+        </p:spPr>
+        <p:style>
+          <a:lnRef idx="1">
+            <a:schemeClr val="accent1"/>
+          </a:lnRef>
+          <a:fillRef idx="0">
+            <a:schemeClr val="accent1"/>
+          </a:fillRef>
+          <a:effectRef idx="0">
+            <a:schemeClr val="accent1"/>
+          </a:effectRef>
+          <a:fontRef idx="minor">
+            <a:schemeClr val="tx1"/>
+          </a:fontRef>
+        </p:style>
+        <p:txBody>
+          <a:bodyPr rtlCol="0" anchor="ctr"/>
+          <a:lstStyle/>
+          <a:p>
+            <a:pPr algn="ctr"/>
+            <a:endParaRPr kumimoji="1" lang="ja-JP" altLang="en-US"/>
+          </a:p>
+        </p:txBody>
+      </p:sp>
+      <p:sp>
+        <p:nvSpPr>
+          <p:cNvPr id="80" name="左大かっこ 79"/>
+          <p:cNvSpPr/>
+          <p:nvPr/>
+        </p:nvSpPr>
+        <p:spPr>
+          <a:xfrm>
+            <a:off x="8020209" y="739304"/>
+            <a:ext cx="824703" cy="4633912"/>
+          </a:xfrm>
+          <a:prstGeom prst="leftBracket">
+            <a:avLst>
+              <a:gd name="adj" fmla="val 0"/>
+            </a:avLst>
+          </a:prstGeom>
+          <a:solidFill>
+            <a:schemeClr val="bg1"/>
+          </a:solidFill>
+          <a:ln>
+            <a:solidFill>
+              <a:schemeClr val="tx1"/>
+            </a:solidFill>
+            <a:prstDash val="dash"/>
+          </a:ln>
+        </p:spPr>
+        <p:style>
+          <a:lnRef idx="1">
+            <a:schemeClr val="accent1"/>
+          </a:lnRef>
+          <a:fillRef idx="0">
+            <a:schemeClr val="accent1"/>
+          </a:fillRef>
+          <a:effectRef idx="0">
+            <a:schemeClr val="accent1"/>
+          </a:effectRef>
+          <a:fontRef idx="minor">
+            <a:schemeClr val="tx1"/>
+          </a:fontRef>
+        </p:style>
+        <p:txBody>
+          <a:bodyPr rtlCol="0" anchor="ctr"/>
+          <a:lstStyle/>
+          <a:p>
+            <a:pPr algn="ctr"/>
+            <a:endParaRPr kumimoji="1" lang="ja-JP" altLang="en-US"/>
+          </a:p>
+        </p:txBody>
+      </p:sp>
+      <p:sp>
+        <p:nvSpPr>
+          <p:cNvPr id="65" name="四角形吹き出し 64"/>
+          <p:cNvSpPr/>
+          <p:nvPr/>
+        </p:nvSpPr>
+        <p:spPr>
+          <a:xfrm>
+            <a:off x="4241741" y="2827966"/>
+            <a:ext cx="1220934" cy="306652"/>
+          </a:xfrm>
+          <a:prstGeom prst="wedgeRectCallout">
+            <a:avLst>
+              <a:gd name="adj1" fmla="val -23583"/>
+              <a:gd name="adj2" fmla="val 144955"/>
+            </a:avLst>
+          </a:prstGeom>
+          <a:solidFill>
+            <a:schemeClr val="accent6">
+              <a:lumMod val="60000"/>
+              <a:lumOff val="40000"/>
+            </a:schemeClr>
+          </a:solidFill>
+          <a:ln>
+            <a:noFill/>
+          </a:ln>
+        </p:spPr>
+        <p:style>
+          <a:lnRef idx="2">
+            <a:schemeClr val="accent1">
+              <a:shade val="50000"/>
+            </a:schemeClr>
+          </a:lnRef>
+          <a:fillRef idx="1">
+            <a:schemeClr val="accent1"/>
+          </a:fillRef>
+          <a:effectRef idx="0">
+            <a:schemeClr val="accent1"/>
+          </a:effectRef>
+          <a:fontRef idx="minor">
+            <a:schemeClr val="lt1"/>
+          </a:fontRef>
+        </p:style>
+        <p:txBody>
+          <a:bodyPr rtlCol="0" anchor="ctr"/>
+          <a:lstStyle/>
+          <a:p>
+            <a:pPr algn="ctr"/>
+            <a:r>
+              <a:rPr lang="en-US" altLang="ja-JP" sz="1000" dirty="0" smtClean="0">
+                <a:solidFill>
+                  <a:schemeClr val="tx1"/>
+                </a:solidFill>
+              </a:rPr>
+              <a:t>unique to </a:t>
+            </a:r>
+            <a:r>
+              <a:rPr lang="en-US" altLang="ja-JP" sz="1000" dirty="0" err="1" smtClean="0">
+                <a:solidFill>
+                  <a:schemeClr val="tx1"/>
+                </a:solidFill>
+              </a:rPr>
+              <a:t>Async</a:t>
+            </a:r>
+            <a:r>
+              <a:rPr lang="en-US" altLang="ja-JP" sz="1000" dirty="0" smtClean="0">
+                <a:solidFill>
+                  <a:schemeClr val="tx1"/>
+                </a:solidFill>
+              </a:rPr>
+              <a:t> I/O</a:t>
+            </a:r>
+          </a:p>
+          <a:p>
+            <a:pPr algn="ctr"/>
+            <a:r>
+              <a:rPr lang="en-US" altLang="ja-JP" sz="1000" dirty="0" smtClean="0">
+                <a:solidFill>
+                  <a:schemeClr val="tx1"/>
+                </a:solidFill>
+              </a:rPr>
+              <a:t>onc</a:t>
+            </a:r>
+            <a:r>
+              <a:rPr lang="en-US" altLang="ja-JP" sz="1000" dirty="0" smtClean="0">
+                <a:solidFill>
+                  <a:schemeClr val="tx1"/>
+                </a:solidFill>
+              </a:rPr>
+              <a:t>e </a:t>
+            </a:r>
+            <a:r>
+              <a:rPr lang="en-US" altLang="ja-JP" sz="1000" dirty="0" smtClean="0">
+                <a:solidFill>
+                  <a:schemeClr val="tx1"/>
+                </a:solidFill>
+              </a:rPr>
+              <a:t>wait</a:t>
+            </a:r>
+            <a:endParaRPr kumimoji="1" lang="ja-JP" altLang="en-US" sz="1000" dirty="0">
+              <a:solidFill>
+                <a:schemeClr val="tx1"/>
+              </a:solidFill>
+            </a:endParaRPr>
+          </a:p>
+        </p:txBody>
+      </p:sp>
+      <p:sp>
+        <p:nvSpPr>
+          <p:cNvPr id="74" name="Rectangle 100"/>
+          <p:cNvSpPr>
+            <a:spLocks noChangeArrowheads="1"/>
+          </p:cNvSpPr>
+          <p:nvPr/>
+        </p:nvSpPr>
+        <p:spPr bwMode="auto">
+          <a:xfrm>
+            <a:off x="7766641" y="2278465"/>
+            <a:ext cx="45719" cy="2152297"/>
+          </a:xfrm>
+          <a:prstGeom prst="rect">
+            <a:avLst/>
+          </a:prstGeom>
+          <a:solidFill>
+            <a:schemeClr val="bg2">
+              <a:lumMod val="90000"/>
+            </a:schemeClr>
+          </a:solidFill>
+          <a:ln w="9525">
+            <a:solidFill>
+              <a:schemeClr val="tx1"/>
+            </a:solidFill>
+            <a:prstDash val="dash"/>
+            <a:miter lim="800000"/>
+            <a:headEnd/>
+            <a:tailEnd/>
+          </a:ln>
+          <a:effectLst/>
+          <a:extLst/>
+        </p:spPr>
+        <p:txBody>
+          <a:bodyPr wrap="none" anchor="ctr"/>
+          <a:lstStyle/>
+          <a:p>
+            <a:endParaRPr lang="ja-JP" altLang="en-US" sz="1400"/>
+          </a:p>
+        </p:txBody>
+      </p:sp>
+      <p:sp>
+        <p:nvSpPr>
+          <p:cNvPr id="73" name="Rectangle 100"/>
+          <p:cNvSpPr>
+            <a:spLocks noChangeArrowheads="1"/>
+          </p:cNvSpPr>
+          <p:nvPr/>
+        </p:nvSpPr>
+        <p:spPr bwMode="auto">
+          <a:xfrm>
+            <a:off x="7517396" y="1502537"/>
+            <a:ext cx="45719" cy="2233647"/>
+          </a:xfrm>
+          <a:prstGeom prst="rect">
+            <a:avLst/>
+          </a:prstGeom>
+          <a:solidFill>
+            <a:schemeClr val="bg2">
+              <a:lumMod val="90000"/>
+            </a:schemeClr>
+          </a:solidFill>
+          <a:ln w="9525">
+            <a:solidFill>
+              <a:schemeClr val="tx1"/>
+            </a:solidFill>
+            <a:prstDash val="dash"/>
+            <a:miter lim="800000"/>
+            <a:headEnd/>
+            <a:tailEnd/>
+          </a:ln>
+          <a:effectLst/>
+          <a:extLst/>
+        </p:spPr>
+        <p:txBody>
+          <a:bodyPr wrap="none" anchor="ctr"/>
+          <a:lstStyle/>
+          <a:p>
+            <a:endParaRPr lang="ja-JP" altLang="en-US" sz="1400"/>
+          </a:p>
+        </p:txBody>
+      </p:sp>
+      <p:sp>
+        <p:nvSpPr>
+          <p:cNvPr id="66" name="Rectangle 100"/>
+          <p:cNvSpPr>
+            <a:spLocks noChangeArrowheads="1"/>
+          </p:cNvSpPr>
+          <p:nvPr/>
+        </p:nvSpPr>
+        <p:spPr bwMode="auto">
+          <a:xfrm>
+            <a:off x="8188882" y="2007891"/>
+            <a:ext cx="45719" cy="1182102"/>
+          </a:xfrm>
+          <a:prstGeom prst="rect">
+            <a:avLst/>
+          </a:prstGeom>
+          <a:solidFill>
+            <a:schemeClr val="bg2">
+              <a:lumMod val="90000"/>
+            </a:schemeClr>
+          </a:solidFill>
+          <a:ln w="9525">
+            <a:solidFill>
+              <a:schemeClr val="tx1"/>
+            </a:solidFill>
+            <a:prstDash val="dash"/>
+            <a:miter lim="800000"/>
+            <a:headEnd/>
+            <a:tailEnd/>
+          </a:ln>
+          <a:effectLst/>
+          <a:extLst/>
+        </p:spPr>
+        <p:txBody>
+          <a:bodyPr wrap="none" anchor="ctr"/>
+          <a:lstStyle/>
+          <a:p>
+            <a:endParaRPr lang="ja-JP" altLang="en-US" sz="1400"/>
+          </a:p>
+        </p:txBody>
+      </p:sp>
+      <p:sp>
+        <p:nvSpPr>
+          <p:cNvPr id="62" name="Rectangle 100"/>
+          <p:cNvSpPr>
+            <a:spLocks noChangeArrowheads="1"/>
+          </p:cNvSpPr>
+          <p:nvPr/>
+        </p:nvSpPr>
+        <p:spPr bwMode="auto">
+          <a:xfrm>
+            <a:off x="8441809" y="2561633"/>
+            <a:ext cx="45719" cy="898957"/>
+          </a:xfrm>
+          <a:prstGeom prst="rect">
+            <a:avLst/>
+          </a:prstGeom>
+          <a:solidFill>
+            <a:schemeClr val="bg2">
+              <a:lumMod val="90000"/>
+            </a:schemeClr>
+          </a:solidFill>
+          <a:ln w="9525">
+            <a:solidFill>
+              <a:schemeClr val="tx1"/>
+            </a:solidFill>
+            <a:prstDash val="dash"/>
+            <a:miter lim="800000"/>
+            <a:headEnd/>
+            <a:tailEnd/>
+          </a:ln>
+          <a:effectLst/>
+          <a:extLst/>
+        </p:spPr>
+        <p:txBody>
+          <a:bodyPr wrap="none" anchor="ctr"/>
+          <a:lstStyle/>
+          <a:p>
+            <a:endParaRPr lang="ja-JP" altLang="en-US" sz="1400"/>
+          </a:p>
+        </p:txBody>
+      </p:sp>
+      <p:sp>
+        <p:nvSpPr>
           <p:cNvPr id="67" name="正方形/長方形 66"/>
           <p:cNvSpPr/>
           <p:nvPr/>
         </p:nvSpPr>
         <p:spPr>
           <a:xfrm>
-            <a:off x="1385550" y="1027336"/>
+            <a:off x="387561" y="398315"/>
             <a:ext cx="1386250" cy="4633912"/>
           </a:xfrm>
           <a:prstGeom prst="rect">
@@ -6182,7 +6552,7 @@
         </p:nvSpPr>
         <p:spPr bwMode="auto">
           <a:xfrm flipH="1">
-            <a:off x="4091319" y="1754851"/>
+            <a:off x="3093330" y="1125830"/>
             <a:ext cx="6215" cy="3691880"/>
           </a:xfrm>
           <a:prstGeom prst="line">
@@ -6233,7 +6603,7 @@
         </p:nvSpPr>
         <p:spPr bwMode="auto">
           <a:xfrm>
-            <a:off x="4021334" y="2192634"/>
+            <a:off x="3023345" y="1563613"/>
             <a:ext cx="152400" cy="506760"/>
           </a:xfrm>
           <a:prstGeom prst="rect">
@@ -6281,8 +6651,8 @@
         </p:nvSpPr>
         <p:spPr bwMode="auto">
           <a:xfrm>
-            <a:off x="4021334" y="3785029"/>
-            <a:ext cx="152400" cy="713021"/>
+            <a:off x="3023345" y="3156008"/>
+            <a:ext cx="148209" cy="626523"/>
           </a:xfrm>
           <a:prstGeom prst="rect">
             <a:avLst/>
@@ -6328,9 +6698,9 @@
           <p:nvPr/>
         </p:nvSpPr>
         <p:spPr bwMode="auto">
-          <a:xfrm>
-            <a:off x="3411734" y="2192634"/>
-            <a:ext cx="609600" cy="0"/>
+          <a:xfrm flipH="1">
+            <a:off x="3171554" y="1563613"/>
+            <a:ext cx="4345840" cy="0"/>
           </a:xfrm>
           <a:prstGeom prst="line">
             <a:avLst/>
@@ -6380,8 +6750,8 @@
         </p:nvSpPr>
         <p:spPr bwMode="auto">
           <a:xfrm>
-            <a:off x="4173734" y="2699394"/>
-            <a:ext cx="609600" cy="0"/>
+            <a:off x="3175744" y="2007891"/>
+            <a:ext cx="5013137" cy="0"/>
           </a:xfrm>
           <a:prstGeom prst="line">
             <a:avLst/>
@@ -6431,8 +6801,8 @@
         </p:nvSpPr>
         <p:spPr bwMode="auto">
           <a:xfrm>
-            <a:off x="4173734" y="3790547"/>
-            <a:ext cx="609600" cy="0"/>
+            <a:off x="3175745" y="3161526"/>
+            <a:ext cx="5013136" cy="0"/>
           </a:xfrm>
           <a:prstGeom prst="line">
             <a:avLst/>
@@ -6482,9 +6852,9 @@
           <p:nvPr/>
         </p:nvSpPr>
         <p:spPr bwMode="auto">
-          <a:xfrm>
-            <a:off x="3487934" y="4498051"/>
-            <a:ext cx="533400" cy="0"/>
+          <a:xfrm flipH="1" flipV="1">
+            <a:off x="3181613" y="3747114"/>
+            <a:ext cx="4335781" cy="0"/>
           </a:xfrm>
           <a:prstGeom prst="line">
             <a:avLst/>
@@ -6533,14 +6903,18 @@
         </p:nvSpPr>
         <p:spPr>
           <a:xfrm>
-            <a:off x="2835670" y="1027335"/>
+            <a:off x="1837681" y="398314"/>
             <a:ext cx="4904682" cy="4633912"/>
           </a:xfrm>
           <a:prstGeom prst="rect">
             <a:avLst/>
           </a:prstGeom>
           <a:noFill/>
-          <a:ln w="12700"/>
+          <a:ln w="12700">
+            <a:solidFill>
+              <a:schemeClr val="tx1"/>
+            </a:solidFill>
+          </a:ln>
         </p:spPr>
         <p:style>
           <a:lnRef idx="2">
@@ -6575,7 +6949,7 @@
         </p:nvSpPr>
         <p:spPr>
           <a:xfrm>
-            <a:off x="2817158" y="1001935"/>
+            <a:off x="1819169" y="434748"/>
             <a:ext cx="1242648" cy="276999"/>
           </a:xfrm>
           <a:prstGeom prst="rect">
@@ -6605,7 +6979,7 @@
         </p:nvSpPr>
         <p:spPr>
           <a:xfrm>
-            <a:off x="3474760" y="1486291"/>
+            <a:off x="2476771" y="857270"/>
             <a:ext cx="1233118" cy="228649"/>
           </a:xfrm>
           <a:prstGeom prst="rect">
@@ -6663,8 +7037,8 @@
         </p:nvSpPr>
         <p:spPr>
           <a:xfrm>
-            <a:off x="3267718" y="1961772"/>
-            <a:ext cx="660181" cy="276999"/>
+            <a:off x="3602360" y="1332751"/>
+            <a:ext cx="2135649" cy="276999"/>
           </a:xfrm>
           <a:prstGeom prst="rect">
             <a:avLst/>
@@ -6679,9 +7053,25 @@
           <a:p>
             <a:r>
               <a:rPr kumimoji="1" lang="en-US" altLang="ja-JP" sz="1200" dirty="0" smtClean="0"/>
-              <a:t>request</a:t>
-            </a:r>
-            <a:endParaRPr kumimoji="1" lang="ja-JP" altLang="en-US" sz="1200" dirty="0"/>
+              <a:t>request </a:t>
+            </a:r>
+            <a:r>
+              <a:rPr lang="en-US" altLang="ja-JP" sz="1200" dirty="0" smtClean="0"/>
+              <a:t>(from </a:t>
+            </a:r>
+            <a:r>
+              <a:rPr lang="en-US" altLang="ja-JP" sz="1200" dirty="0"/>
+              <a:t>another</a:t>
+            </a:r>
+            <a:r>
+              <a:rPr lang="ja-JP" altLang="en-US" sz="1200" dirty="0"/>
+              <a:t> </a:t>
+            </a:r>
+            <a:r>
+              <a:rPr lang="en-US" altLang="ja-JP" sz="1200" dirty="0" smtClean="0"/>
+              <a:t>module)</a:t>
+            </a:r>
+            <a:endParaRPr lang="ja-JP" altLang="en-US" sz="1200" dirty="0"/>
           </a:p>
         </p:txBody>
       </p:sp>
@@ -6693,8 +7083,8 @@
         </p:nvSpPr>
         <p:spPr>
           <a:xfrm>
-            <a:off x="4153613" y="2460495"/>
-            <a:ext cx="1289135" cy="646331"/>
+            <a:off x="4352086" y="1811151"/>
+            <a:ext cx="1965153" cy="276999"/>
           </a:xfrm>
           <a:prstGeom prst="rect">
             <a:avLst/>
@@ -6708,24 +7098,28 @@
           <a:lstStyle/>
           <a:p>
             <a:r>
-              <a:rPr lang="en-US" altLang="ja-JP" sz="1200" dirty="0"/>
+              <a:rPr lang="en-US" altLang="ja-JP" sz="1200" dirty="0" smtClean="0"/>
               <a:t>r</a:t>
             </a:r>
             <a:r>
               <a:rPr kumimoji="1" lang="en-US" altLang="ja-JP" sz="1200" dirty="0" smtClean="0"/>
-              <a:t>equest</a:t>
-            </a:r>
-          </a:p>
-          <a:p>
+              <a:t>equest (</a:t>
+            </a:r>
             <a:r>
               <a:rPr lang="en-US" altLang="ja-JP" sz="1200" dirty="0" smtClean="0"/>
-              <a:t>(to another</a:t>
-            </a:r>
-          </a:p>
-          <a:p>
+              <a:t>to another</a:t>
+            </a:r>
+            <a:r>
+              <a:rPr lang="ja-JP" altLang="en-US" sz="1200" dirty="0"/>
+              <a:t> </a:t>
+            </a:r>
             <a:r>
               <a:rPr lang="en-US" altLang="ja-JP" sz="1200" dirty="0" smtClean="0"/>
-              <a:t>Function module)</a:t>
+              <a:t>module</a:t>
+            </a:r>
+            <a:r>
+              <a:rPr lang="en-US" altLang="ja-JP" sz="1200" dirty="0" smtClean="0"/>
+              <a:t>)</a:t>
             </a:r>
             <a:endParaRPr kumimoji="1" lang="ja-JP" altLang="en-US" sz="1200" dirty="0"/>
           </a:p>
@@ -6739,7 +7133,7 @@
         </p:nvSpPr>
         <p:spPr>
           <a:xfrm>
-            <a:off x="4275830" y="3585556"/>
+            <a:off x="3277841" y="2956535"/>
             <a:ext cx="496803" cy="276999"/>
           </a:xfrm>
           <a:prstGeom prst="rect">
@@ -6769,7 +7163,7 @@
         </p:nvSpPr>
         <p:spPr>
           <a:xfrm>
-            <a:off x="3555750" y="4449652"/>
+            <a:off x="5279727" y="3533697"/>
             <a:ext cx="496803" cy="276999"/>
           </a:xfrm>
           <a:prstGeom prst="rect">
@@ -6801,7 +7195,7 @@
         </p:nvSpPr>
         <p:spPr bwMode="auto">
           <a:xfrm>
-            <a:off x="6317673" y="1755342"/>
+            <a:off x="4604628" y="1126321"/>
             <a:ext cx="0" cy="3691390"/>
           </a:xfrm>
           <a:prstGeom prst="line">
@@ -6852,8 +7246,8 @@
         </p:nvSpPr>
         <p:spPr bwMode="auto">
           <a:xfrm>
-            <a:off x="6241473" y="2707723"/>
-            <a:ext cx="152400" cy="506760"/>
+            <a:off x="4528428" y="2239552"/>
+            <a:ext cx="149777" cy="345909"/>
           </a:xfrm>
           <a:prstGeom prst="rect">
             <a:avLst/>
@@ -6900,7 +7294,7 @@
         </p:nvSpPr>
         <p:spPr bwMode="auto">
           <a:xfrm>
-            <a:off x="6241473" y="4510627"/>
+            <a:off x="4528428" y="3881606"/>
             <a:ext cx="152400" cy="533400"/>
           </a:xfrm>
           <a:prstGeom prst="rect">
@@ -6940,7 +7334,7 @@
       </p:sp>
       <p:sp>
         <p:nvSpPr>
-          <p:cNvPr id="47" name="Line 101"/>
+          <p:cNvPr id="48" name="Line 102"/>
           <p:cNvSpPr>
             <a:spLocks noChangeShapeType="1"/>
           </p:cNvSpPr>
@@ -6948,8 +7342,8 @@
         </p:nvSpPr>
         <p:spPr bwMode="auto">
           <a:xfrm>
-            <a:off x="5631873" y="2419691"/>
-            <a:ext cx="609600" cy="0"/>
+            <a:off x="4680827" y="2575937"/>
+            <a:ext cx="3760981" cy="0"/>
           </a:xfrm>
           <a:prstGeom prst="line">
             <a:avLst/>
@@ -6985,61 +7379,6 @@
           <a:bodyPr/>
           <a:lstStyle/>
           <a:p>
-            <a:endParaRPr lang="ja-JP" altLang="en-US" sz="1400">
-              <a:solidFill>
-                <a:srgbClr val="FF0000"/>
-              </a:solidFill>
-            </a:endParaRPr>
-          </a:p>
-        </p:txBody>
-      </p:sp>
-      <p:sp>
-        <p:nvSpPr>
-          <p:cNvPr id="48" name="Line 102"/>
-          <p:cNvSpPr>
-            <a:spLocks noChangeShapeType="1"/>
-          </p:cNvSpPr>
-          <p:nvPr/>
-        </p:nvSpPr>
-        <p:spPr bwMode="auto">
-          <a:xfrm>
-            <a:off x="6393873" y="3204958"/>
-            <a:ext cx="609600" cy="0"/>
-          </a:xfrm>
-          <a:prstGeom prst="line">
-            <a:avLst/>
-          </a:prstGeom>
-          <a:noFill/>
-          <a:ln w="9525">
-            <a:solidFill>
-              <a:schemeClr val="tx1"/>
-            </a:solidFill>
-            <a:round/>
-            <a:headEnd/>
-            <a:tailEnd type="arrow" w="med" len="med"/>
-          </a:ln>
-          <a:effectLst/>
-          <a:extLst>
-            <a:ext uri="{909E8E84-426E-40DD-AFC4-6F175D3DCCD1}">
-              <a14:hiddenFill xmlns:a14="http://schemas.microsoft.com/office/drawing/2010/main">
-                <a:noFill/>
-              </a14:hiddenFill>
-            </a:ext>
-            <a:ext uri="{AF507438-7753-43E0-B8FC-AC1667EBCBE1}">
-              <a14:hiddenEffects xmlns:a14="http://schemas.microsoft.com/office/drawing/2010/main">
-                <a:effectLst>
-                  <a:outerShdw dist="35921" dir="2700000" algn="ctr" rotWithShape="0">
-                    <a:schemeClr val="bg2"/>
-                  </a:outerShdw>
-                </a:effectLst>
-              </a14:hiddenEffects>
-            </a:ext>
-          </a:extLst>
-        </p:spPr>
-        <p:txBody>
-          <a:bodyPr/>
-          <a:lstStyle/>
-          <a:p>
             <a:endParaRPr lang="ja-JP" altLang="en-US" sz="1400"/>
           </a:p>
         </p:txBody>
@@ -7054,8 +7393,8 @@
         </p:nvSpPr>
         <p:spPr bwMode="auto">
           <a:xfrm>
-            <a:off x="6393873" y="4089612"/>
-            <a:ext cx="609600" cy="0"/>
+            <a:off x="4680827" y="3460591"/>
+            <a:ext cx="3805107" cy="0"/>
           </a:xfrm>
           <a:prstGeom prst="line">
             <a:avLst/>
@@ -7102,16 +7441,1223 @@
       </p:sp>
       <p:sp>
         <p:nvSpPr>
-          <p:cNvPr id="50" name="Line 106"/>
+          <p:cNvPr id="51" name="正方形/長方形 50"/>
+          <p:cNvSpPr/>
+          <p:nvPr/>
+        </p:nvSpPr>
+        <p:spPr>
+          <a:xfrm>
+            <a:off x="3981854" y="857270"/>
+            <a:ext cx="1233118" cy="228649"/>
+          </a:xfrm>
+          <a:prstGeom prst="rect">
+            <a:avLst/>
+          </a:prstGeom>
+          <a:solidFill>
+            <a:schemeClr val="accent5">
+              <a:lumMod val="60000"/>
+              <a:lumOff val="40000"/>
+            </a:schemeClr>
+          </a:solidFill>
+        </p:spPr>
+        <p:style>
+          <a:lnRef idx="2">
+            <a:schemeClr val="accent1">
+              <a:shade val="50000"/>
+            </a:schemeClr>
+          </a:lnRef>
+          <a:fillRef idx="1">
+            <a:schemeClr val="accent1"/>
+          </a:fillRef>
+          <a:effectRef idx="0">
+            <a:schemeClr val="accent1"/>
+          </a:effectRef>
+          <a:fontRef idx="minor">
+            <a:schemeClr val="lt1"/>
+          </a:fontRef>
+        </p:style>
+        <p:txBody>
+          <a:bodyPr rtlCol="0" anchor="ctr"/>
+          <a:lstStyle/>
+          <a:p>
+            <a:pPr algn="ctr"/>
+            <a:r>
+              <a:rPr kumimoji="1" lang="en-US" altLang="ja-JP" sz="1400" dirty="0" smtClean="0">
+                <a:solidFill>
+                  <a:schemeClr val="tx1"/>
+                </a:solidFill>
+              </a:rPr>
+              <a:t>sequence2</a:t>
+            </a:r>
+            <a:endParaRPr kumimoji="1" lang="en-US" altLang="ja-JP" sz="1400" dirty="0">
+              <a:solidFill>
+                <a:schemeClr val="tx1"/>
+              </a:solidFill>
+            </a:endParaRPr>
+          </a:p>
+        </p:txBody>
+      </p:sp>
+      <p:sp>
+        <p:nvSpPr>
+          <p:cNvPr id="54" name="テキスト ボックス 53"/>
+          <p:cNvSpPr txBox="1"/>
+          <p:nvPr/>
+        </p:nvSpPr>
+        <p:spPr>
+          <a:xfrm>
+            <a:off x="5155317" y="3244567"/>
+            <a:ext cx="496803" cy="276999"/>
+          </a:xfrm>
+          <a:prstGeom prst="rect">
+            <a:avLst/>
+          </a:prstGeom>
+          <a:noFill/>
+          <a:ln>
+            <a:noFill/>
+          </a:ln>
+        </p:spPr>
+        <p:txBody>
+          <a:bodyPr wrap="none" rtlCol="0">
+            <a:spAutoFit/>
+          </a:bodyPr>
+          <a:lstStyle/>
+          <a:p>
+            <a:r>
+              <a:rPr kumimoji="1" lang="en-US" altLang="ja-JP" sz="1200" dirty="0" smtClean="0"/>
+              <a:t>reply</a:t>
+            </a:r>
+            <a:endParaRPr kumimoji="1" lang="ja-JP" altLang="en-US" sz="1200" dirty="0"/>
+          </a:p>
+        </p:txBody>
+      </p:sp>
+      <p:sp>
+        <p:nvSpPr>
+          <p:cNvPr id="63" name="テキスト ボックス 62"/>
+          <p:cNvSpPr txBox="1"/>
+          <p:nvPr/>
+        </p:nvSpPr>
+        <p:spPr>
+          <a:xfrm>
+            <a:off x="4932221" y="2376922"/>
+            <a:ext cx="1965153" cy="276999"/>
+          </a:xfrm>
+          <a:prstGeom prst="rect">
+            <a:avLst/>
+          </a:prstGeom>
+          <a:noFill/>
+        </p:spPr>
+        <p:txBody>
+          <a:bodyPr wrap="none" rtlCol="0">
+            <a:spAutoFit/>
+          </a:bodyPr>
+          <a:lstStyle/>
+          <a:p>
+            <a:r>
+              <a:rPr lang="en-US" altLang="ja-JP" sz="1200" dirty="0" smtClean="0"/>
+              <a:t>r</a:t>
+            </a:r>
+            <a:r>
+              <a:rPr kumimoji="1" lang="en-US" altLang="ja-JP" sz="1200" dirty="0" smtClean="0"/>
+              <a:t>equest </a:t>
+            </a:r>
+            <a:r>
+              <a:rPr lang="en-US" altLang="ja-JP" sz="1200" dirty="0" smtClean="0"/>
+              <a:t>(to another module</a:t>
+            </a:r>
+            <a:r>
+              <a:rPr lang="en-US" altLang="ja-JP" sz="1200" dirty="0" smtClean="0"/>
+              <a:t>)</a:t>
+            </a:r>
+            <a:endParaRPr kumimoji="1" lang="ja-JP" altLang="en-US" sz="1200" dirty="0"/>
+          </a:p>
+        </p:txBody>
+      </p:sp>
+      <p:sp>
+        <p:nvSpPr>
+          <p:cNvPr id="69" name="正方形/長方形 68"/>
+          <p:cNvSpPr/>
+          <p:nvPr/>
+        </p:nvSpPr>
+        <p:spPr>
+          <a:xfrm>
+            <a:off x="593108" y="595288"/>
+            <a:ext cx="1008112" cy="502412"/>
+          </a:xfrm>
+          <a:prstGeom prst="rect">
+            <a:avLst/>
+          </a:prstGeom>
+          <a:solidFill>
+            <a:schemeClr val="bg1"/>
+          </a:solidFill>
+        </p:spPr>
+        <p:style>
+          <a:lnRef idx="2">
+            <a:schemeClr val="accent1">
+              <a:shade val="50000"/>
+            </a:schemeClr>
+          </a:lnRef>
+          <a:fillRef idx="1">
+            <a:schemeClr val="accent1"/>
+          </a:fillRef>
+          <a:effectRef idx="0">
+            <a:schemeClr val="accent1"/>
+          </a:effectRef>
+          <a:fontRef idx="minor">
+            <a:schemeClr val="lt1"/>
+          </a:fontRef>
+        </p:style>
+        <p:txBody>
+          <a:bodyPr rtlCol="0" anchor="ctr"/>
+          <a:lstStyle/>
+          <a:p>
+            <a:pPr algn="ctr"/>
+            <a:r>
+              <a:rPr kumimoji="1" lang="en-US" altLang="ja-JP" sz="1000" dirty="0" err="1" smtClean="0">
+                <a:solidFill>
+                  <a:schemeClr val="tx1"/>
+                </a:solidFill>
+              </a:rPr>
+              <a:t>workerThread</a:t>
+            </a:r>
+            <a:endParaRPr kumimoji="1" lang="en-US" altLang="ja-JP" sz="1000" dirty="0" smtClean="0">
+              <a:solidFill>
+                <a:schemeClr val="tx1"/>
+              </a:solidFill>
+            </a:endParaRPr>
+          </a:p>
+          <a:p>
+            <a:pPr algn="ctr"/>
+            <a:r>
+              <a:rPr lang="en-US" altLang="ja-JP" sz="1000" dirty="0" smtClean="0">
+                <a:solidFill>
+                  <a:schemeClr val="tx1"/>
+                </a:solidFill>
+              </a:rPr>
+              <a:t>(1pthread)</a:t>
+            </a:r>
+            <a:endParaRPr kumimoji="1" lang="ja-JP" altLang="en-US" sz="1000" dirty="0">
+              <a:solidFill>
+                <a:schemeClr val="tx1"/>
+              </a:solidFill>
+            </a:endParaRPr>
+          </a:p>
+        </p:txBody>
+      </p:sp>
+      <p:sp>
+        <p:nvSpPr>
+          <p:cNvPr id="70" name="Line 97"/>
           <p:cNvSpPr>
             <a:spLocks noChangeShapeType="1"/>
           </p:cNvSpPr>
           <p:nvPr/>
         </p:nvSpPr>
         <p:spPr bwMode="auto">
-          <a:xfrm>
-            <a:off x="5708073" y="5030682"/>
-            <a:ext cx="533400" cy="0"/>
+          <a:xfrm flipH="1">
+            <a:off x="1082306" y="1135777"/>
+            <a:ext cx="6215" cy="3691880"/>
+          </a:xfrm>
+          <a:prstGeom prst="line">
+            <a:avLst/>
+          </a:prstGeom>
+          <a:noFill/>
+          <a:ln w="9525">
+            <a:solidFill>
+              <a:schemeClr val="tx1"/>
+            </a:solidFill>
+            <a:round/>
+            <a:headEnd/>
+            <a:tailEnd/>
+          </a:ln>
+          <a:effectLst/>
+          <a:extLst>
+            <a:ext uri="{909E8E84-426E-40DD-AFC4-6F175D3DCCD1}">
+              <a14:hiddenFill xmlns:a14="http://schemas.microsoft.com/office/drawing/2010/main">
+                <a:noFill/>
+              </a14:hiddenFill>
+            </a:ext>
+            <a:ext uri="{AF507438-7753-43E0-B8FC-AC1667EBCBE1}">
+              <a14:hiddenEffects xmlns:a14="http://schemas.microsoft.com/office/drawing/2010/main">
+                <a:effectLst>
+                  <a:outerShdw dist="35921" dir="2700000" algn="ctr" rotWithShape="0">
+                    <a:schemeClr val="bg2"/>
+                  </a:outerShdw>
+                </a:effectLst>
+              </a14:hiddenEffects>
+            </a:ext>
+          </a:extLst>
+        </p:spPr>
+        <p:txBody>
+          <a:bodyPr/>
+          <a:lstStyle/>
+          <a:p>
+            <a:endParaRPr lang="ja-JP" altLang="en-US" sz="1400"/>
+          </a:p>
+        </p:txBody>
+      </p:sp>
+      <p:sp>
+        <p:nvSpPr>
+          <p:cNvPr id="71" name="Rectangle 98"/>
+          <p:cNvSpPr>
+            <a:spLocks noChangeArrowheads="1"/>
+          </p:cNvSpPr>
+          <p:nvPr/>
+        </p:nvSpPr>
+        <p:spPr bwMode="auto">
+          <a:xfrm>
+            <a:off x="1010298" y="1169684"/>
+            <a:ext cx="152400" cy="3576017"/>
+          </a:xfrm>
+          <a:prstGeom prst="rect">
+            <a:avLst/>
+          </a:prstGeom>
+          <a:solidFill>
+            <a:srgbClr val="FFFFCC"/>
+          </a:solidFill>
+          <a:ln w="9525">
+            <a:solidFill>
+              <a:schemeClr val="tx1"/>
+            </a:solidFill>
+            <a:miter lim="800000"/>
+            <a:headEnd/>
+            <a:tailEnd/>
+          </a:ln>
+          <a:effectLst/>
+          <a:extLst>
+            <a:ext uri="{AF507438-7753-43E0-B8FC-AC1667EBCBE1}">
+              <a14:hiddenEffects xmlns:a14="http://schemas.microsoft.com/office/drawing/2010/main">
+                <a:effectLst>
+                  <a:outerShdw dist="53882" dir="2700000" algn="ctr" rotWithShape="0">
+                    <a:schemeClr val="bg2"/>
+                  </a:outerShdw>
+                </a:effectLst>
+              </a14:hiddenEffects>
+            </a:ext>
+          </a:extLst>
+        </p:spPr>
+        <p:txBody>
+          <a:bodyPr wrap="none" anchor="ctr"/>
+          <a:lstStyle/>
+          <a:p>
+            <a:endParaRPr lang="ja-JP" altLang="en-US" sz="1400"/>
+          </a:p>
+        </p:txBody>
+      </p:sp>
+      <p:sp>
+        <p:nvSpPr>
+          <p:cNvPr id="87" name="右大かっこ 86"/>
+          <p:cNvSpPr/>
+          <p:nvPr/>
+        </p:nvSpPr>
+        <p:spPr>
+          <a:xfrm>
+            <a:off x="1098828" y="1596400"/>
+            <a:ext cx="1997609" cy="454223"/>
+          </a:xfrm>
+          <a:prstGeom prst="rightBracket">
+            <a:avLst>
+              <a:gd name="adj" fmla="val 0"/>
+            </a:avLst>
+          </a:prstGeom>
+          <a:ln w="38100">
+            <a:solidFill>
+              <a:srgbClr val="FF0000">
+                <a:alpha val="20000"/>
+              </a:srgbClr>
+            </a:solidFill>
+          </a:ln>
+          <a:effectLst>
+            <a:glow>
+              <a:schemeClr val="accent1"/>
+            </a:glow>
+          </a:effectLst>
+        </p:spPr>
+        <p:style>
+          <a:lnRef idx="1">
+            <a:schemeClr val="accent1"/>
+          </a:lnRef>
+          <a:fillRef idx="0">
+            <a:schemeClr val="accent1"/>
+          </a:fillRef>
+          <a:effectRef idx="0">
+            <a:schemeClr val="accent1"/>
+          </a:effectRef>
+          <a:fontRef idx="minor">
+            <a:schemeClr val="tx1"/>
+          </a:fontRef>
+        </p:style>
+        <p:txBody>
+          <a:bodyPr rtlCol="0" anchor="ctr"/>
+          <a:lstStyle/>
+          <a:p>
+            <a:pPr algn="ctr"/>
+            <a:endParaRPr kumimoji="1" lang="ja-JP" altLang="en-US"/>
+          </a:p>
+        </p:txBody>
+      </p:sp>
+      <p:sp>
+        <p:nvSpPr>
+          <p:cNvPr id="88" name="右大かっこ 87"/>
+          <p:cNvSpPr/>
+          <p:nvPr/>
+        </p:nvSpPr>
+        <p:spPr>
+          <a:xfrm>
+            <a:off x="1082307" y="2270330"/>
+            <a:ext cx="3522322" cy="286558"/>
+          </a:xfrm>
+          <a:prstGeom prst="rightBracket">
+            <a:avLst>
+              <a:gd name="adj" fmla="val 0"/>
+            </a:avLst>
+          </a:prstGeom>
+          <a:ln w="38100">
+            <a:solidFill>
+              <a:srgbClr val="FF0000">
+                <a:alpha val="20000"/>
+              </a:srgbClr>
+            </a:solidFill>
+          </a:ln>
+          <a:effectLst>
+            <a:glow>
+              <a:schemeClr val="accent1"/>
+            </a:glow>
+          </a:effectLst>
+        </p:spPr>
+        <p:style>
+          <a:lnRef idx="1">
+            <a:schemeClr val="accent1"/>
+          </a:lnRef>
+          <a:fillRef idx="0">
+            <a:schemeClr val="accent1"/>
+          </a:fillRef>
+          <a:effectRef idx="0">
+            <a:schemeClr val="accent1"/>
+          </a:effectRef>
+          <a:fontRef idx="minor">
+            <a:schemeClr val="tx1"/>
+          </a:fontRef>
+        </p:style>
+        <p:txBody>
+          <a:bodyPr rtlCol="0" anchor="ctr"/>
+          <a:lstStyle/>
+          <a:p>
+            <a:pPr algn="ctr"/>
+            <a:endParaRPr kumimoji="1" lang="ja-JP" altLang="en-US"/>
+          </a:p>
+        </p:txBody>
+      </p:sp>
+      <p:sp>
+        <p:nvSpPr>
+          <p:cNvPr id="89" name="右大かっこ 88"/>
+          <p:cNvSpPr/>
+          <p:nvPr/>
+        </p:nvSpPr>
+        <p:spPr>
+          <a:xfrm>
+            <a:off x="1072782" y="3201784"/>
+            <a:ext cx="2026764" cy="648195"/>
+          </a:xfrm>
+          <a:prstGeom prst="rightBracket">
+            <a:avLst>
+              <a:gd name="adj" fmla="val 0"/>
+            </a:avLst>
+          </a:prstGeom>
+          <a:ln w="38100">
+            <a:solidFill>
+              <a:srgbClr val="FF0000">
+                <a:alpha val="20000"/>
+              </a:srgbClr>
+            </a:solidFill>
+          </a:ln>
+          <a:effectLst>
+            <a:glow>
+              <a:schemeClr val="accent1"/>
+            </a:glow>
+          </a:effectLst>
+        </p:spPr>
+        <p:style>
+          <a:lnRef idx="1">
+            <a:schemeClr val="accent1"/>
+          </a:lnRef>
+          <a:fillRef idx="0">
+            <a:schemeClr val="accent1"/>
+          </a:fillRef>
+          <a:effectRef idx="0">
+            <a:schemeClr val="accent1"/>
+          </a:effectRef>
+          <a:fontRef idx="minor">
+            <a:schemeClr val="tx1"/>
+          </a:fontRef>
+        </p:style>
+        <p:txBody>
+          <a:bodyPr rtlCol="0" anchor="ctr"/>
+          <a:lstStyle/>
+          <a:p>
+            <a:pPr algn="ctr"/>
+            <a:endParaRPr kumimoji="1" lang="ja-JP" altLang="en-US"/>
+          </a:p>
+        </p:txBody>
+      </p:sp>
+      <p:sp>
+        <p:nvSpPr>
+          <p:cNvPr id="90" name="右大かっこ 89"/>
+          <p:cNvSpPr/>
+          <p:nvPr/>
+        </p:nvSpPr>
+        <p:spPr>
+          <a:xfrm>
+            <a:off x="1096149" y="3912677"/>
+            <a:ext cx="3508480" cy="472985"/>
+          </a:xfrm>
+          <a:prstGeom prst="rightBracket">
+            <a:avLst>
+              <a:gd name="adj" fmla="val 0"/>
+            </a:avLst>
+          </a:prstGeom>
+          <a:ln w="38100">
+            <a:solidFill>
+              <a:srgbClr val="FF0000">
+                <a:alpha val="20000"/>
+              </a:srgbClr>
+            </a:solidFill>
+          </a:ln>
+          <a:effectLst>
+            <a:glow>
+              <a:schemeClr val="accent1"/>
+            </a:glow>
+          </a:effectLst>
+        </p:spPr>
+        <p:style>
+          <a:lnRef idx="1">
+            <a:schemeClr val="accent1"/>
+          </a:lnRef>
+          <a:fillRef idx="0">
+            <a:schemeClr val="accent1"/>
+          </a:fillRef>
+          <a:effectRef idx="0">
+            <a:schemeClr val="accent1"/>
+          </a:effectRef>
+          <a:fontRef idx="minor">
+            <a:schemeClr val="tx1"/>
+          </a:fontRef>
+        </p:style>
+        <p:txBody>
+          <a:bodyPr rtlCol="0" anchor="ctr"/>
+          <a:lstStyle/>
+          <a:p>
+            <a:pPr algn="ctr"/>
+            <a:endParaRPr kumimoji="1" lang="ja-JP" altLang="en-US"/>
+          </a:p>
+        </p:txBody>
+      </p:sp>
+      <p:cxnSp>
+        <p:nvCxnSpPr>
+          <p:cNvPr id="92" name="直線コネクタ 91"/>
+          <p:cNvCxnSpPr/>
+          <p:nvPr/>
+        </p:nvCxnSpPr>
+        <p:spPr>
+          <a:xfrm>
+            <a:off x="1116214" y="1135777"/>
+            <a:ext cx="0" cy="464816"/>
+          </a:xfrm>
+          <a:prstGeom prst="line">
+            <a:avLst/>
+          </a:prstGeom>
+          <a:ln w="38100">
+            <a:solidFill>
+              <a:srgbClr val="FF0000">
+                <a:alpha val="30000"/>
+              </a:srgbClr>
+            </a:solidFill>
+          </a:ln>
+        </p:spPr>
+        <p:style>
+          <a:lnRef idx="1">
+            <a:schemeClr val="accent1"/>
+          </a:lnRef>
+          <a:fillRef idx="0">
+            <a:schemeClr val="accent1"/>
+          </a:fillRef>
+          <a:effectRef idx="0">
+            <a:schemeClr val="accent1"/>
+          </a:effectRef>
+          <a:fontRef idx="minor">
+            <a:schemeClr val="tx1"/>
+          </a:fontRef>
+        </p:style>
+      </p:cxnSp>
+      <p:cxnSp>
+        <p:nvCxnSpPr>
+          <p:cNvPr id="93" name="直線コネクタ 92"/>
+          <p:cNvCxnSpPr/>
+          <p:nvPr/>
+        </p:nvCxnSpPr>
+        <p:spPr>
+          <a:xfrm>
+            <a:off x="1113039" y="4385662"/>
+            <a:ext cx="3175" cy="576064"/>
+          </a:xfrm>
+          <a:prstGeom prst="line">
+            <a:avLst/>
+          </a:prstGeom>
+          <a:ln w="38100">
+            <a:solidFill>
+              <a:srgbClr val="FF0000">
+                <a:alpha val="30000"/>
+              </a:srgbClr>
+            </a:solidFill>
+            <a:headEnd type="none" w="med" len="med"/>
+            <a:tailEnd type="triangle" w="med" len="med"/>
+          </a:ln>
+        </p:spPr>
+        <p:style>
+          <a:lnRef idx="1">
+            <a:schemeClr val="accent1"/>
+          </a:lnRef>
+          <a:fillRef idx="0">
+            <a:schemeClr val="accent1"/>
+          </a:fillRef>
+          <a:effectRef idx="0">
+            <a:schemeClr val="accent1"/>
+          </a:effectRef>
+          <a:fontRef idx="minor">
+            <a:schemeClr val="tx1"/>
+          </a:fontRef>
+        </p:style>
+      </p:cxnSp>
+      <p:cxnSp>
+        <p:nvCxnSpPr>
+          <p:cNvPr id="94" name="直線コネクタ 93"/>
+          <p:cNvCxnSpPr/>
+          <p:nvPr/>
+        </p:nvCxnSpPr>
+        <p:spPr>
+          <a:xfrm>
+            <a:off x="1101927" y="2034003"/>
+            <a:ext cx="0" cy="236327"/>
+          </a:xfrm>
+          <a:prstGeom prst="line">
+            <a:avLst/>
+          </a:prstGeom>
+          <a:ln w="38100">
+            <a:solidFill>
+              <a:srgbClr val="FF0000">
+                <a:alpha val="30000"/>
+              </a:srgbClr>
+            </a:solidFill>
+          </a:ln>
+        </p:spPr>
+        <p:style>
+          <a:lnRef idx="1">
+            <a:schemeClr val="accent1"/>
+          </a:lnRef>
+          <a:fillRef idx="0">
+            <a:schemeClr val="accent1"/>
+          </a:fillRef>
+          <a:effectRef idx="0">
+            <a:schemeClr val="accent1"/>
+          </a:effectRef>
+          <a:fontRef idx="minor">
+            <a:schemeClr val="tx1"/>
+          </a:fontRef>
+        </p:style>
+      </p:cxnSp>
+      <p:cxnSp>
+        <p:nvCxnSpPr>
+          <p:cNvPr id="96" name="直線コネクタ 95"/>
+          <p:cNvCxnSpPr/>
+          <p:nvPr/>
+        </p:nvCxnSpPr>
+        <p:spPr>
+          <a:xfrm>
+            <a:off x="1097166" y="2558362"/>
+            <a:ext cx="1" cy="617229"/>
+          </a:xfrm>
+          <a:prstGeom prst="line">
+            <a:avLst/>
+          </a:prstGeom>
+          <a:ln w="38100">
+            <a:solidFill>
+              <a:srgbClr val="FF0000">
+                <a:alpha val="30000"/>
+              </a:srgbClr>
+            </a:solidFill>
+          </a:ln>
+        </p:spPr>
+        <p:style>
+          <a:lnRef idx="1">
+            <a:schemeClr val="accent1"/>
+          </a:lnRef>
+          <a:fillRef idx="0">
+            <a:schemeClr val="accent1"/>
+          </a:fillRef>
+          <a:effectRef idx="0">
+            <a:schemeClr val="accent1"/>
+          </a:effectRef>
+          <a:fontRef idx="minor">
+            <a:schemeClr val="tx1"/>
+          </a:fontRef>
+        </p:style>
+      </p:cxnSp>
+      <p:cxnSp>
+        <p:nvCxnSpPr>
+          <p:cNvPr id="100" name="直線コネクタ 99"/>
+          <p:cNvCxnSpPr/>
+          <p:nvPr/>
+        </p:nvCxnSpPr>
+        <p:spPr>
+          <a:xfrm>
+            <a:off x="1087639" y="3853906"/>
+            <a:ext cx="0" cy="83041"/>
+          </a:xfrm>
+          <a:prstGeom prst="line">
+            <a:avLst/>
+          </a:prstGeom>
+          <a:ln w="38100">
+            <a:solidFill>
+              <a:srgbClr val="FF0000">
+                <a:alpha val="30000"/>
+              </a:srgbClr>
+            </a:solidFill>
+          </a:ln>
+        </p:spPr>
+        <p:style>
+          <a:lnRef idx="1">
+            <a:schemeClr val="accent1"/>
+          </a:lnRef>
+          <a:fillRef idx="0">
+            <a:schemeClr val="accent1"/>
+          </a:fillRef>
+          <a:effectRef idx="0">
+            <a:schemeClr val="accent1"/>
+          </a:effectRef>
+          <a:fontRef idx="minor">
+            <a:schemeClr val="tx1"/>
+          </a:fontRef>
+        </p:style>
+      </p:cxnSp>
+      <p:sp>
+        <p:nvSpPr>
+          <p:cNvPr id="104" name="右大かっこ 103"/>
+          <p:cNvSpPr/>
+          <p:nvPr/>
+        </p:nvSpPr>
+        <p:spPr>
+          <a:xfrm>
+            <a:off x="4640105" y="3521751"/>
+            <a:ext cx="126014" cy="328228"/>
+          </a:xfrm>
+          <a:prstGeom prst="rightBracket">
+            <a:avLst>
+              <a:gd name="adj" fmla="val 127211"/>
+            </a:avLst>
+          </a:prstGeom>
+          <a:ln>
+            <a:solidFill>
+              <a:srgbClr val="FF0000"/>
+            </a:solidFill>
+            <a:headEnd type="none" w="med" len="med"/>
+            <a:tailEnd type="triangle" w="med" len="med"/>
+          </a:ln>
+        </p:spPr>
+        <p:style>
+          <a:lnRef idx="1">
+            <a:schemeClr val="accent1"/>
+          </a:lnRef>
+          <a:fillRef idx="0">
+            <a:schemeClr val="accent1"/>
+          </a:fillRef>
+          <a:effectRef idx="0">
+            <a:schemeClr val="accent1"/>
+          </a:effectRef>
+          <a:fontRef idx="minor">
+            <a:schemeClr val="tx1"/>
+          </a:fontRef>
+        </p:style>
+        <p:txBody>
+          <a:bodyPr rtlCol="0" anchor="ctr"/>
+          <a:lstStyle/>
+          <a:p>
+            <a:pPr algn="ctr"/>
+            <a:endParaRPr kumimoji="1" lang="ja-JP" altLang="en-US"/>
+          </a:p>
+        </p:txBody>
+      </p:sp>
+      <p:sp>
+        <p:nvSpPr>
+          <p:cNvPr id="105" name="テキスト ボックス 104"/>
+          <p:cNvSpPr txBox="1"/>
+          <p:nvPr/>
+        </p:nvSpPr>
+        <p:spPr>
+          <a:xfrm>
+            <a:off x="1484569" y="1823457"/>
+            <a:ext cx="1620893" cy="276999"/>
+          </a:xfrm>
+          <a:prstGeom prst="rect">
+            <a:avLst/>
+          </a:prstGeom>
+          <a:noFill/>
+          <a:ln>
+            <a:noFill/>
+          </a:ln>
+        </p:spPr>
+        <p:txBody>
+          <a:bodyPr wrap="none" rtlCol="0">
+            <a:spAutoFit/>
+          </a:bodyPr>
+          <a:lstStyle/>
+          <a:p>
+            <a:r>
+              <a:rPr kumimoji="1" lang="en-US" altLang="ja-JP" sz="1200" dirty="0" smtClean="0"/>
+              <a:t>&lt;- return to framework</a:t>
+            </a:r>
+            <a:endParaRPr kumimoji="1" lang="ja-JP" altLang="en-US" sz="1200" dirty="0"/>
+          </a:p>
+        </p:txBody>
+      </p:sp>
+      <p:sp>
+        <p:nvSpPr>
+          <p:cNvPr id="106" name="テキスト ボックス 105"/>
+          <p:cNvSpPr txBox="1"/>
+          <p:nvPr/>
+        </p:nvSpPr>
+        <p:spPr>
+          <a:xfrm>
+            <a:off x="1485779" y="2350388"/>
+            <a:ext cx="1620893" cy="276999"/>
+          </a:xfrm>
+          <a:prstGeom prst="rect">
+            <a:avLst/>
+          </a:prstGeom>
+          <a:noFill/>
+          <a:ln>
+            <a:noFill/>
+          </a:ln>
+        </p:spPr>
+        <p:txBody>
+          <a:bodyPr wrap="none" rtlCol="0">
+            <a:spAutoFit/>
+          </a:bodyPr>
+          <a:lstStyle/>
+          <a:p>
+            <a:r>
+              <a:rPr lang="en-US" altLang="ja-JP" sz="1200" dirty="0"/>
+              <a:t>&lt;- return to framework</a:t>
+            </a:r>
+            <a:endParaRPr kumimoji="1" lang="ja-JP" altLang="en-US" sz="1200" dirty="0"/>
+          </a:p>
+        </p:txBody>
+      </p:sp>
+      <p:sp>
+        <p:nvSpPr>
+          <p:cNvPr id="107" name="テキスト ボックス 106"/>
+          <p:cNvSpPr txBox="1"/>
+          <p:nvPr/>
+        </p:nvSpPr>
+        <p:spPr>
+          <a:xfrm>
+            <a:off x="1340148" y="3651374"/>
+            <a:ext cx="1620893" cy="276999"/>
+          </a:xfrm>
+          <a:prstGeom prst="rect">
+            <a:avLst/>
+          </a:prstGeom>
+          <a:noFill/>
+          <a:ln>
+            <a:noFill/>
+          </a:ln>
+        </p:spPr>
+        <p:txBody>
+          <a:bodyPr wrap="none" rtlCol="0">
+            <a:spAutoFit/>
+          </a:bodyPr>
+          <a:lstStyle/>
+          <a:p>
+            <a:r>
+              <a:rPr lang="en-US" altLang="ja-JP" sz="1200" dirty="0"/>
+              <a:t>&lt;- return to framework</a:t>
+            </a:r>
+            <a:endParaRPr kumimoji="1" lang="ja-JP" altLang="en-US" sz="1200" dirty="0"/>
+          </a:p>
+        </p:txBody>
+      </p:sp>
+      <p:sp>
+        <p:nvSpPr>
+          <p:cNvPr id="108" name="テキスト ボックス 107"/>
+          <p:cNvSpPr txBox="1"/>
+          <p:nvPr/>
+        </p:nvSpPr>
+        <p:spPr>
+          <a:xfrm>
+            <a:off x="1331640" y="4161621"/>
+            <a:ext cx="1620893" cy="276999"/>
+          </a:xfrm>
+          <a:prstGeom prst="rect">
+            <a:avLst/>
+          </a:prstGeom>
+          <a:noFill/>
+          <a:ln>
+            <a:noFill/>
+          </a:ln>
+        </p:spPr>
+        <p:txBody>
+          <a:bodyPr wrap="none" rtlCol="0">
+            <a:spAutoFit/>
+          </a:bodyPr>
+          <a:lstStyle/>
+          <a:p>
+            <a:r>
+              <a:rPr lang="en-US" altLang="ja-JP" sz="1200" dirty="0"/>
+              <a:t>&lt;- return to framework</a:t>
+            </a:r>
+            <a:endParaRPr kumimoji="1" lang="ja-JP" altLang="en-US" sz="1200" dirty="0"/>
+          </a:p>
+        </p:txBody>
+      </p:sp>
+      <p:sp>
+        <p:nvSpPr>
+          <p:cNvPr id="109" name="四角形吹き出し 108"/>
+          <p:cNvSpPr/>
+          <p:nvPr/>
+        </p:nvSpPr>
+        <p:spPr>
+          <a:xfrm>
+            <a:off x="189635" y="1169685"/>
+            <a:ext cx="730203" cy="300894"/>
+          </a:xfrm>
+          <a:prstGeom prst="wedgeRectCallout">
+            <a:avLst>
+              <a:gd name="adj1" fmla="val 67574"/>
+              <a:gd name="adj2" fmla="val 67432"/>
+            </a:avLst>
+          </a:prstGeom>
+          <a:solidFill>
+            <a:srgbClr val="FFC000"/>
+          </a:solidFill>
+          <a:ln>
+            <a:noFill/>
+          </a:ln>
+        </p:spPr>
+        <p:style>
+          <a:lnRef idx="2">
+            <a:schemeClr val="accent1">
+              <a:shade val="50000"/>
+            </a:schemeClr>
+          </a:lnRef>
+          <a:fillRef idx="1">
+            <a:schemeClr val="accent1"/>
+          </a:fillRef>
+          <a:effectRef idx="0">
+            <a:schemeClr val="accent1"/>
+          </a:effectRef>
+          <a:fontRef idx="minor">
+            <a:schemeClr val="lt1"/>
+          </a:fontRef>
+        </p:style>
+        <p:txBody>
+          <a:bodyPr rtlCol="0" anchor="ctr"/>
+          <a:lstStyle/>
+          <a:p>
+            <a:pPr algn="ctr"/>
+            <a:r>
+              <a:rPr lang="en-US" altLang="ja-JP" sz="1000" dirty="0">
+                <a:solidFill>
+                  <a:schemeClr val="tx1"/>
+                </a:solidFill>
+              </a:rPr>
+              <a:t>r</a:t>
+            </a:r>
+            <a:r>
+              <a:rPr lang="en-US" altLang="ja-JP" sz="1000" dirty="0" smtClean="0">
+                <a:solidFill>
+                  <a:schemeClr val="tx1"/>
+                </a:solidFill>
+              </a:rPr>
+              <a:t>equest</a:t>
+            </a:r>
+          </a:p>
+          <a:p>
+            <a:pPr algn="ctr"/>
+            <a:r>
+              <a:rPr lang="en-US" altLang="ja-JP" sz="1000" dirty="0" err="1" smtClean="0">
+                <a:solidFill>
+                  <a:schemeClr val="tx1"/>
+                </a:solidFill>
+              </a:rPr>
+              <a:t>enQueue</a:t>
+            </a:r>
+            <a:endParaRPr kumimoji="1" lang="ja-JP" altLang="en-US" sz="1000" dirty="0">
+              <a:solidFill>
+                <a:schemeClr val="tx1"/>
+              </a:solidFill>
+            </a:endParaRPr>
+          </a:p>
+        </p:txBody>
+      </p:sp>
+      <p:sp>
+        <p:nvSpPr>
+          <p:cNvPr id="110" name="四角形吹き出し 109"/>
+          <p:cNvSpPr/>
+          <p:nvPr/>
+        </p:nvSpPr>
+        <p:spPr>
+          <a:xfrm>
+            <a:off x="197989" y="2146390"/>
+            <a:ext cx="730203" cy="292986"/>
+          </a:xfrm>
+          <a:prstGeom prst="wedgeRectCallout">
+            <a:avLst>
+              <a:gd name="adj1" fmla="val 67574"/>
+              <a:gd name="adj2" fmla="val -8994"/>
+            </a:avLst>
+          </a:prstGeom>
+          <a:solidFill>
+            <a:srgbClr val="FFC000"/>
+          </a:solidFill>
+          <a:ln>
+            <a:noFill/>
+          </a:ln>
+        </p:spPr>
+        <p:style>
+          <a:lnRef idx="2">
+            <a:schemeClr val="accent1">
+              <a:shade val="50000"/>
+            </a:schemeClr>
+          </a:lnRef>
+          <a:fillRef idx="1">
+            <a:schemeClr val="accent1"/>
+          </a:fillRef>
+          <a:effectRef idx="0">
+            <a:schemeClr val="accent1"/>
+          </a:effectRef>
+          <a:fontRef idx="minor">
+            <a:schemeClr val="lt1"/>
+          </a:fontRef>
+        </p:style>
+        <p:txBody>
+          <a:bodyPr rtlCol="0" anchor="ctr"/>
+          <a:lstStyle/>
+          <a:p>
+            <a:pPr algn="ctr"/>
+            <a:r>
+              <a:rPr lang="en-US" altLang="ja-JP" sz="1000" dirty="0" smtClean="0">
+                <a:solidFill>
+                  <a:schemeClr val="tx1"/>
+                </a:solidFill>
+              </a:rPr>
+              <a:t>request</a:t>
+            </a:r>
+          </a:p>
+          <a:p>
+            <a:pPr algn="ctr"/>
+            <a:r>
+              <a:rPr lang="en-US" altLang="ja-JP" sz="1000" dirty="0" err="1" smtClean="0">
+                <a:solidFill>
+                  <a:schemeClr val="tx1"/>
+                </a:solidFill>
+              </a:rPr>
+              <a:t>enQueue</a:t>
+            </a:r>
+            <a:endParaRPr kumimoji="1" lang="ja-JP" altLang="en-US" sz="1000" dirty="0">
+              <a:solidFill>
+                <a:schemeClr val="tx1"/>
+              </a:solidFill>
+            </a:endParaRPr>
+          </a:p>
+        </p:txBody>
+      </p:sp>
+      <p:sp>
+        <p:nvSpPr>
+          <p:cNvPr id="111" name="四角形吹き出し 110"/>
+          <p:cNvSpPr/>
+          <p:nvPr/>
+        </p:nvSpPr>
+        <p:spPr>
+          <a:xfrm>
+            <a:off x="179512" y="2730986"/>
+            <a:ext cx="730203" cy="323769"/>
+          </a:xfrm>
+          <a:prstGeom prst="wedgeRectCallout">
+            <a:avLst>
+              <a:gd name="adj1" fmla="val 66704"/>
+              <a:gd name="adj2" fmla="val 80691"/>
+            </a:avLst>
+          </a:prstGeom>
+          <a:solidFill>
+            <a:srgbClr val="FFC000"/>
+          </a:solidFill>
+          <a:ln>
+            <a:noFill/>
+          </a:ln>
+        </p:spPr>
+        <p:style>
+          <a:lnRef idx="2">
+            <a:schemeClr val="accent1">
+              <a:shade val="50000"/>
+            </a:schemeClr>
+          </a:lnRef>
+          <a:fillRef idx="1">
+            <a:schemeClr val="accent1"/>
+          </a:fillRef>
+          <a:effectRef idx="0">
+            <a:schemeClr val="accent1"/>
+          </a:effectRef>
+          <a:fontRef idx="minor">
+            <a:schemeClr val="lt1"/>
+          </a:fontRef>
+        </p:style>
+        <p:txBody>
+          <a:bodyPr rtlCol="0" anchor="ctr"/>
+          <a:lstStyle/>
+          <a:p>
+            <a:pPr algn="ctr"/>
+            <a:r>
+              <a:rPr lang="en-US" altLang="ja-JP" sz="1000" dirty="0" smtClean="0">
+                <a:solidFill>
+                  <a:schemeClr val="tx1"/>
+                </a:solidFill>
+              </a:rPr>
+              <a:t>reply</a:t>
+            </a:r>
+          </a:p>
+          <a:p>
+            <a:pPr algn="ctr"/>
+            <a:r>
+              <a:rPr lang="en-US" altLang="ja-JP" sz="1000" dirty="0" err="1" smtClean="0">
+                <a:solidFill>
+                  <a:schemeClr val="tx1"/>
+                </a:solidFill>
+              </a:rPr>
+              <a:t>enQueue</a:t>
+            </a:r>
+            <a:endParaRPr kumimoji="1" lang="ja-JP" altLang="en-US" sz="1000" dirty="0">
+              <a:solidFill>
+                <a:schemeClr val="tx1"/>
+              </a:solidFill>
+            </a:endParaRPr>
+          </a:p>
+        </p:txBody>
+      </p:sp>
+      <p:sp>
+        <p:nvSpPr>
+          <p:cNvPr id="112" name="四角形吹き出し 111"/>
+          <p:cNvSpPr/>
+          <p:nvPr/>
+        </p:nvSpPr>
+        <p:spPr>
+          <a:xfrm>
+            <a:off x="179512" y="3196288"/>
+            <a:ext cx="730203" cy="316229"/>
+          </a:xfrm>
+          <a:prstGeom prst="wedgeRectCallout">
+            <a:avLst>
+              <a:gd name="adj1" fmla="val 67573"/>
+              <a:gd name="adj2" fmla="val 24279"/>
+            </a:avLst>
+          </a:prstGeom>
+          <a:solidFill>
+            <a:srgbClr val="FFC000"/>
+          </a:solidFill>
+          <a:ln>
+            <a:noFill/>
+          </a:ln>
+        </p:spPr>
+        <p:style>
+          <a:lnRef idx="2">
+            <a:schemeClr val="accent1">
+              <a:shade val="50000"/>
+            </a:schemeClr>
+          </a:lnRef>
+          <a:fillRef idx="1">
+            <a:schemeClr val="accent1"/>
+          </a:fillRef>
+          <a:effectRef idx="0">
+            <a:schemeClr val="accent1"/>
+          </a:effectRef>
+          <a:fontRef idx="minor">
+            <a:schemeClr val="lt1"/>
+          </a:fontRef>
+        </p:style>
+        <p:txBody>
+          <a:bodyPr rtlCol="0" anchor="ctr"/>
+          <a:lstStyle/>
+          <a:p>
+            <a:pPr algn="ctr"/>
+            <a:r>
+              <a:rPr lang="en-US" altLang="ja-JP" sz="1000" dirty="0" smtClean="0">
+                <a:solidFill>
+                  <a:schemeClr val="tx1"/>
+                </a:solidFill>
+              </a:rPr>
+              <a:t>reply</a:t>
+            </a:r>
+          </a:p>
+          <a:p>
+            <a:pPr algn="ctr"/>
+            <a:r>
+              <a:rPr lang="en-US" altLang="ja-JP" sz="1000" dirty="0" err="1" smtClean="0">
+                <a:solidFill>
+                  <a:schemeClr val="tx1"/>
+                </a:solidFill>
+              </a:rPr>
+              <a:t>enQueue</a:t>
+            </a:r>
+            <a:endParaRPr kumimoji="1" lang="ja-JP" altLang="en-US" sz="1000" dirty="0">
+              <a:solidFill>
+                <a:schemeClr val="tx1"/>
+              </a:solidFill>
+            </a:endParaRPr>
+          </a:p>
+        </p:txBody>
+      </p:sp>
+      <p:sp>
+        <p:nvSpPr>
+          <p:cNvPr id="72" name="テキスト ボックス 71"/>
+          <p:cNvSpPr txBox="1"/>
+          <p:nvPr/>
+        </p:nvSpPr>
+        <p:spPr>
+          <a:xfrm>
+            <a:off x="7116922" y="265331"/>
+            <a:ext cx="1271502" cy="276999"/>
+          </a:xfrm>
+          <a:prstGeom prst="rect">
+            <a:avLst/>
+          </a:prstGeom>
+          <a:noFill/>
+        </p:spPr>
+        <p:txBody>
+          <a:bodyPr wrap="none" rtlCol="0">
+            <a:spAutoFit/>
+          </a:bodyPr>
+          <a:lstStyle/>
+          <a:p>
+            <a:r>
+              <a:rPr lang="en-US" altLang="ja-JP" sz="1200" dirty="0"/>
+              <a:t>A</a:t>
+            </a:r>
+            <a:r>
+              <a:rPr kumimoji="1" lang="en-US" altLang="ja-JP" sz="1200" dirty="0" smtClean="0"/>
+              <a:t>nother modules</a:t>
+            </a:r>
+            <a:endParaRPr kumimoji="1" lang="ja-JP" altLang="en-US" sz="1200" dirty="0"/>
+          </a:p>
+        </p:txBody>
+      </p:sp>
+      <p:sp>
+        <p:nvSpPr>
+          <p:cNvPr id="75" name="Line 106"/>
+          <p:cNvSpPr>
+            <a:spLocks noChangeShapeType="1"/>
+          </p:cNvSpPr>
+          <p:nvPr/>
+        </p:nvSpPr>
+        <p:spPr bwMode="auto">
+          <a:xfrm flipH="1" flipV="1">
+            <a:off x="4678204" y="4410123"/>
+            <a:ext cx="3088437" cy="0"/>
           </a:xfrm>
           <a:prstGeom prst="line">
             <a:avLst/>
@@ -7154,24 +8700,148 @@
       </p:sp>
       <p:sp>
         <p:nvSpPr>
-          <p:cNvPr id="51" name="正方形/長方形 50"/>
+          <p:cNvPr id="76" name="テキスト ボックス 75"/>
+          <p:cNvSpPr txBox="1"/>
+          <p:nvPr/>
+        </p:nvSpPr>
+        <p:spPr>
+          <a:xfrm>
+            <a:off x="5585514" y="4196705"/>
+            <a:ext cx="496803" cy="277000"/>
+          </a:xfrm>
+          <a:prstGeom prst="rect">
+            <a:avLst/>
+          </a:prstGeom>
+          <a:noFill/>
+        </p:spPr>
+        <p:txBody>
+          <a:bodyPr wrap="none" rtlCol="0">
+            <a:spAutoFit/>
+          </a:bodyPr>
+          <a:lstStyle/>
+          <a:p>
+            <a:r>
+              <a:rPr kumimoji="1" lang="en-US" altLang="ja-JP" sz="1200" dirty="0" smtClean="0"/>
+              <a:t>reply</a:t>
+            </a:r>
+            <a:endParaRPr kumimoji="1" lang="ja-JP" altLang="en-US" sz="1200" dirty="0"/>
+          </a:p>
+        </p:txBody>
+      </p:sp>
+      <p:sp>
+        <p:nvSpPr>
+          <p:cNvPr id="77" name="Line 101"/>
+          <p:cNvSpPr>
+            <a:spLocks noChangeShapeType="1"/>
+          </p:cNvSpPr>
+          <p:nvPr/>
+        </p:nvSpPr>
+        <p:spPr bwMode="auto">
+          <a:xfrm flipH="1">
+            <a:off x="4678204" y="2249364"/>
+            <a:ext cx="3088437" cy="0"/>
+          </a:xfrm>
+          <a:prstGeom prst="line">
+            <a:avLst/>
+          </a:prstGeom>
+          <a:noFill/>
+          <a:ln w="9525">
+            <a:solidFill>
+              <a:schemeClr val="tx1"/>
+            </a:solidFill>
+            <a:round/>
+            <a:headEnd/>
+            <a:tailEnd type="arrow" w="med" len="med"/>
+          </a:ln>
+          <a:effectLst/>
+          <a:extLst>
+            <a:ext uri="{909E8E84-426E-40DD-AFC4-6F175D3DCCD1}">
+              <a14:hiddenFill xmlns:a14="http://schemas.microsoft.com/office/drawing/2010/main">
+                <a:noFill/>
+              </a14:hiddenFill>
+            </a:ext>
+            <a:ext uri="{AF507438-7753-43E0-B8FC-AC1667EBCBE1}">
+              <a14:hiddenEffects xmlns:a14="http://schemas.microsoft.com/office/drawing/2010/main">
+                <a:effectLst>
+                  <a:outerShdw dist="35921" dir="2700000" algn="ctr" rotWithShape="0">
+                    <a:schemeClr val="bg2"/>
+                  </a:outerShdw>
+                </a:effectLst>
+              </a14:hiddenEffects>
+            </a:ext>
+          </a:extLst>
+        </p:spPr>
+        <p:txBody>
+          <a:bodyPr/>
+          <a:lstStyle/>
+          <a:p>
+            <a:endParaRPr lang="ja-JP" altLang="en-US" sz="1400"/>
+          </a:p>
+        </p:txBody>
+      </p:sp>
+      <p:sp>
+        <p:nvSpPr>
+          <p:cNvPr id="78" name="テキスト ボックス 77"/>
+          <p:cNvSpPr txBox="1"/>
+          <p:nvPr/>
+        </p:nvSpPr>
+        <p:spPr>
+          <a:xfrm>
+            <a:off x="4846973" y="2037432"/>
+            <a:ext cx="2135649" cy="276999"/>
+          </a:xfrm>
+          <a:prstGeom prst="rect">
+            <a:avLst/>
+          </a:prstGeom>
+          <a:noFill/>
+        </p:spPr>
+        <p:txBody>
+          <a:bodyPr wrap="none" rtlCol="0">
+            <a:spAutoFit/>
+          </a:bodyPr>
+          <a:lstStyle/>
+          <a:p>
+            <a:r>
+              <a:rPr kumimoji="1" lang="en-US" altLang="ja-JP" sz="1200" dirty="0" smtClean="0"/>
+              <a:t>request </a:t>
+            </a:r>
+            <a:r>
+              <a:rPr lang="en-US" altLang="ja-JP" sz="1200" dirty="0" smtClean="0"/>
+              <a:t>(from another</a:t>
+            </a:r>
+            <a:r>
+              <a:rPr lang="ja-JP" altLang="en-US" sz="1200" dirty="0" smtClean="0"/>
+              <a:t> </a:t>
+            </a:r>
+            <a:r>
+              <a:rPr lang="en-US" altLang="ja-JP" sz="1200" dirty="0" smtClean="0"/>
+              <a:t>module)</a:t>
+            </a:r>
+            <a:endParaRPr lang="ja-JP" altLang="en-US" sz="1200" dirty="0"/>
+          </a:p>
+        </p:txBody>
+      </p:sp>
+      <p:sp>
+        <p:nvSpPr>
+          <p:cNvPr id="7" name="角丸四角形 6"/>
           <p:cNvSpPr/>
           <p:nvPr/>
         </p:nvSpPr>
         <p:spPr>
           <a:xfrm>
-            <a:off x="5694899" y="1486291"/>
-            <a:ext cx="1233118" cy="228649"/>
-          </a:xfrm>
-          <a:prstGeom prst="rect">
-            <a:avLst/>
-          </a:prstGeom>
-          <a:solidFill>
-            <a:schemeClr val="accent5">
-              <a:lumMod val="60000"/>
-              <a:lumOff val="40000"/>
-            </a:schemeClr>
-          </a:solidFill>
+            <a:off x="4352086" y="3327266"/>
+            <a:ext cx="641742" cy="709484"/>
+          </a:xfrm>
+          <a:prstGeom prst="roundRect">
+            <a:avLst/>
+          </a:prstGeom>
+          <a:noFill/>
+          <a:ln w="12700">
+            <a:solidFill>
+              <a:schemeClr val="tx1"/>
+            </a:solidFill>
+            <a:prstDash val="sysDash"/>
+          </a:ln>
         </p:spPr>
         <p:style>
           <a:lnRef idx="2">
@@ -7194,40 +8864,25 @@
           <a:lstStyle/>
           <a:p>
             <a:pPr algn="ctr"/>
-            <a:r>
-              <a:rPr kumimoji="1" lang="en-US" altLang="ja-JP" sz="1400" dirty="0" smtClean="0">
-                <a:solidFill>
-                  <a:schemeClr val="tx1"/>
-                </a:solidFill>
-              </a:rPr>
-              <a:t>sequence2</a:t>
-            </a:r>
-            <a:endParaRPr kumimoji="1" lang="en-US" altLang="ja-JP" sz="1400" dirty="0">
-              <a:solidFill>
-                <a:schemeClr val="tx1"/>
-              </a:solidFill>
-            </a:endParaRPr>
-          </a:p>
-        </p:txBody>
-      </p:sp>
-      <p:sp>
-        <p:nvSpPr>
-          <p:cNvPr id="52" name="テキスト ボックス 51"/>
+            <a:endParaRPr kumimoji="1" lang="ja-JP" altLang="en-US"/>
+          </a:p>
+        </p:txBody>
+      </p:sp>
+      <p:sp>
+        <p:nvSpPr>
+          <p:cNvPr id="81" name="テキスト ボックス 80"/>
           <p:cNvSpPr txBox="1"/>
           <p:nvPr/>
         </p:nvSpPr>
         <p:spPr>
           <a:xfrm>
-            <a:off x="5487857" y="2361420"/>
-            <a:ext cx="660181" cy="276999"/>
+            <a:off x="323528" y="116632"/>
+            <a:ext cx="1682961" cy="276999"/>
           </a:xfrm>
           <a:prstGeom prst="rect">
             <a:avLst/>
           </a:prstGeom>
           <a:noFill/>
-          <a:ln>
-            <a:noFill/>
-          </a:ln>
         </p:spPr>
         <p:txBody>
           <a:bodyPr wrap="none" rtlCol="0">
@@ -7236,180 +8891,73 @@
           <a:lstStyle/>
           <a:p>
             <a:r>
-              <a:rPr kumimoji="1" lang="en-US" altLang="ja-JP" sz="1200" dirty="0" smtClean="0"/>
-              <a:t>request</a:t>
+              <a:rPr lang="en-US" altLang="ja-JP" sz="1200" dirty="0"/>
+              <a:t>Focused on one module</a:t>
             </a:r>
             <a:endParaRPr kumimoji="1" lang="ja-JP" altLang="en-US" sz="1200" dirty="0"/>
           </a:p>
         </p:txBody>
       </p:sp>
-      <p:sp>
-        <p:nvSpPr>
-          <p:cNvPr id="54" name="テキスト ボックス 53"/>
-          <p:cNvSpPr txBox="1"/>
-          <p:nvPr/>
-        </p:nvSpPr>
-        <p:spPr>
-          <a:xfrm>
-            <a:off x="6495969" y="3873588"/>
-            <a:ext cx="496803" cy="276999"/>
+    </p:spTree>
+    <p:extLst>
+      <p:ext uri="{BB962C8B-B14F-4D97-AF65-F5344CB8AC3E}">
+        <p14:creationId xmlns:p14="http://schemas.microsoft.com/office/powerpoint/2010/main" val="2187784254"/>
+      </p:ext>
+    </p:extLst>
+  </p:cSld>
+  <p:clrMapOvr>
+    <a:masterClrMapping/>
+  </p:clrMapOvr>
+  <p:timing>
+    <p:tnLst>
+      <p:par>
+        <p:cTn id="1" dur="indefinite" restart="never" nodeType="tmRoot"/>
+      </p:par>
+    </p:tnLst>
+  </p:timing>
+</p:sld>
+</file>
+
+<file path=ppt/slides/slide3.xml><?xml version="1.0" encoding="utf-8"?>
+<p:sld xmlns:a="http://schemas.openxmlformats.org/drawingml/2006/main" xmlns:r="http://schemas.openxmlformats.org/officeDocument/2006/relationships" xmlns:p="http://schemas.openxmlformats.org/presentationml/2006/main">
+  <p:cSld>
+    <p:spTree>
+      <p:nvGrpSpPr>
+        <p:cNvPr id="1" name=""/>
+        <p:cNvGrpSpPr/>
+        <p:nvPr/>
+      </p:nvGrpSpPr>
+      <p:grpSpPr>
+        <a:xfrm>
+          <a:off x="0" y="0"/>
+          <a:ext cx="0" cy="0"/>
+          <a:chOff x="0" y="0"/>
+          <a:chExt cx="0" cy="0"/>
+        </a:xfrm>
+      </p:grpSpPr>
+      <p:sp>
+        <p:nvSpPr>
+          <p:cNvPr id="67" name="正方形/長方形 66"/>
+          <p:cNvSpPr/>
+          <p:nvPr/>
+        </p:nvSpPr>
+        <p:spPr>
+          <a:xfrm>
+            <a:off x="1385550" y="1027336"/>
+            <a:ext cx="1386250" cy="4633912"/>
           </a:xfrm>
           <a:prstGeom prst="rect">
             <a:avLst/>
           </a:prstGeom>
-          <a:noFill/>
-          <a:ln>
-            <a:noFill/>
+          <a:solidFill>
+            <a:schemeClr val="accent3">
+              <a:lumMod val="40000"/>
+              <a:lumOff val="60000"/>
+            </a:schemeClr>
+          </a:solidFill>
+          <a:ln w="12700">
+            <a:prstDash val="sysDash"/>
           </a:ln>
-        </p:spPr>
-        <p:txBody>
-          <a:bodyPr wrap="none" rtlCol="0">
-            <a:spAutoFit/>
-          </a:bodyPr>
-          <a:lstStyle/>
-          <a:p>
-            <a:r>
-              <a:rPr kumimoji="1" lang="en-US" altLang="ja-JP" sz="1200" dirty="0" smtClean="0"/>
-              <a:t>reply</a:t>
-            </a:r>
-            <a:endParaRPr kumimoji="1" lang="ja-JP" altLang="en-US" sz="1200" dirty="0"/>
-          </a:p>
-        </p:txBody>
-      </p:sp>
-      <p:sp>
-        <p:nvSpPr>
-          <p:cNvPr id="55" name="テキスト ボックス 54"/>
-          <p:cNvSpPr txBox="1"/>
-          <p:nvPr/>
-        </p:nvSpPr>
-        <p:spPr>
-          <a:xfrm>
-            <a:off x="5775889" y="4982283"/>
-            <a:ext cx="496803" cy="276999"/>
-          </a:xfrm>
-          <a:prstGeom prst="rect">
-            <a:avLst/>
-          </a:prstGeom>
-          <a:noFill/>
-        </p:spPr>
-        <p:txBody>
-          <a:bodyPr wrap="none" rtlCol="0">
-            <a:spAutoFit/>
-          </a:bodyPr>
-          <a:lstStyle/>
-          <a:p>
-            <a:r>
-              <a:rPr kumimoji="1" lang="en-US" altLang="ja-JP" sz="1200" dirty="0" smtClean="0"/>
-              <a:t>reply</a:t>
-            </a:r>
-            <a:endParaRPr kumimoji="1" lang="ja-JP" altLang="en-US" sz="1200" dirty="0"/>
-          </a:p>
-        </p:txBody>
-      </p:sp>
-      <p:sp>
-        <p:nvSpPr>
-          <p:cNvPr id="63" name="テキスト ボックス 62"/>
-          <p:cNvSpPr txBox="1"/>
-          <p:nvPr/>
-        </p:nvSpPr>
-        <p:spPr>
-          <a:xfrm>
-            <a:off x="6364062" y="2966292"/>
-            <a:ext cx="1289135" cy="646331"/>
-          </a:xfrm>
-          <a:prstGeom prst="rect">
-            <a:avLst/>
-          </a:prstGeom>
-          <a:noFill/>
-        </p:spPr>
-        <p:txBody>
-          <a:bodyPr wrap="none" rtlCol="0">
-            <a:spAutoFit/>
-          </a:bodyPr>
-          <a:lstStyle/>
-          <a:p>
-            <a:r>
-              <a:rPr lang="en-US" altLang="ja-JP" sz="1200" dirty="0"/>
-              <a:t>r</a:t>
-            </a:r>
-            <a:r>
-              <a:rPr kumimoji="1" lang="en-US" altLang="ja-JP" sz="1200" dirty="0" smtClean="0"/>
-              <a:t>equest</a:t>
-            </a:r>
-          </a:p>
-          <a:p>
-            <a:r>
-              <a:rPr lang="en-US" altLang="ja-JP" sz="1200" dirty="0" smtClean="0"/>
-              <a:t>(to another</a:t>
-            </a:r>
-          </a:p>
-          <a:p>
-            <a:r>
-              <a:rPr lang="en-US" altLang="ja-JP" sz="1200" dirty="0" smtClean="0"/>
-              <a:t>Function module)</a:t>
-            </a:r>
-            <a:endParaRPr kumimoji="1" lang="ja-JP" altLang="en-US" sz="1200" dirty="0"/>
-          </a:p>
-        </p:txBody>
-      </p:sp>
-      <p:sp>
-        <p:nvSpPr>
-          <p:cNvPr id="68" name="テキスト ボックス 67"/>
-          <p:cNvSpPr txBox="1"/>
-          <p:nvPr/>
-        </p:nvSpPr>
-        <p:spPr>
-          <a:xfrm>
-            <a:off x="1391769" y="982235"/>
-            <a:ext cx="1226490" cy="461665"/>
-          </a:xfrm>
-          <a:prstGeom prst="rect">
-            <a:avLst/>
-          </a:prstGeom>
-          <a:noFill/>
-        </p:spPr>
-        <p:txBody>
-          <a:bodyPr wrap="none" rtlCol="0">
-            <a:spAutoFit/>
-          </a:bodyPr>
-          <a:lstStyle/>
-          <a:p>
-            <a:r>
-              <a:rPr lang="en-US" altLang="ja-JP" sz="1200" dirty="0" err="1" smtClean="0"/>
-              <a:t>t</a:t>
-            </a:r>
-            <a:r>
-              <a:rPr kumimoji="1" lang="en-US" altLang="ja-JP" sz="1200" dirty="0" err="1" smtClean="0"/>
-              <a:t>hread_manager</a:t>
-            </a:r>
-            <a:endParaRPr kumimoji="1" lang="en-US" altLang="ja-JP" sz="1200" dirty="0" smtClean="0"/>
-          </a:p>
-          <a:p>
-            <a:r>
-              <a:rPr lang="en-US" altLang="ja-JP" sz="1200" dirty="0" smtClean="0"/>
-              <a:t>framework</a:t>
-            </a:r>
-            <a:endParaRPr kumimoji="1" lang="ja-JP" altLang="en-US" sz="1200" dirty="0"/>
-          </a:p>
-        </p:txBody>
-      </p:sp>
-      <p:sp>
-        <p:nvSpPr>
-          <p:cNvPr id="69" name="正方形/長方形 68"/>
-          <p:cNvSpPr/>
-          <p:nvPr/>
-        </p:nvSpPr>
-        <p:spPr>
-          <a:xfrm>
-            <a:off x="1591097" y="1486291"/>
-            <a:ext cx="1008112" cy="240429"/>
-          </a:xfrm>
-          <a:prstGeom prst="rect">
-            <a:avLst/>
-          </a:prstGeom>
-          <a:solidFill>
-            <a:schemeClr val="bg1"/>
-          </a:solidFill>
         </p:spPr>
         <p:style>
           <a:lnRef idx="2">
@@ -7432,25 +8980,13 @@
           <a:lstStyle/>
           <a:p>
             <a:pPr algn="ctr"/>
-            <a:r>
-              <a:rPr kumimoji="1" lang="en-US" altLang="ja-JP" sz="1000" dirty="0" err="1" smtClean="0">
-                <a:solidFill>
-                  <a:schemeClr val="tx1"/>
-                </a:solidFill>
-              </a:rPr>
-              <a:t>workerThread</a:t>
-            </a:r>
-            <a:endParaRPr kumimoji="1" lang="ja-JP" altLang="en-US" sz="1000" dirty="0">
-              <a:solidFill>
-                <a:schemeClr val="tx1"/>
-              </a:solidFill>
-            </a:endParaRPr>
-          </a:p>
-        </p:txBody>
-      </p:sp>
-      <p:sp>
-        <p:nvSpPr>
-          <p:cNvPr id="70" name="Line 97"/>
+            <a:endParaRPr kumimoji="1" lang="ja-JP" altLang="en-US"/>
+          </a:p>
+        </p:txBody>
+      </p:sp>
+      <p:sp>
+        <p:nvSpPr>
+          <p:cNvPr id="20" name="Line 97"/>
           <p:cNvSpPr>
             <a:spLocks noChangeShapeType="1"/>
           </p:cNvSpPr>
@@ -7458,7 +8994,7 @@
         </p:nvSpPr>
         <p:spPr bwMode="auto">
           <a:xfrm flipH="1">
-            <a:off x="2080295" y="1764798"/>
+            <a:off x="4091319" y="1754851"/>
             <a:ext cx="6215" cy="3691880"/>
           </a:xfrm>
           <a:prstGeom prst="line">
@@ -7501,7 +9037,7 @@
       </p:sp>
       <p:sp>
         <p:nvSpPr>
-          <p:cNvPr id="71" name="Rectangle 98"/>
+          <p:cNvPr id="21" name="Rectangle 98"/>
           <p:cNvSpPr>
             <a:spLocks noChangeArrowheads="1"/>
           </p:cNvSpPr>
@@ -7509,8 +9045,8 @@
         </p:nvSpPr>
         <p:spPr bwMode="auto">
           <a:xfrm>
-            <a:off x="2008287" y="1798705"/>
-            <a:ext cx="152400" cy="3576017"/>
+            <a:off x="4021334" y="2192634"/>
+            <a:ext cx="152400" cy="506760"/>
           </a:xfrm>
           <a:prstGeom prst="rect">
             <a:avLst/>
@@ -7549,6 +9085,1282 @@
       </p:sp>
       <p:sp>
         <p:nvSpPr>
+          <p:cNvPr id="23" name="Rectangle 100"/>
+          <p:cNvSpPr>
+            <a:spLocks noChangeArrowheads="1"/>
+          </p:cNvSpPr>
+          <p:nvPr/>
+        </p:nvSpPr>
+        <p:spPr bwMode="auto">
+          <a:xfrm>
+            <a:off x="4021334" y="3785029"/>
+            <a:ext cx="152400" cy="713021"/>
+          </a:xfrm>
+          <a:prstGeom prst="rect">
+            <a:avLst/>
+          </a:prstGeom>
+          <a:solidFill>
+            <a:srgbClr val="FFFFCC"/>
+          </a:solidFill>
+          <a:ln w="9525">
+            <a:solidFill>
+              <a:schemeClr val="tx1"/>
+            </a:solidFill>
+            <a:miter lim="800000"/>
+            <a:headEnd/>
+            <a:tailEnd/>
+          </a:ln>
+          <a:effectLst/>
+          <a:extLst>
+            <a:ext uri="{AF507438-7753-43E0-B8FC-AC1667EBCBE1}">
+              <a14:hiddenEffects xmlns:a14="http://schemas.microsoft.com/office/drawing/2010/main">
+                <a:effectLst>
+                  <a:outerShdw dist="53882" dir="2700000" algn="ctr" rotWithShape="0">
+                    <a:schemeClr val="bg2"/>
+                  </a:outerShdw>
+                </a:effectLst>
+              </a14:hiddenEffects>
+            </a:ext>
+          </a:extLst>
+        </p:spPr>
+        <p:txBody>
+          <a:bodyPr wrap="none" anchor="ctr"/>
+          <a:lstStyle/>
+          <a:p>
+            <a:endParaRPr lang="ja-JP" altLang="en-US" sz="1400"/>
+          </a:p>
+        </p:txBody>
+      </p:sp>
+      <p:sp>
+        <p:nvSpPr>
+          <p:cNvPr id="24" name="Line 101"/>
+          <p:cNvSpPr>
+            <a:spLocks noChangeShapeType="1"/>
+          </p:cNvSpPr>
+          <p:nvPr/>
+        </p:nvSpPr>
+        <p:spPr bwMode="auto">
+          <a:xfrm>
+            <a:off x="3411734" y="2192634"/>
+            <a:ext cx="609600" cy="0"/>
+          </a:xfrm>
+          <a:prstGeom prst="line">
+            <a:avLst/>
+          </a:prstGeom>
+          <a:noFill/>
+          <a:ln w="9525">
+            <a:solidFill>
+              <a:schemeClr val="tx1"/>
+            </a:solidFill>
+            <a:round/>
+            <a:headEnd/>
+            <a:tailEnd type="arrow" w="med" len="med"/>
+          </a:ln>
+          <a:effectLst/>
+          <a:extLst>
+            <a:ext uri="{909E8E84-426E-40DD-AFC4-6F175D3DCCD1}">
+              <a14:hiddenFill xmlns:a14="http://schemas.microsoft.com/office/drawing/2010/main">
+                <a:noFill/>
+              </a14:hiddenFill>
+            </a:ext>
+            <a:ext uri="{AF507438-7753-43E0-B8FC-AC1667EBCBE1}">
+              <a14:hiddenEffects xmlns:a14="http://schemas.microsoft.com/office/drawing/2010/main">
+                <a:effectLst>
+                  <a:outerShdw dist="35921" dir="2700000" algn="ctr" rotWithShape="0">
+                    <a:schemeClr val="bg2"/>
+                  </a:outerShdw>
+                </a:effectLst>
+              </a14:hiddenEffects>
+            </a:ext>
+          </a:extLst>
+        </p:spPr>
+        <p:txBody>
+          <a:bodyPr/>
+          <a:lstStyle/>
+          <a:p>
+            <a:endParaRPr lang="ja-JP" altLang="en-US" sz="1400"/>
+          </a:p>
+        </p:txBody>
+      </p:sp>
+      <p:sp>
+        <p:nvSpPr>
+          <p:cNvPr id="25" name="Line 102"/>
+          <p:cNvSpPr>
+            <a:spLocks noChangeShapeType="1"/>
+          </p:cNvSpPr>
+          <p:nvPr/>
+        </p:nvSpPr>
+        <p:spPr bwMode="auto">
+          <a:xfrm>
+            <a:off x="4173734" y="2699394"/>
+            <a:ext cx="609600" cy="0"/>
+          </a:xfrm>
+          <a:prstGeom prst="line">
+            <a:avLst/>
+          </a:prstGeom>
+          <a:noFill/>
+          <a:ln w="9525">
+            <a:solidFill>
+              <a:schemeClr val="tx1"/>
+            </a:solidFill>
+            <a:round/>
+            <a:headEnd/>
+            <a:tailEnd type="arrow" w="med" len="med"/>
+          </a:ln>
+          <a:effectLst/>
+          <a:extLst>
+            <a:ext uri="{909E8E84-426E-40DD-AFC4-6F175D3DCCD1}">
+              <a14:hiddenFill xmlns:a14="http://schemas.microsoft.com/office/drawing/2010/main">
+                <a:noFill/>
+              </a14:hiddenFill>
+            </a:ext>
+            <a:ext uri="{AF507438-7753-43E0-B8FC-AC1667EBCBE1}">
+              <a14:hiddenEffects xmlns:a14="http://schemas.microsoft.com/office/drawing/2010/main">
+                <a:effectLst>
+                  <a:outerShdw dist="35921" dir="2700000" algn="ctr" rotWithShape="0">
+                    <a:schemeClr val="bg2"/>
+                  </a:outerShdw>
+                </a:effectLst>
+              </a14:hiddenEffects>
+            </a:ext>
+          </a:extLst>
+        </p:spPr>
+        <p:txBody>
+          <a:bodyPr/>
+          <a:lstStyle/>
+          <a:p>
+            <a:endParaRPr lang="ja-JP" altLang="en-US" sz="1400"/>
+          </a:p>
+        </p:txBody>
+      </p:sp>
+      <p:sp>
+        <p:nvSpPr>
+          <p:cNvPr id="27" name="Line 104"/>
+          <p:cNvSpPr>
+            <a:spLocks noChangeShapeType="1"/>
+          </p:cNvSpPr>
+          <p:nvPr/>
+        </p:nvSpPr>
+        <p:spPr bwMode="auto">
+          <a:xfrm>
+            <a:off x="4173734" y="3790547"/>
+            <a:ext cx="609600" cy="0"/>
+          </a:xfrm>
+          <a:prstGeom prst="line">
+            <a:avLst/>
+          </a:prstGeom>
+          <a:noFill/>
+          <a:ln w="9525" cap="rnd">
+            <a:solidFill>
+              <a:schemeClr val="tx1"/>
+            </a:solidFill>
+            <a:prstDash val="sysDot"/>
+            <a:round/>
+            <a:headEnd type="arrow" w="med" len="med"/>
+            <a:tailEnd/>
+          </a:ln>
+          <a:effectLst/>
+          <a:extLst>
+            <a:ext uri="{909E8E84-426E-40DD-AFC4-6F175D3DCCD1}">
+              <a14:hiddenFill xmlns:a14="http://schemas.microsoft.com/office/drawing/2010/main">
+                <a:noFill/>
+              </a14:hiddenFill>
+            </a:ext>
+            <a:ext uri="{AF507438-7753-43E0-B8FC-AC1667EBCBE1}">
+              <a14:hiddenEffects xmlns:a14="http://schemas.microsoft.com/office/drawing/2010/main">
+                <a:effectLst>
+                  <a:outerShdw dist="35921" dir="2700000" algn="ctr" rotWithShape="0">
+                    <a:schemeClr val="bg2"/>
+                  </a:outerShdw>
+                </a:effectLst>
+              </a14:hiddenEffects>
+            </a:ext>
+          </a:extLst>
+        </p:spPr>
+        <p:txBody>
+          <a:bodyPr/>
+          <a:lstStyle/>
+          <a:p>
+            <a:endParaRPr lang="ja-JP" altLang="en-US" sz="1400"/>
+          </a:p>
+        </p:txBody>
+      </p:sp>
+      <p:sp>
+        <p:nvSpPr>
+          <p:cNvPr id="29" name="Line 106"/>
+          <p:cNvSpPr>
+            <a:spLocks noChangeShapeType="1"/>
+          </p:cNvSpPr>
+          <p:nvPr/>
+        </p:nvSpPr>
+        <p:spPr bwMode="auto">
+          <a:xfrm>
+            <a:off x="3487934" y="4498051"/>
+            <a:ext cx="533400" cy="0"/>
+          </a:xfrm>
+          <a:prstGeom prst="line">
+            <a:avLst/>
+          </a:prstGeom>
+          <a:noFill/>
+          <a:ln w="9525" cap="rnd">
+            <a:solidFill>
+              <a:schemeClr val="tx1"/>
+            </a:solidFill>
+            <a:prstDash val="sysDot"/>
+            <a:round/>
+            <a:headEnd type="arrow" w="med" len="med"/>
+            <a:tailEnd/>
+          </a:ln>
+          <a:effectLst/>
+          <a:extLst>
+            <a:ext uri="{909E8E84-426E-40DD-AFC4-6F175D3DCCD1}">
+              <a14:hiddenFill xmlns:a14="http://schemas.microsoft.com/office/drawing/2010/main">
+                <a:noFill/>
+              </a14:hiddenFill>
+            </a:ext>
+            <a:ext uri="{AF507438-7753-43E0-B8FC-AC1667EBCBE1}">
+              <a14:hiddenEffects xmlns:a14="http://schemas.microsoft.com/office/drawing/2010/main">
+                <a:effectLst>
+                  <a:outerShdw dist="35921" dir="2700000" algn="ctr" rotWithShape="0">
+                    <a:schemeClr val="bg2"/>
+                  </a:outerShdw>
+                </a:effectLst>
+              </a14:hiddenEffects>
+            </a:ext>
+          </a:extLst>
+        </p:spPr>
+        <p:txBody>
+          <a:bodyPr/>
+          <a:lstStyle/>
+          <a:p>
+            <a:endParaRPr lang="ja-JP" altLang="en-US" sz="1400"/>
+          </a:p>
+        </p:txBody>
+      </p:sp>
+      <p:sp>
+        <p:nvSpPr>
+          <p:cNvPr id="37" name="正方形/長方形 36"/>
+          <p:cNvSpPr/>
+          <p:nvPr/>
+        </p:nvSpPr>
+        <p:spPr>
+          <a:xfrm>
+            <a:off x="2835670" y="1027335"/>
+            <a:ext cx="4904682" cy="4633912"/>
+          </a:xfrm>
+          <a:prstGeom prst="rect">
+            <a:avLst/>
+          </a:prstGeom>
+          <a:noFill/>
+          <a:ln w="12700"/>
+        </p:spPr>
+        <p:style>
+          <a:lnRef idx="2">
+            <a:schemeClr val="accent1">
+              <a:shade val="50000"/>
+            </a:schemeClr>
+          </a:lnRef>
+          <a:fillRef idx="1">
+            <a:schemeClr val="accent1"/>
+          </a:fillRef>
+          <a:effectRef idx="0">
+            <a:schemeClr val="accent1"/>
+          </a:effectRef>
+          <a:fontRef idx="minor">
+            <a:schemeClr val="lt1"/>
+          </a:fontRef>
+        </p:style>
+        <p:txBody>
+          <a:bodyPr rtlCol="0" anchor="ctr"/>
+          <a:lstStyle/>
+          <a:p>
+            <a:pPr algn="ctr"/>
+            <a:endParaRPr kumimoji="1" lang="ja-JP" altLang="en-US"/>
+          </a:p>
+        </p:txBody>
+      </p:sp>
+      <p:sp>
+        <p:nvSpPr>
+          <p:cNvPr id="38" name="テキスト ボックス 37"/>
+          <p:cNvSpPr txBox="1"/>
+          <p:nvPr/>
+        </p:nvSpPr>
+        <p:spPr>
+          <a:xfrm>
+            <a:off x="2817158" y="1001935"/>
+            <a:ext cx="1242648" cy="276999"/>
+          </a:xfrm>
+          <a:prstGeom prst="rect">
+            <a:avLst/>
+          </a:prstGeom>
+          <a:noFill/>
+        </p:spPr>
+        <p:txBody>
+          <a:bodyPr wrap="none" rtlCol="0">
+            <a:spAutoFit/>
+          </a:bodyPr>
+          <a:lstStyle/>
+          <a:p>
+            <a:r>
+              <a:rPr kumimoji="1" lang="en-US" altLang="ja-JP" sz="1200" dirty="0" smtClean="0"/>
+              <a:t>Function module</a:t>
+            </a:r>
+            <a:endParaRPr kumimoji="1" lang="ja-JP" altLang="en-US" sz="1200" dirty="0"/>
+          </a:p>
+        </p:txBody>
+      </p:sp>
+      <p:sp>
+        <p:nvSpPr>
+          <p:cNvPr id="39" name="正方形/長方形 38"/>
+          <p:cNvSpPr/>
+          <p:nvPr/>
+        </p:nvSpPr>
+        <p:spPr>
+          <a:xfrm>
+            <a:off x="3474760" y="1486291"/>
+            <a:ext cx="1233118" cy="228649"/>
+          </a:xfrm>
+          <a:prstGeom prst="rect">
+            <a:avLst/>
+          </a:prstGeom>
+          <a:solidFill>
+            <a:schemeClr val="accent5">
+              <a:lumMod val="60000"/>
+              <a:lumOff val="40000"/>
+            </a:schemeClr>
+          </a:solidFill>
+        </p:spPr>
+        <p:style>
+          <a:lnRef idx="2">
+            <a:schemeClr val="accent1">
+              <a:shade val="50000"/>
+            </a:schemeClr>
+          </a:lnRef>
+          <a:fillRef idx="1">
+            <a:schemeClr val="accent1"/>
+          </a:fillRef>
+          <a:effectRef idx="0">
+            <a:schemeClr val="accent1"/>
+          </a:effectRef>
+          <a:fontRef idx="minor">
+            <a:schemeClr val="lt1"/>
+          </a:fontRef>
+        </p:style>
+        <p:txBody>
+          <a:bodyPr rtlCol="0" anchor="ctr"/>
+          <a:lstStyle/>
+          <a:p>
+            <a:pPr algn="ctr"/>
+            <a:r>
+              <a:rPr kumimoji="1" lang="en-US" altLang="ja-JP" sz="1400" dirty="0" smtClean="0">
+                <a:solidFill>
+                  <a:schemeClr val="tx1"/>
+                </a:solidFill>
+              </a:rPr>
+              <a:t>sequence1</a:t>
+            </a:r>
+            <a:endParaRPr kumimoji="1" lang="en-US" altLang="ja-JP" sz="1400" dirty="0">
+              <a:solidFill>
+                <a:schemeClr val="tx1"/>
+              </a:solidFill>
+            </a:endParaRPr>
+          </a:p>
+        </p:txBody>
+      </p:sp>
+      <p:sp>
+        <p:nvSpPr>
+          <p:cNvPr id="40" name="テキスト ボックス 39"/>
+          <p:cNvSpPr txBox="1"/>
+          <p:nvPr/>
+        </p:nvSpPr>
+        <p:spPr>
+          <a:xfrm>
+            <a:off x="3267718" y="1961772"/>
+            <a:ext cx="660181" cy="276999"/>
+          </a:xfrm>
+          <a:prstGeom prst="rect">
+            <a:avLst/>
+          </a:prstGeom>
+          <a:noFill/>
+        </p:spPr>
+        <p:txBody>
+          <a:bodyPr wrap="none" rtlCol="0">
+            <a:spAutoFit/>
+          </a:bodyPr>
+          <a:lstStyle/>
+          <a:p>
+            <a:r>
+              <a:rPr kumimoji="1" lang="en-US" altLang="ja-JP" sz="1200" dirty="0" smtClean="0"/>
+              <a:t>request</a:t>
+            </a:r>
+            <a:endParaRPr kumimoji="1" lang="ja-JP" altLang="en-US" sz="1200" dirty="0"/>
+          </a:p>
+        </p:txBody>
+      </p:sp>
+      <p:sp>
+        <p:nvSpPr>
+          <p:cNvPr id="41" name="テキスト ボックス 40"/>
+          <p:cNvSpPr txBox="1"/>
+          <p:nvPr/>
+        </p:nvSpPr>
+        <p:spPr>
+          <a:xfrm>
+            <a:off x="4153613" y="2460495"/>
+            <a:ext cx="1289135" cy="646331"/>
+          </a:xfrm>
+          <a:prstGeom prst="rect">
+            <a:avLst/>
+          </a:prstGeom>
+          <a:noFill/>
+        </p:spPr>
+        <p:txBody>
+          <a:bodyPr wrap="none" rtlCol="0">
+            <a:spAutoFit/>
+          </a:bodyPr>
+          <a:lstStyle/>
+          <a:p>
+            <a:r>
+              <a:rPr lang="en-US" altLang="ja-JP" sz="1200" dirty="0"/>
+              <a:t>r</a:t>
+            </a:r>
+            <a:r>
+              <a:rPr kumimoji="1" lang="en-US" altLang="ja-JP" sz="1200" dirty="0" smtClean="0"/>
+              <a:t>equest</a:t>
+            </a:r>
+          </a:p>
+          <a:p>
+            <a:r>
+              <a:rPr lang="en-US" altLang="ja-JP" sz="1200" dirty="0" smtClean="0"/>
+              <a:t>(to another</a:t>
+            </a:r>
+          </a:p>
+          <a:p>
+            <a:r>
+              <a:rPr lang="en-US" altLang="ja-JP" sz="1200" dirty="0" smtClean="0"/>
+              <a:t>Function module)</a:t>
+            </a:r>
+            <a:endParaRPr kumimoji="1" lang="ja-JP" altLang="en-US" sz="1200" dirty="0"/>
+          </a:p>
+        </p:txBody>
+      </p:sp>
+      <p:sp>
+        <p:nvSpPr>
+          <p:cNvPr id="42" name="テキスト ボックス 41"/>
+          <p:cNvSpPr txBox="1"/>
+          <p:nvPr/>
+        </p:nvSpPr>
+        <p:spPr>
+          <a:xfrm>
+            <a:off x="4275830" y="3585556"/>
+            <a:ext cx="496803" cy="276999"/>
+          </a:xfrm>
+          <a:prstGeom prst="rect">
+            <a:avLst/>
+          </a:prstGeom>
+          <a:noFill/>
+        </p:spPr>
+        <p:txBody>
+          <a:bodyPr wrap="none" rtlCol="0">
+            <a:spAutoFit/>
+          </a:bodyPr>
+          <a:lstStyle/>
+          <a:p>
+            <a:r>
+              <a:rPr kumimoji="1" lang="en-US" altLang="ja-JP" sz="1200" dirty="0" smtClean="0"/>
+              <a:t>reply</a:t>
+            </a:r>
+            <a:endParaRPr kumimoji="1" lang="ja-JP" altLang="en-US" sz="1200" dirty="0"/>
+          </a:p>
+        </p:txBody>
+      </p:sp>
+      <p:sp>
+        <p:nvSpPr>
+          <p:cNvPr id="43" name="テキスト ボックス 42"/>
+          <p:cNvSpPr txBox="1"/>
+          <p:nvPr/>
+        </p:nvSpPr>
+        <p:spPr>
+          <a:xfrm>
+            <a:off x="3555750" y="4449652"/>
+            <a:ext cx="496803" cy="276999"/>
+          </a:xfrm>
+          <a:prstGeom prst="rect">
+            <a:avLst/>
+          </a:prstGeom>
+          <a:noFill/>
+        </p:spPr>
+        <p:txBody>
+          <a:bodyPr wrap="none" rtlCol="0">
+            <a:spAutoFit/>
+          </a:bodyPr>
+          <a:lstStyle/>
+          <a:p>
+            <a:r>
+              <a:rPr kumimoji="1" lang="en-US" altLang="ja-JP" sz="1200" dirty="0" smtClean="0"/>
+              <a:t>reply</a:t>
+            </a:r>
+            <a:endParaRPr kumimoji="1" lang="ja-JP" altLang="en-US" sz="1200" dirty="0"/>
+          </a:p>
+        </p:txBody>
+      </p:sp>
+      <p:sp>
+        <p:nvSpPr>
+          <p:cNvPr id="44" name="Line 97"/>
+          <p:cNvSpPr>
+            <a:spLocks noChangeShapeType="1"/>
+          </p:cNvSpPr>
+          <p:nvPr/>
+        </p:nvSpPr>
+        <p:spPr bwMode="auto">
+          <a:xfrm>
+            <a:off x="6317673" y="1755342"/>
+            <a:ext cx="0" cy="3691390"/>
+          </a:xfrm>
+          <a:prstGeom prst="line">
+            <a:avLst/>
+          </a:prstGeom>
+          <a:noFill/>
+          <a:ln w="9525">
+            <a:solidFill>
+              <a:schemeClr val="tx1"/>
+            </a:solidFill>
+            <a:round/>
+            <a:headEnd/>
+            <a:tailEnd/>
+          </a:ln>
+          <a:effectLst/>
+          <a:extLst>
+            <a:ext uri="{909E8E84-426E-40DD-AFC4-6F175D3DCCD1}">
+              <a14:hiddenFill xmlns:a14="http://schemas.microsoft.com/office/drawing/2010/main">
+                <a:noFill/>
+              </a14:hiddenFill>
+            </a:ext>
+            <a:ext uri="{AF507438-7753-43E0-B8FC-AC1667EBCBE1}">
+              <a14:hiddenEffects xmlns:a14="http://schemas.microsoft.com/office/drawing/2010/main">
+                <a:effectLst>
+                  <a:outerShdw dist="35921" dir="2700000" algn="ctr" rotWithShape="0">
+                    <a:schemeClr val="bg2"/>
+                  </a:outerShdw>
+                </a:effectLst>
+              </a14:hiddenEffects>
+            </a:ext>
+          </a:extLst>
+        </p:spPr>
+        <p:txBody>
+          <a:bodyPr/>
+          <a:lstStyle/>
+          <a:p>
+            <a:endParaRPr lang="ja-JP" altLang="en-US" sz="1400"/>
+          </a:p>
+        </p:txBody>
+      </p:sp>
+      <p:sp>
+        <p:nvSpPr>
+          <p:cNvPr id="45" name="Rectangle 98"/>
+          <p:cNvSpPr>
+            <a:spLocks noChangeArrowheads="1"/>
+          </p:cNvSpPr>
+          <p:nvPr/>
+        </p:nvSpPr>
+        <p:spPr bwMode="auto">
+          <a:xfrm>
+            <a:off x="6241473" y="2707723"/>
+            <a:ext cx="152400" cy="506760"/>
+          </a:xfrm>
+          <a:prstGeom prst="rect">
+            <a:avLst/>
+          </a:prstGeom>
+          <a:solidFill>
+            <a:srgbClr val="FFFFCC"/>
+          </a:solidFill>
+          <a:ln w="9525">
+            <a:solidFill>
+              <a:schemeClr val="tx1"/>
+            </a:solidFill>
+            <a:miter lim="800000"/>
+            <a:headEnd/>
+            <a:tailEnd/>
+          </a:ln>
+          <a:effectLst/>
+          <a:extLst>
+            <a:ext uri="{AF507438-7753-43E0-B8FC-AC1667EBCBE1}">
+              <a14:hiddenEffects xmlns:a14="http://schemas.microsoft.com/office/drawing/2010/main">
+                <a:effectLst>
+                  <a:outerShdw dist="53882" dir="2700000" algn="ctr" rotWithShape="0">
+                    <a:schemeClr val="bg2"/>
+                  </a:outerShdw>
+                </a:effectLst>
+              </a14:hiddenEffects>
+            </a:ext>
+          </a:extLst>
+        </p:spPr>
+        <p:txBody>
+          <a:bodyPr wrap="none" anchor="ctr"/>
+          <a:lstStyle/>
+          <a:p>
+            <a:endParaRPr lang="ja-JP" altLang="en-US" sz="1400"/>
+          </a:p>
+        </p:txBody>
+      </p:sp>
+      <p:sp>
+        <p:nvSpPr>
+          <p:cNvPr id="46" name="Rectangle 100"/>
+          <p:cNvSpPr>
+            <a:spLocks noChangeArrowheads="1"/>
+          </p:cNvSpPr>
+          <p:nvPr/>
+        </p:nvSpPr>
+        <p:spPr bwMode="auto">
+          <a:xfrm>
+            <a:off x="6241473" y="4510627"/>
+            <a:ext cx="152400" cy="533400"/>
+          </a:xfrm>
+          <a:prstGeom prst="rect">
+            <a:avLst/>
+          </a:prstGeom>
+          <a:solidFill>
+            <a:srgbClr val="FFFFCC"/>
+          </a:solidFill>
+          <a:ln w="9525">
+            <a:solidFill>
+              <a:schemeClr val="tx1"/>
+            </a:solidFill>
+            <a:miter lim="800000"/>
+            <a:headEnd/>
+            <a:tailEnd/>
+          </a:ln>
+          <a:effectLst/>
+          <a:extLst>
+            <a:ext uri="{AF507438-7753-43E0-B8FC-AC1667EBCBE1}">
+              <a14:hiddenEffects xmlns:a14="http://schemas.microsoft.com/office/drawing/2010/main">
+                <a:effectLst>
+                  <a:outerShdw dist="53882" dir="2700000" algn="ctr" rotWithShape="0">
+                    <a:schemeClr val="bg2"/>
+                  </a:outerShdw>
+                </a:effectLst>
+              </a14:hiddenEffects>
+            </a:ext>
+          </a:extLst>
+        </p:spPr>
+        <p:txBody>
+          <a:bodyPr wrap="none" anchor="ctr"/>
+          <a:lstStyle/>
+          <a:p>
+            <a:endParaRPr lang="ja-JP" altLang="en-US" sz="1400"/>
+          </a:p>
+        </p:txBody>
+      </p:sp>
+      <p:sp>
+        <p:nvSpPr>
+          <p:cNvPr id="47" name="Line 101"/>
+          <p:cNvSpPr>
+            <a:spLocks noChangeShapeType="1"/>
+          </p:cNvSpPr>
+          <p:nvPr/>
+        </p:nvSpPr>
+        <p:spPr bwMode="auto">
+          <a:xfrm>
+            <a:off x="5631873" y="2419691"/>
+            <a:ext cx="609600" cy="0"/>
+          </a:xfrm>
+          <a:prstGeom prst="line">
+            <a:avLst/>
+          </a:prstGeom>
+          <a:noFill/>
+          <a:ln w="9525">
+            <a:solidFill>
+              <a:schemeClr val="tx1"/>
+            </a:solidFill>
+            <a:round/>
+            <a:headEnd/>
+            <a:tailEnd type="arrow" w="med" len="med"/>
+          </a:ln>
+          <a:effectLst/>
+          <a:extLst>
+            <a:ext uri="{909E8E84-426E-40DD-AFC4-6F175D3DCCD1}">
+              <a14:hiddenFill xmlns:a14="http://schemas.microsoft.com/office/drawing/2010/main">
+                <a:noFill/>
+              </a14:hiddenFill>
+            </a:ext>
+            <a:ext uri="{AF507438-7753-43E0-B8FC-AC1667EBCBE1}">
+              <a14:hiddenEffects xmlns:a14="http://schemas.microsoft.com/office/drawing/2010/main">
+                <a:effectLst>
+                  <a:outerShdw dist="35921" dir="2700000" algn="ctr" rotWithShape="0">
+                    <a:schemeClr val="bg2"/>
+                  </a:outerShdw>
+                </a:effectLst>
+              </a14:hiddenEffects>
+            </a:ext>
+          </a:extLst>
+        </p:spPr>
+        <p:txBody>
+          <a:bodyPr/>
+          <a:lstStyle/>
+          <a:p>
+            <a:endParaRPr lang="ja-JP" altLang="en-US" sz="1400">
+              <a:solidFill>
+                <a:srgbClr val="FF0000"/>
+              </a:solidFill>
+            </a:endParaRPr>
+          </a:p>
+        </p:txBody>
+      </p:sp>
+      <p:sp>
+        <p:nvSpPr>
+          <p:cNvPr id="48" name="Line 102"/>
+          <p:cNvSpPr>
+            <a:spLocks noChangeShapeType="1"/>
+          </p:cNvSpPr>
+          <p:nvPr/>
+        </p:nvSpPr>
+        <p:spPr bwMode="auto">
+          <a:xfrm>
+            <a:off x="6393873" y="3204958"/>
+            <a:ext cx="609600" cy="0"/>
+          </a:xfrm>
+          <a:prstGeom prst="line">
+            <a:avLst/>
+          </a:prstGeom>
+          <a:noFill/>
+          <a:ln w="9525">
+            <a:solidFill>
+              <a:schemeClr val="tx1"/>
+            </a:solidFill>
+            <a:round/>
+            <a:headEnd/>
+            <a:tailEnd type="arrow" w="med" len="med"/>
+          </a:ln>
+          <a:effectLst/>
+          <a:extLst>
+            <a:ext uri="{909E8E84-426E-40DD-AFC4-6F175D3DCCD1}">
+              <a14:hiddenFill xmlns:a14="http://schemas.microsoft.com/office/drawing/2010/main">
+                <a:noFill/>
+              </a14:hiddenFill>
+            </a:ext>
+            <a:ext uri="{AF507438-7753-43E0-B8FC-AC1667EBCBE1}">
+              <a14:hiddenEffects xmlns:a14="http://schemas.microsoft.com/office/drawing/2010/main">
+                <a:effectLst>
+                  <a:outerShdw dist="35921" dir="2700000" algn="ctr" rotWithShape="0">
+                    <a:schemeClr val="bg2"/>
+                  </a:outerShdw>
+                </a:effectLst>
+              </a14:hiddenEffects>
+            </a:ext>
+          </a:extLst>
+        </p:spPr>
+        <p:txBody>
+          <a:bodyPr/>
+          <a:lstStyle/>
+          <a:p>
+            <a:endParaRPr lang="ja-JP" altLang="en-US" sz="1400"/>
+          </a:p>
+        </p:txBody>
+      </p:sp>
+      <p:sp>
+        <p:nvSpPr>
+          <p:cNvPr id="49" name="Line 104"/>
+          <p:cNvSpPr>
+            <a:spLocks noChangeShapeType="1"/>
+          </p:cNvSpPr>
+          <p:nvPr/>
+        </p:nvSpPr>
+        <p:spPr bwMode="auto">
+          <a:xfrm>
+            <a:off x="6393873" y="4089612"/>
+            <a:ext cx="609600" cy="0"/>
+          </a:xfrm>
+          <a:prstGeom prst="line">
+            <a:avLst/>
+          </a:prstGeom>
+          <a:noFill/>
+          <a:ln w="9525" cap="rnd">
+            <a:solidFill>
+              <a:schemeClr val="tx1"/>
+            </a:solidFill>
+            <a:prstDash val="sysDot"/>
+            <a:round/>
+            <a:headEnd type="arrow" w="med" len="med"/>
+            <a:tailEnd/>
+          </a:ln>
+          <a:effectLst/>
+          <a:extLst>
+            <a:ext uri="{909E8E84-426E-40DD-AFC4-6F175D3DCCD1}">
+              <a14:hiddenFill xmlns:a14="http://schemas.microsoft.com/office/drawing/2010/main">
+                <a:noFill/>
+              </a14:hiddenFill>
+            </a:ext>
+            <a:ext uri="{AF507438-7753-43E0-B8FC-AC1667EBCBE1}">
+              <a14:hiddenEffects xmlns:a14="http://schemas.microsoft.com/office/drawing/2010/main">
+                <a:effectLst>
+                  <a:outerShdw dist="35921" dir="2700000" algn="ctr" rotWithShape="0">
+                    <a:schemeClr val="bg2"/>
+                  </a:outerShdw>
+                </a:effectLst>
+              </a14:hiddenEffects>
+            </a:ext>
+          </a:extLst>
+        </p:spPr>
+        <p:txBody>
+          <a:bodyPr/>
+          <a:lstStyle/>
+          <a:p>
+            <a:endParaRPr lang="ja-JP" altLang="en-US" sz="1400">
+              <a:solidFill>
+                <a:srgbClr val="FF0000"/>
+              </a:solidFill>
+            </a:endParaRPr>
+          </a:p>
+        </p:txBody>
+      </p:sp>
+      <p:sp>
+        <p:nvSpPr>
+          <p:cNvPr id="50" name="Line 106"/>
+          <p:cNvSpPr>
+            <a:spLocks noChangeShapeType="1"/>
+          </p:cNvSpPr>
+          <p:nvPr/>
+        </p:nvSpPr>
+        <p:spPr bwMode="auto">
+          <a:xfrm>
+            <a:off x="5708073" y="5030682"/>
+            <a:ext cx="533400" cy="0"/>
+          </a:xfrm>
+          <a:prstGeom prst="line">
+            <a:avLst/>
+          </a:prstGeom>
+          <a:noFill/>
+          <a:ln w="9525" cap="rnd">
+            <a:solidFill>
+              <a:schemeClr val="tx1"/>
+            </a:solidFill>
+            <a:prstDash val="sysDot"/>
+            <a:round/>
+            <a:headEnd type="arrow" w="med" len="med"/>
+            <a:tailEnd/>
+          </a:ln>
+          <a:effectLst/>
+          <a:extLst>
+            <a:ext uri="{909E8E84-426E-40DD-AFC4-6F175D3DCCD1}">
+              <a14:hiddenFill xmlns:a14="http://schemas.microsoft.com/office/drawing/2010/main">
+                <a:noFill/>
+              </a14:hiddenFill>
+            </a:ext>
+            <a:ext uri="{AF507438-7753-43E0-B8FC-AC1667EBCBE1}">
+              <a14:hiddenEffects xmlns:a14="http://schemas.microsoft.com/office/drawing/2010/main">
+                <a:effectLst>
+                  <a:outerShdw dist="35921" dir="2700000" algn="ctr" rotWithShape="0">
+                    <a:schemeClr val="bg2"/>
+                  </a:outerShdw>
+                </a:effectLst>
+              </a14:hiddenEffects>
+            </a:ext>
+          </a:extLst>
+        </p:spPr>
+        <p:txBody>
+          <a:bodyPr/>
+          <a:lstStyle/>
+          <a:p>
+            <a:endParaRPr lang="ja-JP" altLang="en-US" sz="1400"/>
+          </a:p>
+        </p:txBody>
+      </p:sp>
+      <p:sp>
+        <p:nvSpPr>
+          <p:cNvPr id="51" name="正方形/長方形 50"/>
+          <p:cNvSpPr/>
+          <p:nvPr/>
+        </p:nvSpPr>
+        <p:spPr>
+          <a:xfrm>
+            <a:off x="5694899" y="1486291"/>
+            <a:ext cx="1233118" cy="228649"/>
+          </a:xfrm>
+          <a:prstGeom prst="rect">
+            <a:avLst/>
+          </a:prstGeom>
+          <a:solidFill>
+            <a:schemeClr val="accent5">
+              <a:lumMod val="60000"/>
+              <a:lumOff val="40000"/>
+            </a:schemeClr>
+          </a:solidFill>
+        </p:spPr>
+        <p:style>
+          <a:lnRef idx="2">
+            <a:schemeClr val="accent1">
+              <a:shade val="50000"/>
+            </a:schemeClr>
+          </a:lnRef>
+          <a:fillRef idx="1">
+            <a:schemeClr val="accent1"/>
+          </a:fillRef>
+          <a:effectRef idx="0">
+            <a:schemeClr val="accent1"/>
+          </a:effectRef>
+          <a:fontRef idx="minor">
+            <a:schemeClr val="lt1"/>
+          </a:fontRef>
+        </p:style>
+        <p:txBody>
+          <a:bodyPr rtlCol="0" anchor="ctr"/>
+          <a:lstStyle/>
+          <a:p>
+            <a:pPr algn="ctr"/>
+            <a:r>
+              <a:rPr kumimoji="1" lang="en-US" altLang="ja-JP" sz="1400" dirty="0" smtClean="0">
+                <a:solidFill>
+                  <a:schemeClr val="tx1"/>
+                </a:solidFill>
+              </a:rPr>
+              <a:t>sequence2</a:t>
+            </a:r>
+            <a:endParaRPr kumimoji="1" lang="en-US" altLang="ja-JP" sz="1400" dirty="0">
+              <a:solidFill>
+                <a:schemeClr val="tx1"/>
+              </a:solidFill>
+            </a:endParaRPr>
+          </a:p>
+        </p:txBody>
+      </p:sp>
+      <p:sp>
+        <p:nvSpPr>
+          <p:cNvPr id="52" name="テキスト ボックス 51"/>
+          <p:cNvSpPr txBox="1"/>
+          <p:nvPr/>
+        </p:nvSpPr>
+        <p:spPr>
+          <a:xfrm>
+            <a:off x="5487857" y="2361420"/>
+            <a:ext cx="660181" cy="276999"/>
+          </a:xfrm>
+          <a:prstGeom prst="rect">
+            <a:avLst/>
+          </a:prstGeom>
+          <a:noFill/>
+          <a:ln>
+            <a:noFill/>
+          </a:ln>
+        </p:spPr>
+        <p:txBody>
+          <a:bodyPr wrap="none" rtlCol="0">
+            <a:spAutoFit/>
+          </a:bodyPr>
+          <a:lstStyle/>
+          <a:p>
+            <a:r>
+              <a:rPr kumimoji="1" lang="en-US" altLang="ja-JP" sz="1200" dirty="0" smtClean="0"/>
+              <a:t>request</a:t>
+            </a:r>
+            <a:endParaRPr kumimoji="1" lang="ja-JP" altLang="en-US" sz="1200" dirty="0"/>
+          </a:p>
+        </p:txBody>
+      </p:sp>
+      <p:sp>
+        <p:nvSpPr>
+          <p:cNvPr id="54" name="テキスト ボックス 53"/>
+          <p:cNvSpPr txBox="1"/>
+          <p:nvPr/>
+        </p:nvSpPr>
+        <p:spPr>
+          <a:xfrm>
+            <a:off x="6495969" y="3873588"/>
+            <a:ext cx="496803" cy="276999"/>
+          </a:xfrm>
+          <a:prstGeom prst="rect">
+            <a:avLst/>
+          </a:prstGeom>
+          <a:noFill/>
+          <a:ln>
+            <a:noFill/>
+          </a:ln>
+        </p:spPr>
+        <p:txBody>
+          <a:bodyPr wrap="none" rtlCol="0">
+            <a:spAutoFit/>
+          </a:bodyPr>
+          <a:lstStyle/>
+          <a:p>
+            <a:r>
+              <a:rPr kumimoji="1" lang="en-US" altLang="ja-JP" sz="1200" dirty="0" smtClean="0"/>
+              <a:t>reply</a:t>
+            </a:r>
+            <a:endParaRPr kumimoji="1" lang="ja-JP" altLang="en-US" sz="1200" dirty="0"/>
+          </a:p>
+        </p:txBody>
+      </p:sp>
+      <p:sp>
+        <p:nvSpPr>
+          <p:cNvPr id="55" name="テキスト ボックス 54"/>
+          <p:cNvSpPr txBox="1"/>
+          <p:nvPr/>
+        </p:nvSpPr>
+        <p:spPr>
+          <a:xfrm>
+            <a:off x="5775889" y="4982283"/>
+            <a:ext cx="496803" cy="276999"/>
+          </a:xfrm>
+          <a:prstGeom prst="rect">
+            <a:avLst/>
+          </a:prstGeom>
+          <a:noFill/>
+        </p:spPr>
+        <p:txBody>
+          <a:bodyPr wrap="none" rtlCol="0">
+            <a:spAutoFit/>
+          </a:bodyPr>
+          <a:lstStyle/>
+          <a:p>
+            <a:r>
+              <a:rPr kumimoji="1" lang="en-US" altLang="ja-JP" sz="1200" dirty="0" smtClean="0"/>
+              <a:t>reply</a:t>
+            </a:r>
+            <a:endParaRPr kumimoji="1" lang="ja-JP" altLang="en-US" sz="1200" dirty="0"/>
+          </a:p>
+        </p:txBody>
+      </p:sp>
+      <p:sp>
+        <p:nvSpPr>
+          <p:cNvPr id="63" name="テキスト ボックス 62"/>
+          <p:cNvSpPr txBox="1"/>
+          <p:nvPr/>
+        </p:nvSpPr>
+        <p:spPr>
+          <a:xfrm>
+            <a:off x="6364062" y="2966292"/>
+            <a:ext cx="1289135" cy="646331"/>
+          </a:xfrm>
+          <a:prstGeom prst="rect">
+            <a:avLst/>
+          </a:prstGeom>
+          <a:noFill/>
+        </p:spPr>
+        <p:txBody>
+          <a:bodyPr wrap="none" rtlCol="0">
+            <a:spAutoFit/>
+          </a:bodyPr>
+          <a:lstStyle/>
+          <a:p>
+            <a:r>
+              <a:rPr lang="en-US" altLang="ja-JP" sz="1200" dirty="0"/>
+              <a:t>r</a:t>
+            </a:r>
+            <a:r>
+              <a:rPr kumimoji="1" lang="en-US" altLang="ja-JP" sz="1200" dirty="0" smtClean="0"/>
+              <a:t>equest</a:t>
+            </a:r>
+          </a:p>
+          <a:p>
+            <a:r>
+              <a:rPr lang="en-US" altLang="ja-JP" sz="1200" dirty="0" smtClean="0"/>
+              <a:t>(to another</a:t>
+            </a:r>
+          </a:p>
+          <a:p>
+            <a:r>
+              <a:rPr lang="en-US" altLang="ja-JP" sz="1200" dirty="0" smtClean="0"/>
+              <a:t>Function module)</a:t>
+            </a:r>
+            <a:endParaRPr kumimoji="1" lang="ja-JP" altLang="en-US" sz="1200" dirty="0"/>
+          </a:p>
+        </p:txBody>
+      </p:sp>
+      <p:sp>
+        <p:nvSpPr>
+          <p:cNvPr id="68" name="テキスト ボックス 67"/>
+          <p:cNvSpPr txBox="1"/>
+          <p:nvPr/>
+        </p:nvSpPr>
+        <p:spPr>
+          <a:xfrm>
+            <a:off x="1391769" y="982235"/>
+            <a:ext cx="1226490" cy="461665"/>
+          </a:xfrm>
+          <a:prstGeom prst="rect">
+            <a:avLst/>
+          </a:prstGeom>
+          <a:noFill/>
+        </p:spPr>
+        <p:txBody>
+          <a:bodyPr wrap="none" rtlCol="0">
+            <a:spAutoFit/>
+          </a:bodyPr>
+          <a:lstStyle/>
+          <a:p>
+            <a:r>
+              <a:rPr lang="en-US" altLang="ja-JP" sz="1200" dirty="0" err="1" smtClean="0"/>
+              <a:t>t</a:t>
+            </a:r>
+            <a:r>
+              <a:rPr kumimoji="1" lang="en-US" altLang="ja-JP" sz="1200" dirty="0" err="1" smtClean="0"/>
+              <a:t>hread_manager</a:t>
+            </a:r>
+            <a:endParaRPr kumimoji="1" lang="en-US" altLang="ja-JP" sz="1200" dirty="0" smtClean="0"/>
+          </a:p>
+          <a:p>
+            <a:r>
+              <a:rPr lang="en-US" altLang="ja-JP" sz="1200" dirty="0" smtClean="0"/>
+              <a:t>framework</a:t>
+            </a:r>
+            <a:endParaRPr kumimoji="1" lang="ja-JP" altLang="en-US" sz="1200" dirty="0"/>
+          </a:p>
+        </p:txBody>
+      </p:sp>
+      <p:sp>
+        <p:nvSpPr>
+          <p:cNvPr id="69" name="正方形/長方形 68"/>
+          <p:cNvSpPr/>
+          <p:nvPr/>
+        </p:nvSpPr>
+        <p:spPr>
+          <a:xfrm>
+            <a:off x="1591097" y="1486291"/>
+            <a:ext cx="1008112" cy="240429"/>
+          </a:xfrm>
+          <a:prstGeom prst="rect">
+            <a:avLst/>
+          </a:prstGeom>
+          <a:solidFill>
+            <a:schemeClr val="bg1"/>
+          </a:solidFill>
+        </p:spPr>
+        <p:style>
+          <a:lnRef idx="2">
+            <a:schemeClr val="accent1">
+              <a:shade val="50000"/>
+            </a:schemeClr>
+          </a:lnRef>
+          <a:fillRef idx="1">
+            <a:schemeClr val="accent1"/>
+          </a:fillRef>
+          <a:effectRef idx="0">
+            <a:schemeClr val="accent1"/>
+          </a:effectRef>
+          <a:fontRef idx="minor">
+            <a:schemeClr val="lt1"/>
+          </a:fontRef>
+        </p:style>
+        <p:txBody>
+          <a:bodyPr rtlCol="0" anchor="ctr"/>
+          <a:lstStyle/>
+          <a:p>
+            <a:pPr algn="ctr"/>
+            <a:r>
+              <a:rPr kumimoji="1" lang="en-US" altLang="ja-JP" sz="1000" dirty="0" err="1" smtClean="0">
+                <a:solidFill>
+                  <a:schemeClr val="tx1"/>
+                </a:solidFill>
+              </a:rPr>
+              <a:t>workerThread</a:t>
+            </a:r>
+            <a:endParaRPr kumimoji="1" lang="ja-JP" altLang="en-US" sz="1000" dirty="0">
+              <a:solidFill>
+                <a:schemeClr val="tx1"/>
+              </a:solidFill>
+            </a:endParaRPr>
+          </a:p>
+        </p:txBody>
+      </p:sp>
+      <p:sp>
+        <p:nvSpPr>
+          <p:cNvPr id="70" name="Line 97"/>
+          <p:cNvSpPr>
+            <a:spLocks noChangeShapeType="1"/>
+          </p:cNvSpPr>
+          <p:nvPr/>
+        </p:nvSpPr>
+        <p:spPr bwMode="auto">
+          <a:xfrm flipH="1">
+            <a:off x="2080295" y="1764798"/>
+            <a:ext cx="6215" cy="3691880"/>
+          </a:xfrm>
+          <a:prstGeom prst="line">
+            <a:avLst/>
+          </a:prstGeom>
+          <a:noFill/>
+          <a:ln w="9525">
+            <a:solidFill>
+              <a:schemeClr val="tx1"/>
+            </a:solidFill>
+            <a:round/>
+            <a:headEnd/>
+            <a:tailEnd/>
+          </a:ln>
+          <a:effectLst/>
+          <a:extLst>
+            <a:ext uri="{909E8E84-426E-40DD-AFC4-6F175D3DCCD1}">
+              <a14:hiddenFill xmlns:a14="http://schemas.microsoft.com/office/drawing/2010/main">
+                <a:noFill/>
+              </a14:hiddenFill>
+            </a:ext>
+            <a:ext uri="{AF507438-7753-43E0-B8FC-AC1667EBCBE1}">
+              <a14:hiddenEffects xmlns:a14="http://schemas.microsoft.com/office/drawing/2010/main">
+                <a:effectLst>
+                  <a:outerShdw dist="35921" dir="2700000" algn="ctr" rotWithShape="0">
+                    <a:schemeClr val="bg2"/>
+                  </a:outerShdw>
+                </a:effectLst>
+              </a14:hiddenEffects>
+            </a:ext>
+          </a:extLst>
+        </p:spPr>
+        <p:txBody>
+          <a:bodyPr/>
+          <a:lstStyle/>
+          <a:p>
+            <a:endParaRPr lang="ja-JP" altLang="en-US" sz="1400"/>
+          </a:p>
+        </p:txBody>
+      </p:sp>
+      <p:sp>
+        <p:nvSpPr>
+          <p:cNvPr id="71" name="Rectangle 98"/>
+          <p:cNvSpPr>
+            <a:spLocks noChangeArrowheads="1"/>
+          </p:cNvSpPr>
+          <p:nvPr/>
+        </p:nvSpPr>
+        <p:spPr bwMode="auto">
+          <a:xfrm>
+            <a:off x="2008287" y="1798705"/>
+            <a:ext cx="152400" cy="3576017"/>
+          </a:xfrm>
+          <a:prstGeom prst="rect">
+            <a:avLst/>
+          </a:prstGeom>
+          <a:solidFill>
+            <a:srgbClr val="FFFFCC"/>
+          </a:solidFill>
+          <a:ln w="9525">
+            <a:solidFill>
+              <a:schemeClr val="tx1"/>
+            </a:solidFill>
+            <a:miter lim="800000"/>
+            <a:headEnd/>
+            <a:tailEnd/>
+          </a:ln>
+          <a:effectLst/>
+          <a:extLst>
+            <a:ext uri="{AF507438-7753-43E0-B8FC-AC1667EBCBE1}">
+              <a14:hiddenEffects xmlns:a14="http://schemas.microsoft.com/office/drawing/2010/main">
+                <a:effectLst>
+                  <a:outerShdw dist="53882" dir="2700000" algn="ctr" rotWithShape="0">
+                    <a:schemeClr val="bg2"/>
+                  </a:outerShdw>
+                </a:effectLst>
+              </a14:hiddenEffects>
+            </a:ext>
+          </a:extLst>
+        </p:spPr>
+        <p:txBody>
+          <a:bodyPr wrap="none" anchor="ctr"/>
+          <a:lstStyle/>
+          <a:p>
+            <a:endParaRPr lang="ja-JP" altLang="en-US" sz="1400"/>
+          </a:p>
+        </p:txBody>
+      </p:sp>
+      <p:sp>
+        <p:nvSpPr>
           <p:cNvPr id="87" name="右大かっこ 86"/>
           <p:cNvSpPr/>
           <p:nvPr/>
@@ -8747,7 +11559,7 @@
     </p:spTree>
     <p:extLst>
       <p:ext uri="{BB962C8B-B14F-4D97-AF65-F5344CB8AC3E}">
-        <p14:creationId xmlns:p14="http://schemas.microsoft.com/office/powerpoint/2010/main" val="2187784254"/>
+        <p14:creationId xmlns:p14="http://schemas.microsoft.com/office/powerpoint/2010/main" val="439473270"/>
       </p:ext>
     </p:extLst>
   </p:cSld>
@@ -8764,7 +11576,7 @@
 </p:sld>
 </file>
 
-<file path=ppt/slides/slide3.xml><?xml version="1.0" encoding="utf-8"?>
+<file path=ppt/slides/slide4.xml><?xml version="1.0" encoding="utf-8"?>
 <p:sld xmlns:a="http://schemas.openxmlformats.org/drawingml/2006/main" xmlns:r="http://schemas.openxmlformats.org/officeDocument/2006/relationships" xmlns:p="http://schemas.openxmlformats.org/presentationml/2006/main">
   <p:cSld>
     <p:spTree>
